--- a/WEB_Presentation-2/Web Development.pptx
+++ b/WEB_Presentation-2/Web Development.pptx
@@ -5,22 +5,16 @@
     <p:sldMasterId id="2147483648" r:id="rId1"/>
   </p:sldMasterIdLst>
   <p:notesMasterIdLst>
-    <p:notesMasterId r:id="rId15"/>
+    <p:notesMasterId r:id="rId9"/>
   </p:notesMasterIdLst>
   <p:sldIdLst>
     <p:sldId id="257" r:id="rId2"/>
-    <p:sldId id="261" r:id="rId3"/>
-    <p:sldId id="259" r:id="rId4"/>
-    <p:sldId id="260" r:id="rId5"/>
-    <p:sldId id="262" r:id="rId6"/>
-    <p:sldId id="263" r:id="rId7"/>
-    <p:sldId id="264" r:id="rId8"/>
-    <p:sldId id="265" r:id="rId9"/>
-    <p:sldId id="271" r:id="rId10"/>
-    <p:sldId id="267" r:id="rId11"/>
-    <p:sldId id="268" r:id="rId12"/>
-    <p:sldId id="269" r:id="rId13"/>
-    <p:sldId id="270" r:id="rId14"/>
+    <p:sldId id="264" r:id="rId3"/>
+    <p:sldId id="265" r:id="rId4"/>
+    <p:sldId id="271" r:id="rId5"/>
+    <p:sldId id="267" r:id="rId6"/>
+    <p:sldId id="269" r:id="rId7"/>
+    <p:sldId id="270" r:id="rId8"/>
   </p:sldIdLst>
   <p:sldSz cx="12192000" cy="6858000"/>
   <p:notesSz cx="6858000" cy="9144000"/>
@@ -119,6 +113,11 @@
       </a:defRPr>
     </a:lvl9pPr>
   </p:defaultTextStyle>
+  <p:extLst>
+    <p:ext uri="{EFAFB233-063F-42B5-8137-9DF3F51BA10A}">
+      <p15:sldGuideLst xmlns:p15="http://schemas.microsoft.com/office/powerpoint/2012/main"/>
+    </p:ext>
+  </p:extLst>
 </p:presentation>
 </file>
 
@@ -1120,2565 +1119,6 @@
 </pc:chgInfo>
 </file>
 
-<file path=ppt/diagrams/colors1.xml><?xml version="1.0" encoding="utf-8"?>
-<dgm:colorsDef xmlns:dgm="http://schemas.openxmlformats.org/drawingml/2006/diagram" xmlns:a="http://schemas.openxmlformats.org/drawingml/2006/main" uniqueId="urn:microsoft.com/office/officeart/2005/8/colors/colorful5">
-  <dgm:title val=""/>
-  <dgm:desc val=""/>
-  <dgm:catLst>
-    <dgm:cat type="colorful" pri="10500"/>
-  </dgm:catLst>
-  <dgm:styleLbl name="node0">
-    <dgm:fillClrLst meth="repeat">
-      <a:schemeClr val="accent4"/>
-    </dgm:fillClrLst>
-    <dgm:linClrLst meth="repeat">
-      <a:schemeClr val="lt1"/>
-    </dgm:linClrLst>
-    <dgm:effectClrLst/>
-    <dgm:txLinClrLst/>
-    <dgm:txFillClrLst/>
-    <dgm:txEffectClrLst/>
-  </dgm:styleLbl>
-  <dgm:styleLbl name="node1">
-    <dgm:fillClrLst>
-      <a:schemeClr val="accent5"/>
-      <a:schemeClr val="accent6"/>
-    </dgm:fillClrLst>
-    <dgm:linClrLst meth="repeat">
-      <a:schemeClr val="lt1"/>
-    </dgm:linClrLst>
-    <dgm:effectClrLst/>
-    <dgm:txLinClrLst/>
-    <dgm:txFillClrLst/>
-    <dgm:txEffectClrLst/>
-  </dgm:styleLbl>
-  <dgm:styleLbl name="alignNode1">
-    <dgm:fillClrLst>
-      <a:schemeClr val="accent5"/>
-      <a:schemeClr val="accent6"/>
-    </dgm:fillClrLst>
-    <dgm:linClrLst>
-      <a:schemeClr val="accent5"/>
-      <a:schemeClr val="accent6"/>
-    </dgm:linClrLst>
-    <dgm:effectClrLst/>
-    <dgm:txLinClrLst/>
-    <dgm:txFillClrLst/>
-    <dgm:txEffectClrLst/>
-  </dgm:styleLbl>
-  <dgm:styleLbl name="lnNode1">
-    <dgm:fillClrLst>
-      <a:schemeClr val="accent5"/>
-      <a:schemeClr val="accent6"/>
-    </dgm:fillClrLst>
-    <dgm:linClrLst meth="repeat">
-      <a:schemeClr val="lt1"/>
-    </dgm:linClrLst>
-    <dgm:effectClrLst/>
-    <dgm:txLinClrLst/>
-    <dgm:txFillClrLst/>
-    <dgm:txEffectClrLst/>
-  </dgm:styleLbl>
-  <dgm:styleLbl name="vennNode1">
-    <dgm:fillClrLst>
-      <a:schemeClr val="accent5">
-        <a:alpha val="50000"/>
-      </a:schemeClr>
-      <a:schemeClr val="accent6">
-        <a:alpha val="50000"/>
-      </a:schemeClr>
-    </dgm:fillClrLst>
-    <dgm:linClrLst meth="repeat">
-      <a:schemeClr val="lt1"/>
-    </dgm:linClrLst>
-    <dgm:effectClrLst/>
-    <dgm:txLinClrLst/>
-    <dgm:txFillClrLst/>
-    <dgm:txEffectClrLst/>
-  </dgm:styleLbl>
-  <dgm:styleLbl name="node2">
-    <dgm:fillClrLst>
-      <a:schemeClr val="accent6"/>
-    </dgm:fillClrLst>
-    <dgm:linClrLst meth="repeat">
-      <a:schemeClr val="lt1"/>
-    </dgm:linClrLst>
-    <dgm:effectClrLst/>
-    <dgm:txLinClrLst/>
-    <dgm:txFillClrLst/>
-    <dgm:txEffectClrLst/>
-  </dgm:styleLbl>
-  <dgm:styleLbl name="node3">
-    <dgm:fillClrLst>
-      <a:schemeClr val="accent1"/>
-    </dgm:fillClrLst>
-    <dgm:linClrLst meth="repeat">
-      <a:schemeClr val="lt1"/>
-    </dgm:linClrLst>
-    <dgm:effectClrLst/>
-    <dgm:txLinClrLst/>
-    <dgm:txFillClrLst/>
-    <dgm:txEffectClrLst/>
-  </dgm:styleLbl>
-  <dgm:styleLbl name="node4">
-    <dgm:fillClrLst>
-      <a:schemeClr val="accent2"/>
-    </dgm:fillClrLst>
-    <dgm:linClrLst meth="repeat">
-      <a:schemeClr val="lt1"/>
-    </dgm:linClrLst>
-    <dgm:effectClrLst/>
-    <dgm:txLinClrLst/>
-    <dgm:txFillClrLst/>
-    <dgm:txEffectClrLst/>
-  </dgm:styleLbl>
-  <dgm:styleLbl name="fgImgPlace1">
-    <dgm:fillClrLst>
-      <a:schemeClr val="accent5">
-        <a:tint val="50000"/>
-      </a:schemeClr>
-      <a:schemeClr val="accent6">
-        <a:tint val="50000"/>
-      </a:schemeClr>
-    </dgm:fillClrLst>
-    <dgm:linClrLst meth="repeat">
-      <a:schemeClr val="lt1"/>
-    </dgm:linClrLst>
-    <dgm:effectClrLst/>
-    <dgm:txLinClrLst/>
-    <dgm:txFillClrLst meth="repeat">
-      <a:schemeClr val="lt1"/>
-    </dgm:txFillClrLst>
-    <dgm:txEffectClrLst/>
-  </dgm:styleLbl>
-  <dgm:styleLbl name="alignImgPlace1">
-    <dgm:fillClrLst>
-      <a:schemeClr val="accent5">
-        <a:tint val="50000"/>
-      </a:schemeClr>
-      <a:schemeClr val="accent6">
-        <a:tint val="20000"/>
-      </a:schemeClr>
-    </dgm:fillClrLst>
-    <dgm:linClrLst meth="repeat">
-      <a:schemeClr val="lt1"/>
-    </dgm:linClrLst>
-    <dgm:effectClrLst/>
-    <dgm:txLinClrLst/>
-    <dgm:txFillClrLst meth="repeat">
-      <a:schemeClr val="lt1"/>
-    </dgm:txFillClrLst>
-    <dgm:txEffectClrLst/>
-  </dgm:styleLbl>
-  <dgm:styleLbl name="bgImgPlace1">
-    <dgm:fillClrLst>
-      <a:schemeClr val="accent5">
-        <a:tint val="50000"/>
-      </a:schemeClr>
-      <a:schemeClr val="accent6">
-        <a:tint val="20000"/>
-      </a:schemeClr>
-    </dgm:fillClrLst>
-    <dgm:linClrLst meth="repeat">
-      <a:schemeClr val="lt1"/>
-    </dgm:linClrLst>
-    <dgm:effectClrLst/>
-    <dgm:txLinClrLst/>
-    <dgm:txFillClrLst meth="repeat">
-      <a:schemeClr val="lt1"/>
-    </dgm:txFillClrLst>
-    <dgm:txEffectClrLst/>
-  </dgm:styleLbl>
-  <dgm:styleLbl name="sibTrans2D1">
-    <dgm:fillClrLst>
-      <a:schemeClr val="accent5"/>
-      <a:schemeClr val="accent6"/>
-    </dgm:fillClrLst>
-    <dgm:linClrLst meth="repeat">
-      <a:schemeClr val="lt1"/>
-    </dgm:linClrLst>
-    <dgm:effectClrLst/>
-    <dgm:txLinClrLst/>
-    <dgm:txFillClrLst/>
-    <dgm:txEffectClrLst/>
-  </dgm:styleLbl>
-  <dgm:styleLbl name="fgSibTrans2D1">
-    <dgm:fillClrLst>
-      <a:schemeClr val="accent5"/>
-      <a:schemeClr val="accent6"/>
-    </dgm:fillClrLst>
-    <dgm:linClrLst meth="repeat">
-      <a:schemeClr val="lt1"/>
-    </dgm:linClrLst>
-    <dgm:effectClrLst/>
-    <dgm:txLinClrLst/>
-    <dgm:txFillClrLst meth="repeat">
-      <a:schemeClr val="lt1"/>
-    </dgm:txFillClrLst>
-    <dgm:txEffectClrLst/>
-  </dgm:styleLbl>
-  <dgm:styleLbl name="bgSibTrans2D1">
-    <dgm:fillClrLst>
-      <a:schemeClr val="accent5"/>
-      <a:schemeClr val="accent6"/>
-    </dgm:fillClrLst>
-    <dgm:linClrLst meth="repeat">
-      <a:schemeClr val="lt1"/>
-    </dgm:linClrLst>
-    <dgm:effectClrLst/>
-    <dgm:txLinClrLst/>
-    <dgm:txFillClrLst meth="repeat">
-      <a:schemeClr val="lt1"/>
-    </dgm:txFillClrLst>
-    <dgm:txEffectClrLst/>
-  </dgm:styleLbl>
-  <dgm:styleLbl name="sibTrans1D1">
-    <dgm:fillClrLst/>
-    <dgm:linClrLst>
-      <a:schemeClr val="accent5"/>
-      <a:schemeClr val="accent6"/>
-    </dgm:linClrLst>
-    <dgm:effectClrLst/>
-    <dgm:txLinClrLst/>
-    <dgm:txFillClrLst meth="repeat">
-      <a:schemeClr val="tx1"/>
-    </dgm:txFillClrLst>
-    <dgm:txEffectClrLst/>
-  </dgm:styleLbl>
-  <dgm:styleLbl name="callout">
-    <dgm:fillClrLst meth="repeat">
-      <a:schemeClr val="accent5"/>
-    </dgm:fillClrLst>
-    <dgm:linClrLst meth="repeat">
-      <a:schemeClr val="accent5">
-        <a:tint val="50000"/>
-      </a:schemeClr>
-    </dgm:linClrLst>
-    <dgm:effectClrLst/>
-    <dgm:txLinClrLst/>
-    <dgm:txFillClrLst meth="repeat">
-      <a:schemeClr val="tx1"/>
-    </dgm:txFillClrLst>
-    <dgm:txEffectClrLst/>
-  </dgm:styleLbl>
-  <dgm:styleLbl name="asst0">
-    <dgm:fillClrLst meth="repeat">
-      <a:schemeClr val="accent5"/>
-    </dgm:fillClrLst>
-    <dgm:linClrLst meth="repeat">
-      <a:schemeClr val="lt1">
-        <a:shade val="80000"/>
-      </a:schemeClr>
-    </dgm:linClrLst>
-    <dgm:effectClrLst/>
-    <dgm:txLinClrLst/>
-    <dgm:txFillClrLst/>
-    <dgm:txEffectClrLst/>
-  </dgm:styleLbl>
-  <dgm:styleLbl name="asst1">
-    <dgm:fillClrLst meth="repeat">
-      <a:schemeClr val="accent6"/>
-    </dgm:fillClrLst>
-    <dgm:linClrLst meth="repeat">
-      <a:schemeClr val="lt1">
-        <a:shade val="80000"/>
-      </a:schemeClr>
-    </dgm:linClrLst>
-    <dgm:effectClrLst/>
-    <dgm:txLinClrLst/>
-    <dgm:txFillClrLst/>
-    <dgm:txEffectClrLst/>
-  </dgm:styleLbl>
-  <dgm:styleLbl name="asst2">
-    <dgm:fillClrLst>
-      <a:schemeClr val="accent1"/>
-    </dgm:fillClrLst>
-    <dgm:linClrLst meth="repeat">
-      <a:schemeClr val="lt1"/>
-    </dgm:linClrLst>
-    <dgm:effectClrLst/>
-    <dgm:txLinClrLst/>
-    <dgm:txFillClrLst/>
-    <dgm:txEffectClrLst/>
-  </dgm:styleLbl>
-  <dgm:styleLbl name="asst3">
-    <dgm:fillClrLst>
-      <a:schemeClr val="accent2"/>
-    </dgm:fillClrLst>
-    <dgm:linClrLst meth="repeat">
-      <a:schemeClr val="lt1"/>
-    </dgm:linClrLst>
-    <dgm:effectClrLst/>
-    <dgm:txLinClrLst/>
-    <dgm:txFillClrLst/>
-    <dgm:txEffectClrLst/>
-  </dgm:styleLbl>
-  <dgm:styleLbl name="asst4">
-    <dgm:fillClrLst>
-      <a:schemeClr val="accent3"/>
-    </dgm:fillClrLst>
-    <dgm:linClrLst meth="repeat">
-      <a:schemeClr val="lt1"/>
-    </dgm:linClrLst>
-    <dgm:effectClrLst/>
-    <dgm:txLinClrLst/>
-    <dgm:txFillClrLst/>
-    <dgm:txEffectClrLst/>
-  </dgm:styleLbl>
-  <dgm:styleLbl name="parChTrans2D1">
-    <dgm:fillClrLst meth="repeat">
-      <a:schemeClr val="accent5"/>
-    </dgm:fillClrLst>
-    <dgm:linClrLst meth="repeat">
-      <a:schemeClr val="lt1"/>
-    </dgm:linClrLst>
-    <dgm:effectClrLst/>
-    <dgm:txLinClrLst/>
-    <dgm:txFillClrLst meth="repeat">
-      <a:schemeClr val="lt1"/>
-    </dgm:txFillClrLst>
-    <dgm:txEffectClrLst/>
-  </dgm:styleLbl>
-  <dgm:styleLbl name="parChTrans2D2">
-    <dgm:fillClrLst meth="repeat">
-      <a:schemeClr val="accent6"/>
-    </dgm:fillClrLst>
-    <dgm:linClrLst meth="repeat">
-      <a:schemeClr val="lt1"/>
-    </dgm:linClrLst>
-    <dgm:effectClrLst/>
-    <dgm:txLinClrLst/>
-    <dgm:txFillClrLst/>
-    <dgm:txEffectClrLst/>
-  </dgm:styleLbl>
-  <dgm:styleLbl name="parChTrans2D3">
-    <dgm:fillClrLst meth="repeat">
-      <a:schemeClr val="accent6"/>
-    </dgm:fillClrLst>
-    <dgm:linClrLst meth="repeat">
-      <a:schemeClr val="lt1"/>
-    </dgm:linClrLst>
-    <dgm:effectClrLst/>
-    <dgm:txLinClrLst/>
-    <dgm:txFillClrLst/>
-    <dgm:txEffectClrLst/>
-  </dgm:styleLbl>
-  <dgm:styleLbl name="parChTrans2D4">
-    <dgm:fillClrLst meth="repeat">
-      <a:schemeClr val="accent1"/>
-    </dgm:fillClrLst>
-    <dgm:linClrLst meth="repeat">
-      <a:schemeClr val="lt1"/>
-    </dgm:linClrLst>
-    <dgm:effectClrLst/>
-    <dgm:txLinClrLst/>
-    <dgm:txFillClrLst meth="repeat">
-      <a:schemeClr val="lt1"/>
-    </dgm:txFillClrLst>
-    <dgm:txEffectClrLst/>
-  </dgm:styleLbl>
-  <dgm:styleLbl name="parChTrans1D1">
-    <dgm:fillClrLst meth="repeat">
-      <a:schemeClr val="accent5"/>
-    </dgm:fillClrLst>
-    <dgm:linClrLst meth="repeat">
-      <a:schemeClr val="accent5"/>
-    </dgm:linClrLst>
-    <dgm:effectClrLst/>
-    <dgm:txLinClrLst/>
-    <dgm:txFillClrLst meth="repeat">
-      <a:schemeClr val="tx1"/>
-    </dgm:txFillClrLst>
-    <dgm:txEffectClrLst/>
-  </dgm:styleLbl>
-  <dgm:styleLbl name="parChTrans1D2">
-    <dgm:fillClrLst meth="repeat">
-      <a:schemeClr val="accent6">
-        <a:tint val="90000"/>
-      </a:schemeClr>
-    </dgm:fillClrLst>
-    <dgm:linClrLst meth="repeat">
-      <a:schemeClr val="accent6"/>
-    </dgm:linClrLst>
-    <dgm:effectClrLst/>
-    <dgm:txLinClrLst/>
-    <dgm:txFillClrLst meth="repeat">
-      <a:schemeClr val="tx1"/>
-    </dgm:txFillClrLst>
-    <dgm:txEffectClrLst/>
-  </dgm:styleLbl>
-  <dgm:styleLbl name="parChTrans1D3">
-    <dgm:fillClrLst meth="repeat">
-      <a:schemeClr val="accent6">
-        <a:tint val="70000"/>
-      </a:schemeClr>
-    </dgm:fillClrLst>
-    <dgm:linClrLst meth="repeat">
-      <a:schemeClr val="accent1"/>
-    </dgm:linClrLst>
-    <dgm:effectClrLst/>
-    <dgm:txLinClrLst/>
-    <dgm:txFillClrLst meth="repeat">
-      <a:schemeClr val="tx1"/>
-    </dgm:txFillClrLst>
-    <dgm:txEffectClrLst/>
-  </dgm:styleLbl>
-  <dgm:styleLbl name="parChTrans1D4">
-    <dgm:fillClrLst meth="repeat">
-      <a:schemeClr val="accent6">
-        <a:tint val="50000"/>
-      </a:schemeClr>
-    </dgm:fillClrLst>
-    <dgm:linClrLst meth="repeat">
-      <a:schemeClr val="accent2"/>
-    </dgm:linClrLst>
-    <dgm:effectClrLst/>
-    <dgm:txLinClrLst/>
-    <dgm:txFillClrLst meth="repeat">
-      <a:schemeClr val="tx1"/>
-    </dgm:txFillClrLst>
-    <dgm:txEffectClrLst/>
-  </dgm:styleLbl>
-  <dgm:styleLbl name="fgAcc1">
-    <dgm:fillClrLst meth="repeat">
-      <a:schemeClr val="lt1">
-        <a:alpha val="90000"/>
-      </a:schemeClr>
-    </dgm:fillClrLst>
-    <dgm:linClrLst>
-      <a:schemeClr val="accent5"/>
-      <a:schemeClr val="accent6"/>
-    </dgm:linClrLst>
-    <dgm:effectClrLst/>
-    <dgm:txLinClrLst/>
-    <dgm:txFillClrLst meth="repeat">
-      <a:schemeClr val="dk1"/>
-    </dgm:txFillClrLst>
-    <dgm:txEffectClrLst/>
-  </dgm:styleLbl>
-  <dgm:styleLbl name="conFgAcc1">
-    <dgm:fillClrLst meth="repeat">
-      <a:schemeClr val="lt1">
-        <a:alpha val="90000"/>
-      </a:schemeClr>
-    </dgm:fillClrLst>
-    <dgm:linClrLst>
-      <a:schemeClr val="accent5"/>
-      <a:schemeClr val="accent6"/>
-    </dgm:linClrLst>
-    <dgm:effectClrLst/>
-    <dgm:txLinClrLst/>
-    <dgm:txFillClrLst meth="repeat">
-      <a:schemeClr val="dk1"/>
-    </dgm:txFillClrLst>
-    <dgm:txEffectClrLst/>
-  </dgm:styleLbl>
-  <dgm:styleLbl name="alignAcc1">
-    <dgm:fillClrLst meth="repeat">
-      <a:schemeClr val="lt1">
-        <a:alpha val="90000"/>
-      </a:schemeClr>
-    </dgm:fillClrLst>
-    <dgm:linClrLst>
-      <a:schemeClr val="accent5"/>
-      <a:schemeClr val="accent6"/>
-    </dgm:linClrLst>
-    <dgm:effectClrLst/>
-    <dgm:txLinClrLst/>
-    <dgm:txFillClrLst meth="repeat">
-      <a:schemeClr val="dk1"/>
-    </dgm:txFillClrLst>
-    <dgm:txEffectClrLst/>
-  </dgm:styleLbl>
-  <dgm:styleLbl name="trAlignAcc1">
-    <dgm:fillClrLst meth="repeat">
-      <a:schemeClr val="lt1">
-        <a:alpha val="40000"/>
-      </a:schemeClr>
-    </dgm:fillClrLst>
-    <dgm:linClrLst meth="repeat">
-      <a:schemeClr val="accent5"/>
-    </dgm:linClrLst>
-    <dgm:effectClrLst/>
-    <dgm:txLinClrLst/>
-    <dgm:txFillClrLst meth="repeat">
-      <a:schemeClr val="dk1"/>
-    </dgm:txFillClrLst>
-    <dgm:txEffectClrLst/>
-  </dgm:styleLbl>
-  <dgm:styleLbl name="bgAcc1">
-    <dgm:fillClrLst meth="repeat">
-      <a:schemeClr val="lt1">
-        <a:alpha val="90000"/>
-      </a:schemeClr>
-    </dgm:fillClrLst>
-    <dgm:linClrLst>
-      <a:schemeClr val="accent5"/>
-      <a:schemeClr val="accent6"/>
-    </dgm:linClrLst>
-    <dgm:effectClrLst/>
-    <dgm:txLinClrLst/>
-    <dgm:txFillClrLst meth="repeat">
-      <a:schemeClr val="dk1"/>
-    </dgm:txFillClrLst>
-    <dgm:txEffectClrLst/>
-  </dgm:styleLbl>
-  <dgm:styleLbl name="solidFgAcc1">
-    <dgm:fillClrLst meth="repeat">
-      <a:schemeClr val="lt1"/>
-    </dgm:fillClrLst>
-    <dgm:linClrLst>
-      <a:schemeClr val="accent5"/>
-      <a:schemeClr val="accent6"/>
-    </dgm:linClrLst>
-    <dgm:effectClrLst/>
-    <dgm:txLinClrLst/>
-    <dgm:txFillClrLst meth="repeat">
-      <a:schemeClr val="dk1"/>
-    </dgm:txFillClrLst>
-    <dgm:txEffectClrLst/>
-  </dgm:styleLbl>
-  <dgm:styleLbl name="solidAlignAcc1">
-    <dgm:fillClrLst meth="repeat">
-      <a:schemeClr val="lt1"/>
-    </dgm:fillClrLst>
-    <dgm:linClrLst>
-      <a:schemeClr val="accent5"/>
-      <a:schemeClr val="accent6"/>
-    </dgm:linClrLst>
-    <dgm:effectClrLst/>
-    <dgm:txLinClrLst/>
-    <dgm:txFillClrLst meth="repeat">
-      <a:schemeClr val="dk1"/>
-    </dgm:txFillClrLst>
-    <dgm:txEffectClrLst/>
-  </dgm:styleLbl>
-  <dgm:styleLbl name="solidBgAcc1">
-    <dgm:fillClrLst meth="repeat">
-      <a:schemeClr val="lt1"/>
-    </dgm:fillClrLst>
-    <dgm:linClrLst>
-      <a:schemeClr val="accent5"/>
-      <a:schemeClr val="accent6"/>
-    </dgm:linClrLst>
-    <dgm:effectClrLst/>
-    <dgm:txLinClrLst/>
-    <dgm:txFillClrLst meth="repeat">
-      <a:schemeClr val="dk1"/>
-    </dgm:txFillClrLst>
-    <dgm:txEffectClrLst/>
-  </dgm:styleLbl>
-  <dgm:styleLbl name="fgAccFollowNode1">
-    <dgm:fillClrLst>
-      <a:schemeClr val="accent5">
-        <a:tint val="40000"/>
-        <a:alpha val="90000"/>
-      </a:schemeClr>
-      <a:schemeClr val="accent6">
-        <a:tint val="40000"/>
-        <a:alpha val="90000"/>
-      </a:schemeClr>
-    </dgm:fillClrLst>
-    <dgm:linClrLst>
-      <a:schemeClr val="accent5">
-        <a:tint val="40000"/>
-        <a:alpha val="90000"/>
-      </a:schemeClr>
-      <a:schemeClr val="accent5">
-        <a:tint val="40000"/>
-        <a:alpha val="90000"/>
-      </a:schemeClr>
-    </dgm:linClrLst>
-    <dgm:effectClrLst/>
-    <dgm:txLinClrLst/>
-    <dgm:txFillClrLst meth="repeat">
-      <a:schemeClr val="dk1"/>
-    </dgm:txFillClrLst>
-    <dgm:txEffectClrLst/>
-  </dgm:styleLbl>
-  <dgm:styleLbl name="alignAccFollowNode1">
-    <dgm:fillClrLst>
-      <a:schemeClr val="accent5">
-        <a:tint val="40000"/>
-        <a:alpha val="90000"/>
-      </a:schemeClr>
-      <a:schemeClr val="accent6">
-        <a:tint val="40000"/>
-        <a:alpha val="90000"/>
-      </a:schemeClr>
-    </dgm:fillClrLst>
-    <dgm:linClrLst>
-      <a:schemeClr val="accent5">
-        <a:tint val="40000"/>
-        <a:alpha val="90000"/>
-      </a:schemeClr>
-      <a:schemeClr val="accent6">
-        <a:tint val="40000"/>
-        <a:alpha val="90000"/>
-      </a:schemeClr>
-    </dgm:linClrLst>
-    <dgm:effectClrLst/>
-    <dgm:txLinClrLst/>
-    <dgm:txFillClrLst meth="repeat">
-      <a:schemeClr val="dk1"/>
-    </dgm:txFillClrLst>
-    <dgm:txEffectClrLst/>
-  </dgm:styleLbl>
-  <dgm:styleLbl name="bgAccFollowNode1">
-    <dgm:fillClrLst>
-      <a:schemeClr val="accent5">
-        <a:tint val="40000"/>
-        <a:alpha val="90000"/>
-      </a:schemeClr>
-      <a:schemeClr val="accent6">
-        <a:tint val="40000"/>
-        <a:alpha val="90000"/>
-      </a:schemeClr>
-    </dgm:fillClrLst>
-    <dgm:linClrLst>
-      <a:schemeClr val="accent5">
-        <a:tint val="40000"/>
-        <a:alpha val="90000"/>
-      </a:schemeClr>
-      <a:schemeClr val="accent6">
-        <a:tint val="40000"/>
-        <a:alpha val="90000"/>
-      </a:schemeClr>
-    </dgm:linClrLst>
-    <dgm:effectClrLst/>
-    <dgm:txLinClrLst/>
-    <dgm:txFillClrLst meth="repeat">
-      <a:schemeClr val="dk1"/>
-    </dgm:txFillClrLst>
-    <dgm:txEffectClrLst/>
-  </dgm:styleLbl>
-  <dgm:styleLbl name="fgAcc0">
-    <dgm:fillClrLst meth="repeat">
-      <a:schemeClr val="lt1">
-        <a:alpha val="90000"/>
-      </a:schemeClr>
-    </dgm:fillClrLst>
-    <dgm:linClrLst>
-      <a:schemeClr val="accent4"/>
-    </dgm:linClrLst>
-    <dgm:effectClrLst/>
-    <dgm:txLinClrLst/>
-    <dgm:txFillClrLst meth="repeat">
-      <a:schemeClr val="dk1"/>
-    </dgm:txFillClrLst>
-    <dgm:txEffectClrLst/>
-  </dgm:styleLbl>
-  <dgm:styleLbl name="fgAcc2">
-    <dgm:fillClrLst meth="repeat">
-      <a:schemeClr val="lt1">
-        <a:alpha val="90000"/>
-      </a:schemeClr>
-    </dgm:fillClrLst>
-    <dgm:linClrLst>
-      <a:schemeClr val="accent6"/>
-    </dgm:linClrLst>
-    <dgm:effectClrLst/>
-    <dgm:txLinClrLst/>
-    <dgm:txFillClrLst meth="repeat">
-      <a:schemeClr val="dk1"/>
-    </dgm:txFillClrLst>
-    <dgm:txEffectClrLst/>
-  </dgm:styleLbl>
-  <dgm:styleLbl name="fgAcc3">
-    <dgm:fillClrLst meth="repeat">
-      <a:schemeClr val="lt1">
-        <a:alpha val="90000"/>
-      </a:schemeClr>
-    </dgm:fillClrLst>
-    <dgm:linClrLst>
-      <a:schemeClr val="accent1"/>
-    </dgm:linClrLst>
-    <dgm:effectClrLst/>
-    <dgm:txLinClrLst/>
-    <dgm:txFillClrLst meth="repeat">
-      <a:schemeClr val="dk1"/>
-    </dgm:txFillClrLst>
-    <dgm:txEffectClrLst/>
-  </dgm:styleLbl>
-  <dgm:styleLbl name="fgAcc4">
-    <dgm:fillClrLst meth="repeat">
-      <a:schemeClr val="lt1">
-        <a:alpha val="90000"/>
-      </a:schemeClr>
-    </dgm:fillClrLst>
-    <dgm:linClrLst>
-      <a:schemeClr val="accent2"/>
-    </dgm:linClrLst>
-    <dgm:effectClrLst/>
-    <dgm:txLinClrLst/>
-    <dgm:txFillClrLst meth="repeat">
-      <a:schemeClr val="dk1"/>
-    </dgm:txFillClrLst>
-    <dgm:txEffectClrLst/>
-  </dgm:styleLbl>
-  <dgm:styleLbl name="bgShp">
-    <dgm:fillClrLst meth="repeat">
-      <a:schemeClr val="accent5">
-        <a:tint val="40000"/>
-      </a:schemeClr>
-    </dgm:fillClrLst>
-    <dgm:linClrLst meth="repeat">
-      <a:schemeClr val="dk1"/>
-    </dgm:linClrLst>
-    <dgm:effectClrLst/>
-    <dgm:txLinClrLst/>
-    <dgm:txFillClrLst meth="repeat">
-      <a:schemeClr val="dk1"/>
-    </dgm:txFillClrLst>
-    <dgm:txEffectClrLst/>
-  </dgm:styleLbl>
-  <dgm:styleLbl name="dkBgShp">
-    <dgm:fillClrLst meth="repeat">
-      <a:schemeClr val="accent5">
-        <a:shade val="90000"/>
-      </a:schemeClr>
-    </dgm:fillClrLst>
-    <dgm:linClrLst meth="repeat">
-      <a:schemeClr val="dk1"/>
-    </dgm:linClrLst>
-    <dgm:effectClrLst/>
-    <dgm:txLinClrLst/>
-    <dgm:txFillClrLst meth="repeat">
-      <a:schemeClr val="lt1"/>
-    </dgm:txFillClrLst>
-    <dgm:txEffectClrLst/>
-  </dgm:styleLbl>
-  <dgm:styleLbl name="trBgShp">
-    <dgm:fillClrLst meth="repeat">
-      <a:schemeClr val="accent5">
-        <a:tint val="50000"/>
-        <a:alpha val="40000"/>
-      </a:schemeClr>
-    </dgm:fillClrLst>
-    <dgm:linClrLst meth="repeat">
-      <a:schemeClr val="accent5"/>
-    </dgm:linClrLst>
-    <dgm:effectClrLst/>
-    <dgm:txLinClrLst/>
-    <dgm:txFillClrLst meth="repeat">
-      <a:schemeClr val="lt1"/>
-    </dgm:txFillClrLst>
-    <dgm:txEffectClrLst/>
-  </dgm:styleLbl>
-  <dgm:styleLbl name="fgShp">
-    <dgm:fillClrLst meth="repeat">
-      <a:schemeClr val="accent5">
-        <a:tint val="40000"/>
-      </a:schemeClr>
-    </dgm:fillClrLst>
-    <dgm:linClrLst meth="repeat">
-      <a:schemeClr val="lt1"/>
-    </dgm:linClrLst>
-    <dgm:effectClrLst/>
-    <dgm:txLinClrLst/>
-    <dgm:txFillClrLst meth="repeat">
-      <a:schemeClr val="dk1"/>
-    </dgm:txFillClrLst>
-    <dgm:txEffectClrLst/>
-  </dgm:styleLbl>
-  <dgm:styleLbl name="revTx">
-    <dgm:fillClrLst meth="repeat">
-      <a:schemeClr val="lt1">
-        <a:alpha val="0"/>
-      </a:schemeClr>
-    </dgm:fillClrLst>
-    <dgm:linClrLst meth="repeat">
-      <a:schemeClr val="dk1">
-        <a:alpha val="0"/>
-      </a:schemeClr>
-    </dgm:linClrLst>
-    <dgm:effectClrLst/>
-    <dgm:txLinClrLst/>
-    <dgm:txFillClrLst meth="repeat">
-      <a:schemeClr val="tx1"/>
-    </dgm:txFillClrLst>
-    <dgm:txEffectClrLst/>
-  </dgm:styleLbl>
-</dgm:colorsDef>
-</file>
-
-<file path=ppt/diagrams/data1.xml><?xml version="1.0" encoding="utf-8"?>
-<dgm:dataModel xmlns:dgm="http://schemas.openxmlformats.org/drawingml/2006/diagram" xmlns:a="http://schemas.openxmlformats.org/drawingml/2006/main">
-  <dgm:ptLst>
-    <dgm:pt modelId="{CF6CD007-3366-47B6-913D-69B351CA3F62}" type="doc">
-      <dgm:prSet loTypeId="urn:microsoft.com/office/officeart/2005/8/layout/vList2" loCatId="list" qsTypeId="urn:microsoft.com/office/officeart/2005/8/quickstyle/simple1" qsCatId="simple" csTypeId="urn:microsoft.com/office/officeart/2005/8/colors/colorful5" csCatId="colorful" phldr="1"/>
-      <dgm:spPr/>
-      <dgm:t>
-        <a:bodyPr/>
-        <a:lstStyle/>
-        <a:p>
-          <a:endParaRPr lang="en-US"/>
-        </a:p>
-      </dgm:t>
-    </dgm:pt>
-    <dgm:pt modelId="{63D97366-7010-47EC-BC4C-3718B7B80E8F}">
-      <dgm:prSet/>
-      <dgm:spPr/>
-      <dgm:t>
-        <a:bodyPr/>
-        <a:lstStyle/>
-        <a:p>
-          <a:r>
-            <a:rPr lang="en-US" b="0" i="0" dirty="0"/>
-            <a:t>Angular is a framework and platform that is written in TypeScript.</a:t>
-          </a:r>
-          <a:endParaRPr lang="en-US" dirty="0"/>
-        </a:p>
-      </dgm:t>
-    </dgm:pt>
-    <dgm:pt modelId="{53702975-E3F6-473B-98A7-C886B7C02145}" type="parTrans" cxnId="{B8C56653-38CE-4363-8410-F4E18DB180AB}">
-      <dgm:prSet/>
-      <dgm:spPr/>
-      <dgm:t>
-        <a:bodyPr/>
-        <a:lstStyle/>
-        <a:p>
-          <a:endParaRPr lang="en-US"/>
-        </a:p>
-      </dgm:t>
-    </dgm:pt>
-    <dgm:pt modelId="{03D42E71-D8B7-41F9-AFCE-EA9537769A9B}" type="sibTrans" cxnId="{B8C56653-38CE-4363-8410-F4E18DB180AB}">
-      <dgm:prSet/>
-      <dgm:spPr/>
-      <dgm:t>
-        <a:bodyPr/>
-        <a:lstStyle/>
-        <a:p>
-          <a:endParaRPr lang="en-US"/>
-        </a:p>
-      </dgm:t>
-    </dgm:pt>
-    <dgm:pt modelId="{F40D2D5D-C114-4927-8630-ACC5C2007B25}">
-      <dgm:prSet/>
-      <dgm:spPr/>
-      <dgm:t>
-        <a:bodyPr/>
-        <a:lstStyle/>
-        <a:p>
-          <a:r>
-            <a:rPr lang="en-US" b="0" i="0" dirty="0"/>
-            <a:t>It is used for developing single page applications employing TypeScript and HTML template language. </a:t>
-          </a:r>
-          <a:endParaRPr lang="en-US" dirty="0"/>
-        </a:p>
-      </dgm:t>
-    </dgm:pt>
-    <dgm:pt modelId="{7EC90936-8C00-4E6D-A733-3710F8E20089}" type="parTrans" cxnId="{7F994724-15EE-4B68-B952-50EAFBB41304}">
-      <dgm:prSet/>
-      <dgm:spPr/>
-      <dgm:t>
-        <a:bodyPr/>
-        <a:lstStyle/>
-        <a:p>
-          <a:endParaRPr lang="en-US"/>
-        </a:p>
-      </dgm:t>
-    </dgm:pt>
-    <dgm:pt modelId="{034BE32D-DCBF-489E-8A6C-696387117DD5}" type="sibTrans" cxnId="{7F994724-15EE-4B68-B952-50EAFBB41304}">
-      <dgm:prSet/>
-      <dgm:spPr/>
-      <dgm:t>
-        <a:bodyPr/>
-        <a:lstStyle/>
-        <a:p>
-          <a:endParaRPr lang="en-US"/>
-        </a:p>
-      </dgm:t>
-    </dgm:pt>
-    <dgm:pt modelId="{09E29710-CBC3-48BB-8570-159DD02C166C}">
-      <dgm:prSet/>
-      <dgm:spPr/>
-      <dgm:t>
-        <a:bodyPr/>
-        <a:lstStyle/>
-        <a:p>
-          <a:r>
-            <a:rPr lang="en-US" b="0" i="0" dirty="0"/>
-            <a:t>Data binding and dependency injection.</a:t>
-          </a:r>
-          <a:endParaRPr lang="en-US" dirty="0"/>
-        </a:p>
-      </dgm:t>
-    </dgm:pt>
-    <dgm:pt modelId="{1A025E2F-2700-4C6B-B2D2-3288BAF4E388}" type="parTrans" cxnId="{2DDBC2AA-CB30-4F6A-9818-FE3CCCBCDE26}">
-      <dgm:prSet/>
-      <dgm:spPr/>
-      <dgm:t>
-        <a:bodyPr/>
-        <a:lstStyle/>
-        <a:p>
-          <a:endParaRPr lang="en-US"/>
-        </a:p>
-      </dgm:t>
-    </dgm:pt>
-    <dgm:pt modelId="{252D105F-22B9-4BFC-9056-763DC3DE16D1}" type="sibTrans" cxnId="{2DDBC2AA-CB30-4F6A-9818-FE3CCCBCDE26}">
-      <dgm:prSet/>
-      <dgm:spPr/>
-      <dgm:t>
-        <a:bodyPr/>
-        <a:lstStyle/>
-        <a:p>
-          <a:endParaRPr lang="en-US"/>
-        </a:p>
-      </dgm:t>
-    </dgm:pt>
-    <dgm:pt modelId="{B65DDB80-1249-458F-ACED-AAAEC28E4882}">
-      <dgm:prSet/>
-      <dgm:spPr/>
-      <dgm:t>
-        <a:bodyPr/>
-        <a:lstStyle/>
-        <a:p>
-          <a:r>
-            <a:rPr lang="en-US" b="0"/>
-            <a:t>Component-based architecture</a:t>
-          </a:r>
-          <a:endParaRPr lang="en-US"/>
-        </a:p>
-      </dgm:t>
-    </dgm:pt>
-    <dgm:pt modelId="{7A285BAB-85C3-4593-99C5-952DC90BCAA9}" type="parTrans" cxnId="{E2766639-9F63-4217-BC6C-F4F951393C7B}">
-      <dgm:prSet/>
-      <dgm:spPr/>
-      <dgm:t>
-        <a:bodyPr/>
-        <a:lstStyle/>
-        <a:p>
-          <a:endParaRPr lang="en-US"/>
-        </a:p>
-      </dgm:t>
-    </dgm:pt>
-    <dgm:pt modelId="{8C06A4DA-E72F-4DA5-9060-F620B0AB2448}" type="sibTrans" cxnId="{E2766639-9F63-4217-BC6C-F4F951393C7B}">
-      <dgm:prSet/>
-      <dgm:spPr/>
-      <dgm:t>
-        <a:bodyPr/>
-        <a:lstStyle/>
-        <a:p>
-          <a:endParaRPr lang="en-US"/>
-        </a:p>
-      </dgm:t>
-    </dgm:pt>
-    <dgm:pt modelId="{6E98B4AD-7F90-46DE-862C-E5A1588CBC71}" type="pres">
-      <dgm:prSet presAssocID="{CF6CD007-3366-47B6-913D-69B351CA3F62}" presName="linear" presStyleCnt="0">
-        <dgm:presLayoutVars>
-          <dgm:animLvl val="lvl"/>
-          <dgm:resizeHandles val="exact"/>
-        </dgm:presLayoutVars>
-      </dgm:prSet>
-      <dgm:spPr/>
-    </dgm:pt>
-    <dgm:pt modelId="{A9E1E291-CFEF-4E39-8E29-AE9130F2C198}" type="pres">
-      <dgm:prSet presAssocID="{63D97366-7010-47EC-BC4C-3718B7B80E8F}" presName="parentText" presStyleLbl="node1" presStyleIdx="0" presStyleCnt="4" custLinFactY="1761" custLinFactNeighborY="100000">
-        <dgm:presLayoutVars>
-          <dgm:chMax val="0"/>
-          <dgm:bulletEnabled val="1"/>
-        </dgm:presLayoutVars>
-      </dgm:prSet>
-      <dgm:spPr/>
-    </dgm:pt>
-    <dgm:pt modelId="{304754C4-B3BD-4C7F-87CD-500572CCB02D}" type="pres">
-      <dgm:prSet presAssocID="{03D42E71-D8B7-41F9-AFCE-EA9537769A9B}" presName="spacer" presStyleCnt="0"/>
-      <dgm:spPr/>
-    </dgm:pt>
-    <dgm:pt modelId="{CA306357-E19E-4792-BDD8-014764663E1C}" type="pres">
-      <dgm:prSet presAssocID="{F40D2D5D-C114-4927-8630-ACC5C2007B25}" presName="parentText" presStyleLbl="node1" presStyleIdx="1" presStyleCnt="4" custLinFactNeighborY="-63162">
-        <dgm:presLayoutVars>
-          <dgm:chMax val="0"/>
-          <dgm:bulletEnabled val="1"/>
-        </dgm:presLayoutVars>
-      </dgm:prSet>
-      <dgm:spPr/>
-    </dgm:pt>
-    <dgm:pt modelId="{5408B781-9839-4DFA-B980-4F2A9BD4BB96}" type="pres">
-      <dgm:prSet presAssocID="{034BE32D-DCBF-489E-8A6C-696387117DD5}" presName="spacer" presStyleCnt="0"/>
-      <dgm:spPr/>
-    </dgm:pt>
-    <dgm:pt modelId="{CCEA8E41-0386-490B-8214-C5614E0AA9B9}" type="pres">
-      <dgm:prSet presAssocID="{09E29710-CBC3-48BB-8570-159DD02C166C}" presName="parentText" presStyleLbl="node1" presStyleIdx="2" presStyleCnt="4">
-        <dgm:presLayoutVars>
-          <dgm:chMax val="0"/>
-          <dgm:bulletEnabled val="1"/>
-        </dgm:presLayoutVars>
-      </dgm:prSet>
-      <dgm:spPr/>
-    </dgm:pt>
-    <dgm:pt modelId="{941B7711-A966-4F03-A3C5-8DF5F7E61651}" type="pres">
-      <dgm:prSet presAssocID="{252D105F-22B9-4BFC-9056-763DC3DE16D1}" presName="spacer" presStyleCnt="0"/>
-      <dgm:spPr/>
-    </dgm:pt>
-    <dgm:pt modelId="{6F328FE5-6628-42A0-B060-67DF3BD29718}" type="pres">
-      <dgm:prSet presAssocID="{B65DDB80-1249-458F-ACED-AAAEC28E4882}" presName="parentText" presStyleLbl="node1" presStyleIdx="3" presStyleCnt="4">
-        <dgm:presLayoutVars>
-          <dgm:chMax val="0"/>
-          <dgm:bulletEnabled val="1"/>
-        </dgm:presLayoutVars>
-      </dgm:prSet>
-      <dgm:spPr/>
-    </dgm:pt>
-  </dgm:ptLst>
-  <dgm:cxnLst>
-    <dgm:cxn modelId="{7F994724-15EE-4B68-B952-50EAFBB41304}" srcId="{CF6CD007-3366-47B6-913D-69B351CA3F62}" destId="{F40D2D5D-C114-4927-8630-ACC5C2007B25}" srcOrd="1" destOrd="0" parTransId="{7EC90936-8C00-4E6D-A733-3710F8E20089}" sibTransId="{034BE32D-DCBF-489E-8A6C-696387117DD5}"/>
-    <dgm:cxn modelId="{2F59E337-F97A-43BC-9642-1586F0BA877D}" type="presOf" srcId="{F40D2D5D-C114-4927-8630-ACC5C2007B25}" destId="{CA306357-E19E-4792-BDD8-014764663E1C}" srcOrd="0" destOrd="0" presId="urn:microsoft.com/office/officeart/2005/8/layout/vList2"/>
-    <dgm:cxn modelId="{E2766639-9F63-4217-BC6C-F4F951393C7B}" srcId="{CF6CD007-3366-47B6-913D-69B351CA3F62}" destId="{B65DDB80-1249-458F-ACED-AAAEC28E4882}" srcOrd="3" destOrd="0" parTransId="{7A285BAB-85C3-4593-99C5-952DC90BCAA9}" sibTransId="{8C06A4DA-E72F-4DA5-9060-F620B0AB2448}"/>
-    <dgm:cxn modelId="{E40EF64E-18B1-47F5-877E-BB8BB0AC5203}" type="presOf" srcId="{B65DDB80-1249-458F-ACED-AAAEC28E4882}" destId="{6F328FE5-6628-42A0-B060-67DF3BD29718}" srcOrd="0" destOrd="0" presId="urn:microsoft.com/office/officeart/2005/8/layout/vList2"/>
-    <dgm:cxn modelId="{B8C56653-38CE-4363-8410-F4E18DB180AB}" srcId="{CF6CD007-3366-47B6-913D-69B351CA3F62}" destId="{63D97366-7010-47EC-BC4C-3718B7B80E8F}" srcOrd="0" destOrd="0" parTransId="{53702975-E3F6-473B-98A7-C886B7C02145}" sibTransId="{03D42E71-D8B7-41F9-AFCE-EA9537769A9B}"/>
-    <dgm:cxn modelId="{CA353B83-CC07-42ED-A220-FA97D4D47760}" type="presOf" srcId="{63D97366-7010-47EC-BC4C-3718B7B80E8F}" destId="{A9E1E291-CFEF-4E39-8E29-AE9130F2C198}" srcOrd="0" destOrd="0" presId="urn:microsoft.com/office/officeart/2005/8/layout/vList2"/>
-    <dgm:cxn modelId="{2DDBC2AA-CB30-4F6A-9818-FE3CCCBCDE26}" srcId="{CF6CD007-3366-47B6-913D-69B351CA3F62}" destId="{09E29710-CBC3-48BB-8570-159DD02C166C}" srcOrd="2" destOrd="0" parTransId="{1A025E2F-2700-4C6B-B2D2-3288BAF4E388}" sibTransId="{252D105F-22B9-4BFC-9056-763DC3DE16D1}"/>
-    <dgm:cxn modelId="{7FF2FDDE-3261-4DB2-970F-12266467698D}" type="presOf" srcId="{CF6CD007-3366-47B6-913D-69B351CA3F62}" destId="{6E98B4AD-7F90-46DE-862C-E5A1588CBC71}" srcOrd="0" destOrd="0" presId="urn:microsoft.com/office/officeart/2005/8/layout/vList2"/>
-    <dgm:cxn modelId="{A860A0E0-1F77-486D-9A30-CAF29C31B196}" type="presOf" srcId="{09E29710-CBC3-48BB-8570-159DD02C166C}" destId="{CCEA8E41-0386-490B-8214-C5614E0AA9B9}" srcOrd="0" destOrd="0" presId="urn:microsoft.com/office/officeart/2005/8/layout/vList2"/>
-    <dgm:cxn modelId="{D86337E1-4D0F-4709-B99E-BC4F971E7D7A}" type="presParOf" srcId="{6E98B4AD-7F90-46DE-862C-E5A1588CBC71}" destId="{A9E1E291-CFEF-4E39-8E29-AE9130F2C198}" srcOrd="0" destOrd="0" presId="urn:microsoft.com/office/officeart/2005/8/layout/vList2"/>
-    <dgm:cxn modelId="{5F6CD575-6747-47CF-9182-49C41820EE4C}" type="presParOf" srcId="{6E98B4AD-7F90-46DE-862C-E5A1588CBC71}" destId="{304754C4-B3BD-4C7F-87CD-500572CCB02D}" srcOrd="1" destOrd="0" presId="urn:microsoft.com/office/officeart/2005/8/layout/vList2"/>
-    <dgm:cxn modelId="{8BF94EB6-E34F-4923-901E-2FDD92F17178}" type="presParOf" srcId="{6E98B4AD-7F90-46DE-862C-E5A1588CBC71}" destId="{CA306357-E19E-4792-BDD8-014764663E1C}" srcOrd="2" destOrd="0" presId="urn:microsoft.com/office/officeart/2005/8/layout/vList2"/>
-    <dgm:cxn modelId="{C6FED6AD-47BE-46F4-A4EF-71506D9117EB}" type="presParOf" srcId="{6E98B4AD-7F90-46DE-862C-E5A1588CBC71}" destId="{5408B781-9839-4DFA-B980-4F2A9BD4BB96}" srcOrd="3" destOrd="0" presId="urn:microsoft.com/office/officeart/2005/8/layout/vList2"/>
-    <dgm:cxn modelId="{F0233709-AFEC-484C-B883-F6D9B4762976}" type="presParOf" srcId="{6E98B4AD-7F90-46DE-862C-E5A1588CBC71}" destId="{CCEA8E41-0386-490B-8214-C5614E0AA9B9}" srcOrd="4" destOrd="0" presId="urn:microsoft.com/office/officeart/2005/8/layout/vList2"/>
-    <dgm:cxn modelId="{679DB44A-ECCE-4510-9912-1CAEF9F24DC8}" type="presParOf" srcId="{6E98B4AD-7F90-46DE-862C-E5A1588CBC71}" destId="{941B7711-A966-4F03-A3C5-8DF5F7E61651}" srcOrd="5" destOrd="0" presId="urn:microsoft.com/office/officeart/2005/8/layout/vList2"/>
-    <dgm:cxn modelId="{4A9FF778-7EDC-4DE7-9959-20DBE785C94E}" type="presParOf" srcId="{6E98B4AD-7F90-46DE-862C-E5A1588CBC71}" destId="{6F328FE5-6628-42A0-B060-67DF3BD29718}" srcOrd="6" destOrd="0" presId="urn:microsoft.com/office/officeart/2005/8/layout/vList2"/>
-  </dgm:cxnLst>
-  <dgm:bg/>
-  <dgm:whole/>
-  <dgm:extLst>
-    <a:ext uri="http://schemas.microsoft.com/office/drawing/2008/diagram">
-      <dsp:dataModelExt xmlns:dsp="http://schemas.microsoft.com/office/drawing/2008/diagram" relId="rId6" minVer="http://schemas.openxmlformats.org/drawingml/2006/diagram"/>
-    </a:ext>
-  </dgm:extLst>
-</dgm:dataModel>
-</file>
-
-<file path=ppt/diagrams/drawing1.xml><?xml version="1.0" encoding="utf-8"?>
-<dsp:drawing xmlns:dgm="http://schemas.openxmlformats.org/drawingml/2006/diagram" xmlns:dsp="http://schemas.microsoft.com/office/drawing/2008/diagram" xmlns:a="http://schemas.openxmlformats.org/drawingml/2006/main">
-  <dsp:spTree>
-    <dsp:nvGrpSpPr>
-      <dsp:cNvPr id="0" name=""/>
-      <dsp:cNvGrpSpPr/>
-    </dsp:nvGrpSpPr>
-    <dsp:grpSpPr/>
-    <dsp:sp modelId="{A9E1E291-CFEF-4E39-8E29-AE9130F2C198}">
-      <dsp:nvSpPr>
-        <dsp:cNvPr id="0" name=""/>
-        <dsp:cNvSpPr/>
-      </dsp:nvSpPr>
-      <dsp:spPr>
-        <a:xfrm>
-          <a:off x="0" y="118800"/>
-          <a:ext cx="5821680" cy="755820"/>
-        </a:xfrm>
-        <a:prstGeom prst="roundRect">
-          <a:avLst/>
-        </a:prstGeom>
-        <a:solidFill>
-          <a:schemeClr val="accent5">
-            <a:hueOff val="0"/>
-            <a:satOff val="0"/>
-            <a:lumOff val="0"/>
-            <a:alphaOff val="0"/>
-          </a:schemeClr>
-        </a:solidFill>
-        <a:ln w="12700" cap="flat" cmpd="sng" algn="ctr">
-          <a:solidFill>
-            <a:schemeClr val="lt1">
-              <a:hueOff val="0"/>
-              <a:satOff val="0"/>
-              <a:lumOff val="0"/>
-              <a:alphaOff val="0"/>
-            </a:schemeClr>
-          </a:solidFill>
-          <a:prstDash val="solid"/>
-          <a:miter lim="800000"/>
-        </a:ln>
-        <a:effectLst/>
-      </dsp:spPr>
-      <dsp:style>
-        <a:lnRef idx="2">
-          <a:scrgbClr r="0" g="0" b="0"/>
-        </a:lnRef>
-        <a:fillRef idx="1">
-          <a:scrgbClr r="0" g="0" b="0"/>
-        </a:fillRef>
-        <a:effectRef idx="0">
-          <a:scrgbClr r="0" g="0" b="0"/>
-        </a:effectRef>
-        <a:fontRef idx="minor">
-          <a:schemeClr val="lt1"/>
-        </a:fontRef>
-      </dsp:style>
-      <dsp:txBody>
-        <a:bodyPr spcFirstLastPara="0" vert="horz" wrap="square" lIns="72390" tIns="72390" rIns="72390" bIns="72390" numCol="1" spcCol="1270" anchor="ctr" anchorCtr="0">
-          <a:noAutofit/>
-        </a:bodyPr>
-        <a:lstStyle/>
-        <a:p>
-          <a:pPr marL="0" lvl="0" indent="0" algn="l" defTabSz="844550">
-            <a:lnSpc>
-              <a:spcPct val="90000"/>
-            </a:lnSpc>
-            <a:spcBef>
-              <a:spcPct val="0"/>
-            </a:spcBef>
-            <a:spcAft>
-              <a:spcPct val="35000"/>
-            </a:spcAft>
-            <a:buNone/>
-          </a:pPr>
-          <a:r>
-            <a:rPr lang="en-US" sz="1900" b="0" i="0" kern="1200" dirty="0"/>
-            <a:t>Angular is a framework and platform that is written in TypeScript.</a:t>
-          </a:r>
-          <a:endParaRPr lang="en-US" sz="1900" kern="1200" dirty="0"/>
-        </a:p>
-      </dsp:txBody>
-      <dsp:txXfrm>
-        <a:off x="36896" y="155696"/>
-        <a:ext cx="5747888" cy="682028"/>
-      </dsp:txXfrm>
-    </dsp:sp>
-    <dsp:sp modelId="{CA306357-E19E-4792-BDD8-014764663E1C}">
-      <dsp:nvSpPr>
-        <dsp:cNvPr id="0" name=""/>
-        <dsp:cNvSpPr/>
-      </dsp:nvSpPr>
-      <dsp:spPr>
-        <a:xfrm>
-          <a:off x="0" y="826748"/>
-          <a:ext cx="5821680" cy="755820"/>
-        </a:xfrm>
-        <a:prstGeom prst="roundRect">
-          <a:avLst/>
-        </a:prstGeom>
-        <a:solidFill>
-          <a:schemeClr val="accent5">
-            <a:hueOff val="-2252848"/>
-            <a:satOff val="-5806"/>
-            <a:lumOff val="-3922"/>
-            <a:alphaOff val="0"/>
-          </a:schemeClr>
-        </a:solidFill>
-        <a:ln w="12700" cap="flat" cmpd="sng" algn="ctr">
-          <a:solidFill>
-            <a:schemeClr val="lt1">
-              <a:hueOff val="0"/>
-              <a:satOff val="0"/>
-              <a:lumOff val="0"/>
-              <a:alphaOff val="0"/>
-            </a:schemeClr>
-          </a:solidFill>
-          <a:prstDash val="solid"/>
-          <a:miter lim="800000"/>
-        </a:ln>
-        <a:effectLst/>
-      </dsp:spPr>
-      <dsp:style>
-        <a:lnRef idx="2">
-          <a:scrgbClr r="0" g="0" b="0"/>
-        </a:lnRef>
-        <a:fillRef idx="1">
-          <a:scrgbClr r="0" g="0" b="0"/>
-        </a:fillRef>
-        <a:effectRef idx="0">
-          <a:scrgbClr r="0" g="0" b="0"/>
-        </a:effectRef>
-        <a:fontRef idx="minor">
-          <a:schemeClr val="lt1"/>
-        </a:fontRef>
-      </dsp:style>
-      <dsp:txBody>
-        <a:bodyPr spcFirstLastPara="0" vert="horz" wrap="square" lIns="72390" tIns="72390" rIns="72390" bIns="72390" numCol="1" spcCol="1270" anchor="ctr" anchorCtr="0">
-          <a:noAutofit/>
-        </a:bodyPr>
-        <a:lstStyle/>
-        <a:p>
-          <a:pPr marL="0" lvl="0" indent="0" algn="l" defTabSz="844550">
-            <a:lnSpc>
-              <a:spcPct val="90000"/>
-            </a:lnSpc>
-            <a:spcBef>
-              <a:spcPct val="0"/>
-            </a:spcBef>
-            <a:spcAft>
-              <a:spcPct val="35000"/>
-            </a:spcAft>
-            <a:buNone/>
-          </a:pPr>
-          <a:r>
-            <a:rPr lang="en-US" sz="1900" b="0" i="0" kern="1200" dirty="0"/>
-            <a:t>It is used for developing single page applications employing TypeScript and HTML template language. </a:t>
-          </a:r>
-          <a:endParaRPr lang="en-US" sz="1900" kern="1200" dirty="0"/>
-        </a:p>
-      </dsp:txBody>
-      <dsp:txXfrm>
-        <a:off x="36896" y="863644"/>
-        <a:ext cx="5747888" cy="682028"/>
-      </dsp:txXfrm>
-    </dsp:sp>
-    <dsp:sp modelId="{CCEA8E41-0386-490B-8214-C5614E0AA9B9}">
-      <dsp:nvSpPr>
-        <dsp:cNvPr id="0" name=""/>
-        <dsp:cNvSpPr/>
-      </dsp:nvSpPr>
-      <dsp:spPr>
-        <a:xfrm>
-          <a:off x="0" y="1671850"/>
-          <a:ext cx="5821680" cy="755820"/>
-        </a:xfrm>
-        <a:prstGeom prst="roundRect">
-          <a:avLst/>
-        </a:prstGeom>
-        <a:solidFill>
-          <a:schemeClr val="accent5">
-            <a:hueOff val="-4505695"/>
-            <a:satOff val="-11613"/>
-            <a:lumOff val="-7843"/>
-            <a:alphaOff val="0"/>
-          </a:schemeClr>
-        </a:solidFill>
-        <a:ln w="12700" cap="flat" cmpd="sng" algn="ctr">
-          <a:solidFill>
-            <a:schemeClr val="lt1">
-              <a:hueOff val="0"/>
-              <a:satOff val="0"/>
-              <a:lumOff val="0"/>
-              <a:alphaOff val="0"/>
-            </a:schemeClr>
-          </a:solidFill>
-          <a:prstDash val="solid"/>
-          <a:miter lim="800000"/>
-        </a:ln>
-        <a:effectLst/>
-      </dsp:spPr>
-      <dsp:style>
-        <a:lnRef idx="2">
-          <a:scrgbClr r="0" g="0" b="0"/>
-        </a:lnRef>
-        <a:fillRef idx="1">
-          <a:scrgbClr r="0" g="0" b="0"/>
-        </a:fillRef>
-        <a:effectRef idx="0">
-          <a:scrgbClr r="0" g="0" b="0"/>
-        </a:effectRef>
-        <a:fontRef idx="minor">
-          <a:schemeClr val="lt1"/>
-        </a:fontRef>
-      </dsp:style>
-      <dsp:txBody>
-        <a:bodyPr spcFirstLastPara="0" vert="horz" wrap="square" lIns="72390" tIns="72390" rIns="72390" bIns="72390" numCol="1" spcCol="1270" anchor="ctr" anchorCtr="0">
-          <a:noAutofit/>
-        </a:bodyPr>
-        <a:lstStyle/>
-        <a:p>
-          <a:pPr marL="0" lvl="0" indent="0" algn="l" defTabSz="844550">
-            <a:lnSpc>
-              <a:spcPct val="90000"/>
-            </a:lnSpc>
-            <a:spcBef>
-              <a:spcPct val="0"/>
-            </a:spcBef>
-            <a:spcAft>
-              <a:spcPct val="35000"/>
-            </a:spcAft>
-            <a:buNone/>
-          </a:pPr>
-          <a:r>
-            <a:rPr lang="en-US" sz="1900" b="0" i="0" kern="1200" dirty="0"/>
-            <a:t>Data binding and dependency injection.</a:t>
-          </a:r>
-          <a:endParaRPr lang="en-US" sz="1900" kern="1200" dirty="0"/>
-        </a:p>
-      </dsp:txBody>
-      <dsp:txXfrm>
-        <a:off x="36896" y="1708746"/>
-        <a:ext cx="5747888" cy="682028"/>
-      </dsp:txXfrm>
-    </dsp:sp>
-    <dsp:sp modelId="{6F328FE5-6628-42A0-B060-67DF3BD29718}">
-      <dsp:nvSpPr>
-        <dsp:cNvPr id="0" name=""/>
-        <dsp:cNvSpPr/>
-      </dsp:nvSpPr>
-      <dsp:spPr>
-        <a:xfrm>
-          <a:off x="0" y="2482390"/>
-          <a:ext cx="5821680" cy="755820"/>
-        </a:xfrm>
-        <a:prstGeom prst="roundRect">
-          <a:avLst/>
-        </a:prstGeom>
-        <a:solidFill>
-          <a:schemeClr val="accent5">
-            <a:hueOff val="-6758543"/>
-            <a:satOff val="-17419"/>
-            <a:lumOff val="-11765"/>
-            <a:alphaOff val="0"/>
-          </a:schemeClr>
-        </a:solidFill>
-        <a:ln w="12700" cap="flat" cmpd="sng" algn="ctr">
-          <a:solidFill>
-            <a:schemeClr val="lt1">
-              <a:hueOff val="0"/>
-              <a:satOff val="0"/>
-              <a:lumOff val="0"/>
-              <a:alphaOff val="0"/>
-            </a:schemeClr>
-          </a:solidFill>
-          <a:prstDash val="solid"/>
-          <a:miter lim="800000"/>
-        </a:ln>
-        <a:effectLst/>
-      </dsp:spPr>
-      <dsp:style>
-        <a:lnRef idx="2">
-          <a:scrgbClr r="0" g="0" b="0"/>
-        </a:lnRef>
-        <a:fillRef idx="1">
-          <a:scrgbClr r="0" g="0" b="0"/>
-        </a:fillRef>
-        <a:effectRef idx="0">
-          <a:scrgbClr r="0" g="0" b="0"/>
-        </a:effectRef>
-        <a:fontRef idx="minor">
-          <a:schemeClr val="lt1"/>
-        </a:fontRef>
-      </dsp:style>
-      <dsp:txBody>
-        <a:bodyPr spcFirstLastPara="0" vert="horz" wrap="square" lIns="72390" tIns="72390" rIns="72390" bIns="72390" numCol="1" spcCol="1270" anchor="ctr" anchorCtr="0">
-          <a:noAutofit/>
-        </a:bodyPr>
-        <a:lstStyle/>
-        <a:p>
-          <a:pPr marL="0" lvl="0" indent="0" algn="l" defTabSz="844550">
-            <a:lnSpc>
-              <a:spcPct val="90000"/>
-            </a:lnSpc>
-            <a:spcBef>
-              <a:spcPct val="0"/>
-            </a:spcBef>
-            <a:spcAft>
-              <a:spcPct val="35000"/>
-            </a:spcAft>
-            <a:buNone/>
-          </a:pPr>
-          <a:r>
-            <a:rPr lang="en-US" sz="1900" b="0" kern="1200"/>
-            <a:t>Component-based architecture</a:t>
-          </a:r>
-          <a:endParaRPr lang="en-US" sz="1900" kern="1200"/>
-        </a:p>
-      </dsp:txBody>
-      <dsp:txXfrm>
-        <a:off x="36896" y="2519286"/>
-        <a:ext cx="5747888" cy="682028"/>
-      </dsp:txXfrm>
-    </dsp:sp>
-  </dsp:spTree>
-</dsp:drawing>
-</file>
-
-<file path=ppt/diagrams/layout1.xml><?xml version="1.0" encoding="utf-8"?>
-<dgm:layoutDef xmlns:dgm="http://schemas.openxmlformats.org/drawingml/2006/diagram" xmlns:a="http://schemas.openxmlformats.org/drawingml/2006/main" uniqueId="urn:microsoft.com/office/officeart/2005/8/layout/vList2">
-  <dgm:title val=""/>
-  <dgm:desc val=""/>
-  <dgm:catLst>
-    <dgm:cat type="list" pri="3000"/>
-    <dgm:cat type="convert" pri="1000"/>
-  </dgm:catLst>
-  <dgm:sampData>
-    <dgm:dataModel>
-      <dgm:ptLst>
-        <dgm:pt modelId="0" type="doc"/>
-        <dgm:pt modelId="1">
-          <dgm:prSet phldr="1"/>
-        </dgm:pt>
-        <dgm:pt modelId="11">
-          <dgm:prSet phldr="1"/>
-        </dgm:pt>
-        <dgm:pt modelId="2">
-          <dgm:prSet phldr="1"/>
-        </dgm:pt>
-        <dgm:pt modelId="21">
-          <dgm:prSet phldr="1"/>
-        </dgm:pt>
-      </dgm:ptLst>
-      <dgm:cxnLst>
-        <dgm:cxn modelId="4" srcId="0" destId="1" srcOrd="0" destOrd="0"/>
-        <dgm:cxn modelId="5" srcId="0" destId="2" srcOrd="1" destOrd="0"/>
-        <dgm:cxn modelId="12" srcId="1" destId="11" srcOrd="0" destOrd="0"/>
-        <dgm:cxn modelId="23" srcId="2" destId="21" srcOrd="0" destOrd="0"/>
-      </dgm:cxnLst>
-      <dgm:bg/>
-      <dgm:whole/>
-    </dgm:dataModel>
-  </dgm:sampData>
-  <dgm:styleData>
-    <dgm:dataModel>
-      <dgm:ptLst>
-        <dgm:pt modelId="0" type="doc"/>
-        <dgm:pt modelId="1"/>
-        <dgm:pt modelId="2"/>
-      </dgm:ptLst>
-      <dgm:cxnLst>
-        <dgm:cxn modelId="3" srcId="0" destId="1" srcOrd="0" destOrd="0"/>
-        <dgm:cxn modelId="4" srcId="0" destId="2" srcOrd="1" destOrd="0"/>
-      </dgm:cxnLst>
-      <dgm:bg/>
-      <dgm:whole/>
-    </dgm:dataModel>
-  </dgm:styleData>
-  <dgm:clrData>
-    <dgm:dataModel>
-      <dgm:ptLst>
-        <dgm:pt modelId="0" type="doc"/>
-        <dgm:pt modelId="1"/>
-        <dgm:pt modelId="2"/>
-        <dgm:pt modelId="3"/>
-        <dgm:pt modelId="4"/>
-      </dgm:ptLst>
-      <dgm:cxnLst>
-        <dgm:cxn modelId="5" srcId="0" destId="1" srcOrd="0" destOrd="0"/>
-        <dgm:cxn modelId="6" srcId="0" destId="2" srcOrd="1" destOrd="0"/>
-        <dgm:cxn modelId="7" srcId="0" destId="3" srcOrd="2" destOrd="0"/>
-        <dgm:cxn modelId="8" srcId="0" destId="4" srcOrd="3" destOrd="0"/>
-      </dgm:cxnLst>
-      <dgm:bg/>
-      <dgm:whole/>
-    </dgm:dataModel>
-  </dgm:clrData>
-  <dgm:layoutNode name="linear">
-    <dgm:varLst>
-      <dgm:animLvl val="lvl"/>
-      <dgm:resizeHandles val="exact"/>
-    </dgm:varLst>
-    <dgm:alg type="lin">
-      <dgm:param type="linDir" val="fromT"/>
-      <dgm:param type="vertAlign" val="mid"/>
-    </dgm:alg>
-    <dgm:shape xmlns:r="http://schemas.openxmlformats.org/officeDocument/2006/relationships" r:blip="">
-      <dgm:adjLst/>
-    </dgm:shape>
-    <dgm:presOf/>
-    <dgm:constrLst>
-      <dgm:constr type="w" for="ch" forName="parentText" refType="w"/>
-      <dgm:constr type="h" for="ch" forName="parentText" refType="primFontSz" refFor="ch" refForName="parentText" fact="0.52"/>
-      <dgm:constr type="w" for="ch" forName="childText" refType="w"/>
-      <dgm:constr type="h" for="ch" forName="childText" refType="primFontSz" refFor="ch" refForName="parentText" fact="0.46"/>
-      <dgm:constr type="h" for="ch" forName="parentText" op="equ"/>
-      <dgm:constr type="primFontSz" for="ch" forName="parentText" op="equ" val="65"/>
-      <dgm:constr type="primFontSz" for="ch" forName="childText" refType="primFontSz" refFor="ch" refForName="parentText" op="equ"/>
-      <dgm:constr type="h" for="ch" forName="spacer" refType="primFontSz" refFor="ch" refForName="parentText" fact="0.08"/>
-    </dgm:constrLst>
-    <dgm:ruleLst>
-      <dgm:rule type="primFontSz" for="ch" forName="parentText" val="5" fact="NaN" max="NaN"/>
-    </dgm:ruleLst>
-    <dgm:forEach name="Name0" axis="ch" ptType="node">
-      <dgm:layoutNode name="parentText" styleLbl="node1">
-        <dgm:varLst>
-          <dgm:chMax val="0"/>
-          <dgm:bulletEnabled val="1"/>
-        </dgm:varLst>
-        <dgm:alg type="tx">
-          <dgm:param type="parTxLTRAlign" val="l"/>
-          <dgm:param type="parTxRTLAlign" val="r"/>
-        </dgm:alg>
-        <dgm:shape xmlns:r="http://schemas.openxmlformats.org/officeDocument/2006/relationships" type="roundRect" r:blip="">
-          <dgm:adjLst/>
-        </dgm:shape>
-        <dgm:presOf axis="self"/>
-        <dgm:constrLst>
-          <dgm:constr type="tMarg" refType="primFontSz" fact="0.3"/>
-          <dgm:constr type="bMarg" refType="primFontSz" fact="0.3"/>
-          <dgm:constr type="lMarg" refType="primFontSz" fact="0.3"/>
-          <dgm:constr type="rMarg" refType="primFontSz" fact="0.3"/>
-        </dgm:constrLst>
-        <dgm:ruleLst>
-          <dgm:rule type="h" val="INF" fact="NaN" max="NaN"/>
-        </dgm:ruleLst>
-      </dgm:layoutNode>
-      <dgm:choose name="Name1">
-        <dgm:if name="Name2" axis="ch" ptType="node" func="cnt" op="gte" val="1">
-          <dgm:layoutNode name="childText" styleLbl="revTx">
-            <dgm:varLst>
-              <dgm:bulletEnabled val="1"/>
-            </dgm:varLst>
-            <dgm:alg type="tx">
-              <dgm:param type="stBulletLvl" val="1"/>
-              <dgm:param type="lnSpAfChP" val="20"/>
-            </dgm:alg>
-            <dgm:shape xmlns:r="http://schemas.openxmlformats.org/officeDocument/2006/relationships" type="rect" r:blip="">
-              <dgm:adjLst/>
-            </dgm:shape>
-            <dgm:presOf axis="des" ptType="node"/>
-            <dgm:constrLst>
-              <dgm:constr type="tMarg" refType="primFontSz" fact="0.1"/>
-              <dgm:constr type="bMarg" refType="primFontSz" fact="0.1"/>
-              <dgm:constr type="lMarg" refType="w" fact="0.09"/>
-            </dgm:constrLst>
-            <dgm:ruleLst>
-              <dgm:rule type="h" val="INF" fact="NaN" max="NaN"/>
-            </dgm:ruleLst>
-          </dgm:layoutNode>
-        </dgm:if>
-        <dgm:else name="Name3">
-          <dgm:choose name="Name4">
-            <dgm:if name="Name5" axis="par ch" ptType="doc node" func="cnt" op="gte" val="2">
-              <dgm:forEach name="Name6" axis="followSib" ptType="sibTrans" cnt="1">
-                <dgm:layoutNode name="spacer">
-                  <dgm:alg type="sp"/>
-                  <dgm:shape xmlns:r="http://schemas.openxmlformats.org/officeDocument/2006/relationships" r:blip="">
-                    <dgm:adjLst/>
-                  </dgm:shape>
-                  <dgm:presOf/>
-                  <dgm:constrLst/>
-                  <dgm:ruleLst/>
-                </dgm:layoutNode>
-              </dgm:forEach>
-            </dgm:if>
-            <dgm:else name="Name7"/>
-          </dgm:choose>
-        </dgm:else>
-      </dgm:choose>
-    </dgm:forEach>
-  </dgm:layoutNode>
-</dgm:layoutDef>
-</file>
-
-<file path=ppt/diagrams/quickStyle1.xml><?xml version="1.0" encoding="utf-8"?>
-<dgm:styleDef xmlns:dgm="http://schemas.openxmlformats.org/drawingml/2006/diagram" xmlns:a="http://schemas.openxmlformats.org/drawingml/2006/main" uniqueId="urn:microsoft.com/office/officeart/2005/8/quickstyle/simple1">
-  <dgm:title val=""/>
-  <dgm:desc val=""/>
-  <dgm:catLst>
-    <dgm:cat type="simple" pri="10100"/>
-  </dgm:catLst>
-  <dgm:scene3d>
-    <a:camera prst="orthographicFront"/>
-    <a:lightRig rig="threePt" dir="t"/>
-  </dgm:scene3d>
-  <dgm:styleLbl name="node0">
-    <dgm:scene3d>
-      <a:camera prst="orthographicFront"/>
-      <a:lightRig rig="threePt" dir="t"/>
-    </dgm:scene3d>
-    <dgm:sp3d/>
-    <dgm:txPr/>
-    <dgm:style>
-      <a:lnRef idx="2">
-        <a:scrgbClr r="0" g="0" b="0"/>
-      </a:lnRef>
-      <a:fillRef idx="1">
-        <a:scrgbClr r="0" g="0" b="0"/>
-      </a:fillRef>
-      <a:effectRef idx="0">
-        <a:scrgbClr r="0" g="0" b="0"/>
-      </a:effectRef>
-      <a:fontRef idx="minor">
-        <a:schemeClr val="lt1"/>
-      </a:fontRef>
-    </dgm:style>
-  </dgm:styleLbl>
-  <dgm:styleLbl name="lnNode1">
-    <dgm:scene3d>
-      <a:camera prst="orthographicFront"/>
-      <a:lightRig rig="threePt" dir="t"/>
-    </dgm:scene3d>
-    <dgm:sp3d/>
-    <dgm:txPr/>
-    <dgm:style>
-      <a:lnRef idx="2">
-        <a:scrgbClr r="0" g="0" b="0"/>
-      </a:lnRef>
-      <a:fillRef idx="1">
-        <a:scrgbClr r="0" g="0" b="0"/>
-      </a:fillRef>
-      <a:effectRef idx="0">
-        <a:scrgbClr r="0" g="0" b="0"/>
-      </a:effectRef>
-      <a:fontRef idx="minor">
-        <a:schemeClr val="lt1"/>
-      </a:fontRef>
-    </dgm:style>
-  </dgm:styleLbl>
-  <dgm:styleLbl name="vennNode1">
-    <dgm:scene3d>
-      <a:camera prst="orthographicFront"/>
-      <a:lightRig rig="threePt" dir="t"/>
-    </dgm:scene3d>
-    <dgm:sp3d/>
-    <dgm:txPr/>
-    <dgm:style>
-      <a:lnRef idx="2">
-        <a:scrgbClr r="0" g="0" b="0"/>
-      </a:lnRef>
-      <a:fillRef idx="1">
-        <a:scrgbClr r="0" g="0" b="0"/>
-      </a:fillRef>
-      <a:effectRef idx="0">
-        <a:scrgbClr r="0" g="0" b="0"/>
-      </a:effectRef>
-      <a:fontRef idx="minor">
-        <a:schemeClr val="tx1"/>
-      </a:fontRef>
-    </dgm:style>
-  </dgm:styleLbl>
-  <dgm:styleLbl name="alignNode1">
-    <dgm:scene3d>
-      <a:camera prst="orthographicFront"/>
-      <a:lightRig rig="threePt" dir="t"/>
-    </dgm:scene3d>
-    <dgm:sp3d/>
-    <dgm:txPr/>
-    <dgm:style>
-      <a:lnRef idx="2">
-        <a:scrgbClr r="0" g="0" b="0"/>
-      </a:lnRef>
-      <a:fillRef idx="1">
-        <a:scrgbClr r="0" g="0" b="0"/>
-      </a:fillRef>
-      <a:effectRef idx="0">
-        <a:scrgbClr r="0" g="0" b="0"/>
-      </a:effectRef>
-      <a:fontRef idx="minor">
-        <a:schemeClr val="lt1"/>
-      </a:fontRef>
-    </dgm:style>
-  </dgm:styleLbl>
-  <dgm:styleLbl name="node1">
-    <dgm:scene3d>
-      <a:camera prst="orthographicFront"/>
-      <a:lightRig rig="threePt" dir="t"/>
-    </dgm:scene3d>
-    <dgm:sp3d/>
-    <dgm:txPr/>
-    <dgm:style>
-      <a:lnRef idx="2">
-        <a:scrgbClr r="0" g="0" b="0"/>
-      </a:lnRef>
-      <a:fillRef idx="1">
-        <a:scrgbClr r="0" g="0" b="0"/>
-      </a:fillRef>
-      <a:effectRef idx="0">
-        <a:scrgbClr r="0" g="0" b="0"/>
-      </a:effectRef>
-      <a:fontRef idx="minor">
-        <a:schemeClr val="lt1"/>
-      </a:fontRef>
-    </dgm:style>
-  </dgm:styleLbl>
-  <dgm:styleLbl name="node2">
-    <dgm:scene3d>
-      <a:camera prst="orthographicFront"/>
-      <a:lightRig rig="threePt" dir="t"/>
-    </dgm:scene3d>
-    <dgm:sp3d/>
-    <dgm:txPr/>
-    <dgm:style>
-      <a:lnRef idx="2">
-        <a:scrgbClr r="0" g="0" b="0"/>
-      </a:lnRef>
-      <a:fillRef idx="1">
-        <a:scrgbClr r="0" g="0" b="0"/>
-      </a:fillRef>
-      <a:effectRef idx="0">
-        <a:scrgbClr r="0" g="0" b="0"/>
-      </a:effectRef>
-      <a:fontRef idx="minor">
-        <a:schemeClr val="lt1"/>
-      </a:fontRef>
-    </dgm:style>
-  </dgm:styleLbl>
-  <dgm:styleLbl name="node3">
-    <dgm:scene3d>
-      <a:camera prst="orthographicFront"/>
-      <a:lightRig rig="threePt" dir="t"/>
-    </dgm:scene3d>
-    <dgm:sp3d/>
-    <dgm:txPr/>
-    <dgm:style>
-      <a:lnRef idx="2">
-        <a:scrgbClr r="0" g="0" b="0"/>
-      </a:lnRef>
-      <a:fillRef idx="1">
-        <a:scrgbClr r="0" g="0" b="0"/>
-      </a:fillRef>
-      <a:effectRef idx="0">
-        <a:scrgbClr r="0" g="0" b="0"/>
-      </a:effectRef>
-      <a:fontRef idx="minor">
-        <a:schemeClr val="lt1"/>
-      </a:fontRef>
-    </dgm:style>
-  </dgm:styleLbl>
-  <dgm:styleLbl name="node4">
-    <dgm:scene3d>
-      <a:camera prst="orthographicFront"/>
-      <a:lightRig rig="threePt" dir="t"/>
-    </dgm:scene3d>
-    <dgm:sp3d/>
-    <dgm:txPr/>
-    <dgm:style>
-      <a:lnRef idx="2">
-        <a:scrgbClr r="0" g="0" b="0"/>
-      </a:lnRef>
-      <a:fillRef idx="1">
-        <a:scrgbClr r="0" g="0" b="0"/>
-      </a:fillRef>
-      <a:effectRef idx="0">
-        <a:scrgbClr r="0" g="0" b="0"/>
-      </a:effectRef>
-      <a:fontRef idx="minor">
-        <a:schemeClr val="lt1"/>
-      </a:fontRef>
-    </dgm:style>
-  </dgm:styleLbl>
-  <dgm:styleLbl name="fgImgPlace1">
-    <dgm:scene3d>
-      <a:camera prst="orthographicFront"/>
-      <a:lightRig rig="threePt" dir="t"/>
-    </dgm:scene3d>
-    <dgm:sp3d/>
-    <dgm:txPr/>
-    <dgm:style>
-      <a:lnRef idx="2">
-        <a:scrgbClr r="0" g="0" b="0"/>
-      </a:lnRef>
-      <a:fillRef idx="1">
-        <a:scrgbClr r="0" g="0" b="0"/>
-      </a:fillRef>
-      <a:effectRef idx="0">
-        <a:scrgbClr r="0" g="0" b="0"/>
-      </a:effectRef>
-      <a:fontRef idx="minor"/>
-    </dgm:style>
-  </dgm:styleLbl>
-  <dgm:styleLbl name="alignImgPlace1">
-    <dgm:scene3d>
-      <a:camera prst="orthographicFront"/>
-      <a:lightRig rig="threePt" dir="t"/>
-    </dgm:scene3d>
-    <dgm:sp3d/>
-    <dgm:txPr/>
-    <dgm:style>
-      <a:lnRef idx="2">
-        <a:scrgbClr r="0" g="0" b="0"/>
-      </a:lnRef>
-      <a:fillRef idx="1">
-        <a:scrgbClr r="0" g="0" b="0"/>
-      </a:fillRef>
-      <a:effectRef idx="0">
-        <a:scrgbClr r="0" g="0" b="0"/>
-      </a:effectRef>
-      <a:fontRef idx="minor"/>
-    </dgm:style>
-  </dgm:styleLbl>
-  <dgm:styleLbl name="bgImgPlace1">
-    <dgm:scene3d>
-      <a:camera prst="orthographicFront"/>
-      <a:lightRig rig="threePt" dir="t"/>
-    </dgm:scene3d>
-    <dgm:sp3d/>
-    <dgm:txPr/>
-    <dgm:style>
-      <a:lnRef idx="2">
-        <a:scrgbClr r="0" g="0" b="0"/>
-      </a:lnRef>
-      <a:fillRef idx="1">
-        <a:scrgbClr r="0" g="0" b="0"/>
-      </a:fillRef>
-      <a:effectRef idx="0">
-        <a:scrgbClr r="0" g="0" b="0"/>
-      </a:effectRef>
-      <a:fontRef idx="minor"/>
-    </dgm:style>
-  </dgm:styleLbl>
-  <dgm:styleLbl name="sibTrans2D1">
-    <dgm:scene3d>
-      <a:camera prst="orthographicFront"/>
-      <a:lightRig rig="threePt" dir="t"/>
-    </dgm:scene3d>
-    <dgm:sp3d/>
-    <dgm:txPr/>
-    <dgm:style>
-      <a:lnRef idx="0">
-        <a:scrgbClr r="0" g="0" b="0"/>
-      </a:lnRef>
-      <a:fillRef idx="1">
-        <a:scrgbClr r="0" g="0" b="0"/>
-      </a:fillRef>
-      <a:effectRef idx="0">
-        <a:scrgbClr r="0" g="0" b="0"/>
-      </a:effectRef>
-      <a:fontRef idx="minor">
-        <a:schemeClr val="lt1"/>
-      </a:fontRef>
-    </dgm:style>
-  </dgm:styleLbl>
-  <dgm:styleLbl name="fgSibTrans2D1">
-    <dgm:scene3d>
-      <a:camera prst="orthographicFront"/>
-      <a:lightRig rig="threePt" dir="t"/>
-    </dgm:scene3d>
-    <dgm:sp3d/>
-    <dgm:txPr/>
-    <dgm:style>
-      <a:lnRef idx="0">
-        <a:scrgbClr r="0" g="0" b="0"/>
-      </a:lnRef>
-      <a:fillRef idx="1">
-        <a:scrgbClr r="0" g="0" b="0"/>
-      </a:fillRef>
-      <a:effectRef idx="0">
-        <a:scrgbClr r="0" g="0" b="0"/>
-      </a:effectRef>
-      <a:fontRef idx="minor">
-        <a:schemeClr val="lt1"/>
-      </a:fontRef>
-    </dgm:style>
-  </dgm:styleLbl>
-  <dgm:styleLbl name="bgSibTrans2D1">
-    <dgm:scene3d>
-      <a:camera prst="orthographicFront"/>
-      <a:lightRig rig="threePt" dir="t"/>
-    </dgm:scene3d>
-    <dgm:sp3d/>
-    <dgm:txPr/>
-    <dgm:style>
-      <a:lnRef idx="0">
-        <a:scrgbClr r="0" g="0" b="0"/>
-      </a:lnRef>
-      <a:fillRef idx="1">
-        <a:scrgbClr r="0" g="0" b="0"/>
-      </a:fillRef>
-      <a:effectRef idx="0">
-        <a:scrgbClr r="0" g="0" b="0"/>
-      </a:effectRef>
-      <a:fontRef idx="minor">
-        <a:schemeClr val="lt1"/>
-      </a:fontRef>
-    </dgm:style>
-  </dgm:styleLbl>
-  <dgm:styleLbl name="sibTrans1D1">
-    <dgm:scene3d>
-      <a:camera prst="orthographicFront"/>
-      <a:lightRig rig="threePt" dir="t"/>
-    </dgm:scene3d>
-    <dgm:sp3d/>
-    <dgm:txPr/>
-    <dgm:style>
-      <a:lnRef idx="1">
-        <a:scrgbClr r="0" g="0" b="0"/>
-      </a:lnRef>
-      <a:fillRef idx="0">
-        <a:scrgbClr r="0" g="0" b="0"/>
-      </a:fillRef>
-      <a:effectRef idx="0">
-        <a:scrgbClr r="0" g="0" b="0"/>
-      </a:effectRef>
-      <a:fontRef idx="minor"/>
-    </dgm:style>
-  </dgm:styleLbl>
-  <dgm:styleLbl name="callout">
-    <dgm:scene3d>
-      <a:camera prst="orthographicFront"/>
-      <a:lightRig rig="threePt" dir="t"/>
-    </dgm:scene3d>
-    <dgm:sp3d/>
-    <dgm:txPr/>
-    <dgm:style>
-      <a:lnRef idx="2">
-        <a:scrgbClr r="0" g="0" b="0"/>
-      </a:lnRef>
-      <a:fillRef idx="1">
-        <a:scrgbClr r="0" g="0" b="0"/>
-      </a:fillRef>
-      <a:effectRef idx="0">
-        <a:scrgbClr r="0" g="0" b="0"/>
-      </a:effectRef>
-      <a:fontRef idx="minor"/>
-    </dgm:style>
-  </dgm:styleLbl>
-  <dgm:styleLbl name="asst0">
-    <dgm:scene3d>
-      <a:camera prst="orthographicFront"/>
-      <a:lightRig rig="threePt" dir="t"/>
-    </dgm:scene3d>
-    <dgm:sp3d/>
-    <dgm:txPr/>
-    <dgm:style>
-      <a:lnRef idx="2">
-        <a:scrgbClr r="0" g="0" b="0"/>
-      </a:lnRef>
-      <a:fillRef idx="1">
-        <a:scrgbClr r="0" g="0" b="0"/>
-      </a:fillRef>
-      <a:effectRef idx="0">
-        <a:scrgbClr r="0" g="0" b="0"/>
-      </a:effectRef>
-      <a:fontRef idx="minor">
-        <a:schemeClr val="lt1"/>
-      </a:fontRef>
-    </dgm:style>
-  </dgm:styleLbl>
-  <dgm:styleLbl name="asst1">
-    <dgm:scene3d>
-      <a:camera prst="orthographicFront"/>
-      <a:lightRig rig="threePt" dir="t"/>
-    </dgm:scene3d>
-    <dgm:sp3d/>
-    <dgm:txPr/>
-    <dgm:style>
-      <a:lnRef idx="2">
-        <a:scrgbClr r="0" g="0" b="0"/>
-      </a:lnRef>
-      <a:fillRef idx="1">
-        <a:scrgbClr r="0" g="0" b="0"/>
-      </a:fillRef>
-      <a:effectRef idx="0">
-        <a:scrgbClr r="0" g="0" b="0"/>
-      </a:effectRef>
-      <a:fontRef idx="minor">
-        <a:schemeClr val="lt1"/>
-      </a:fontRef>
-    </dgm:style>
-  </dgm:styleLbl>
-  <dgm:styleLbl name="asst2">
-    <dgm:scene3d>
-      <a:camera prst="orthographicFront"/>
-      <a:lightRig rig="threePt" dir="t"/>
-    </dgm:scene3d>
-    <dgm:sp3d/>
-    <dgm:txPr/>
-    <dgm:style>
-      <a:lnRef idx="2">
-        <a:scrgbClr r="0" g="0" b="0"/>
-      </a:lnRef>
-      <a:fillRef idx="1">
-        <a:scrgbClr r="0" g="0" b="0"/>
-      </a:fillRef>
-      <a:effectRef idx="0">
-        <a:scrgbClr r="0" g="0" b="0"/>
-      </a:effectRef>
-      <a:fontRef idx="minor">
-        <a:schemeClr val="lt1"/>
-      </a:fontRef>
-    </dgm:style>
-  </dgm:styleLbl>
-  <dgm:styleLbl name="asst3">
-    <dgm:scene3d>
-      <a:camera prst="orthographicFront"/>
-      <a:lightRig rig="threePt" dir="t"/>
-    </dgm:scene3d>
-    <dgm:sp3d/>
-    <dgm:txPr/>
-    <dgm:style>
-      <a:lnRef idx="2">
-        <a:scrgbClr r="0" g="0" b="0"/>
-      </a:lnRef>
-      <a:fillRef idx="1">
-        <a:scrgbClr r="0" g="0" b="0"/>
-      </a:fillRef>
-      <a:effectRef idx="0">
-        <a:scrgbClr r="0" g="0" b="0"/>
-      </a:effectRef>
-      <a:fontRef idx="minor">
-        <a:schemeClr val="lt1"/>
-      </a:fontRef>
-    </dgm:style>
-  </dgm:styleLbl>
-  <dgm:styleLbl name="asst4">
-    <dgm:scene3d>
-      <a:camera prst="orthographicFront"/>
-      <a:lightRig rig="threePt" dir="t"/>
-    </dgm:scene3d>
-    <dgm:sp3d/>
-    <dgm:txPr/>
-    <dgm:style>
-      <a:lnRef idx="2">
-        <a:scrgbClr r="0" g="0" b="0"/>
-      </a:lnRef>
-      <a:fillRef idx="1">
-        <a:scrgbClr r="0" g="0" b="0"/>
-      </a:fillRef>
-      <a:effectRef idx="0">
-        <a:scrgbClr r="0" g="0" b="0"/>
-      </a:effectRef>
-      <a:fontRef idx="minor">
-        <a:schemeClr val="lt1"/>
-      </a:fontRef>
-    </dgm:style>
-  </dgm:styleLbl>
-  <dgm:styleLbl name="parChTrans2D1">
-    <dgm:scene3d>
-      <a:camera prst="orthographicFront"/>
-      <a:lightRig rig="threePt" dir="t"/>
-    </dgm:scene3d>
-    <dgm:sp3d/>
-    <dgm:txPr/>
-    <dgm:style>
-      <a:lnRef idx="2">
-        <a:scrgbClr r="0" g="0" b="0"/>
-      </a:lnRef>
-      <a:fillRef idx="1">
-        <a:scrgbClr r="0" g="0" b="0"/>
-      </a:fillRef>
-      <a:effectRef idx="0">
-        <a:scrgbClr r="0" g="0" b="0"/>
-      </a:effectRef>
-      <a:fontRef idx="minor">
-        <a:schemeClr val="lt1"/>
-      </a:fontRef>
-    </dgm:style>
-  </dgm:styleLbl>
-  <dgm:styleLbl name="parChTrans2D2">
-    <dgm:scene3d>
-      <a:camera prst="orthographicFront"/>
-      <a:lightRig rig="threePt" dir="t"/>
-    </dgm:scene3d>
-    <dgm:sp3d/>
-    <dgm:txPr/>
-    <dgm:style>
-      <a:lnRef idx="2">
-        <a:scrgbClr r="0" g="0" b="0"/>
-      </a:lnRef>
-      <a:fillRef idx="1">
-        <a:scrgbClr r="0" g="0" b="0"/>
-      </a:fillRef>
-      <a:effectRef idx="0">
-        <a:scrgbClr r="0" g="0" b="0"/>
-      </a:effectRef>
-      <a:fontRef idx="minor">
-        <a:schemeClr val="lt1"/>
-      </a:fontRef>
-    </dgm:style>
-  </dgm:styleLbl>
-  <dgm:styleLbl name="parChTrans2D3">
-    <dgm:scene3d>
-      <a:camera prst="orthographicFront"/>
-      <a:lightRig rig="threePt" dir="t"/>
-    </dgm:scene3d>
-    <dgm:sp3d/>
-    <dgm:txPr/>
-    <dgm:style>
-      <a:lnRef idx="2">
-        <a:scrgbClr r="0" g="0" b="0"/>
-      </a:lnRef>
-      <a:fillRef idx="1">
-        <a:scrgbClr r="0" g="0" b="0"/>
-      </a:fillRef>
-      <a:effectRef idx="0">
-        <a:scrgbClr r="0" g="0" b="0"/>
-      </a:effectRef>
-      <a:fontRef idx="minor">
-        <a:schemeClr val="lt1"/>
-      </a:fontRef>
-    </dgm:style>
-  </dgm:styleLbl>
-  <dgm:styleLbl name="parChTrans2D4">
-    <dgm:scene3d>
-      <a:camera prst="orthographicFront"/>
-      <a:lightRig rig="threePt" dir="t"/>
-    </dgm:scene3d>
-    <dgm:sp3d/>
-    <dgm:txPr/>
-    <dgm:style>
-      <a:lnRef idx="2">
-        <a:scrgbClr r="0" g="0" b="0"/>
-      </a:lnRef>
-      <a:fillRef idx="1">
-        <a:scrgbClr r="0" g="0" b="0"/>
-      </a:fillRef>
-      <a:effectRef idx="0">
-        <a:scrgbClr r="0" g="0" b="0"/>
-      </a:effectRef>
-      <a:fontRef idx="minor">
-        <a:schemeClr val="lt1"/>
-      </a:fontRef>
-    </dgm:style>
-  </dgm:styleLbl>
-  <dgm:styleLbl name="parChTrans1D1">
-    <dgm:scene3d>
-      <a:camera prst="orthographicFront"/>
-      <a:lightRig rig="threePt" dir="t"/>
-    </dgm:scene3d>
-    <dgm:sp3d/>
-    <dgm:txPr/>
-    <dgm:style>
-      <a:lnRef idx="2">
-        <a:scrgbClr r="0" g="0" b="0"/>
-      </a:lnRef>
-      <a:fillRef idx="0">
-        <a:scrgbClr r="0" g="0" b="0"/>
-      </a:fillRef>
-      <a:effectRef idx="0">
-        <a:scrgbClr r="0" g="0" b="0"/>
-      </a:effectRef>
-      <a:fontRef idx="minor"/>
-    </dgm:style>
-  </dgm:styleLbl>
-  <dgm:styleLbl name="parChTrans1D2">
-    <dgm:scene3d>
-      <a:camera prst="orthographicFront"/>
-      <a:lightRig rig="threePt" dir="t"/>
-    </dgm:scene3d>
-    <dgm:sp3d/>
-    <dgm:txPr/>
-    <dgm:style>
-      <a:lnRef idx="2">
-        <a:scrgbClr r="0" g="0" b="0"/>
-      </a:lnRef>
-      <a:fillRef idx="0">
-        <a:scrgbClr r="0" g="0" b="0"/>
-      </a:fillRef>
-      <a:effectRef idx="0">
-        <a:scrgbClr r="0" g="0" b="0"/>
-      </a:effectRef>
-      <a:fontRef idx="minor"/>
-    </dgm:style>
-  </dgm:styleLbl>
-  <dgm:styleLbl name="parChTrans1D3">
-    <dgm:scene3d>
-      <a:camera prst="orthographicFront"/>
-      <a:lightRig rig="threePt" dir="t"/>
-    </dgm:scene3d>
-    <dgm:sp3d/>
-    <dgm:txPr/>
-    <dgm:style>
-      <a:lnRef idx="2">
-        <a:scrgbClr r="0" g="0" b="0"/>
-      </a:lnRef>
-      <a:fillRef idx="0">
-        <a:scrgbClr r="0" g="0" b="0"/>
-      </a:fillRef>
-      <a:effectRef idx="0">
-        <a:scrgbClr r="0" g="0" b="0"/>
-      </a:effectRef>
-      <a:fontRef idx="minor"/>
-    </dgm:style>
-  </dgm:styleLbl>
-  <dgm:styleLbl name="parChTrans1D4">
-    <dgm:scene3d>
-      <a:camera prst="orthographicFront"/>
-      <a:lightRig rig="threePt" dir="t"/>
-    </dgm:scene3d>
-    <dgm:sp3d/>
-    <dgm:txPr/>
-    <dgm:style>
-      <a:lnRef idx="2">
-        <a:scrgbClr r="0" g="0" b="0"/>
-      </a:lnRef>
-      <a:fillRef idx="0">
-        <a:scrgbClr r="0" g="0" b="0"/>
-      </a:fillRef>
-      <a:effectRef idx="0">
-        <a:scrgbClr r="0" g="0" b="0"/>
-      </a:effectRef>
-      <a:fontRef idx="minor"/>
-    </dgm:style>
-  </dgm:styleLbl>
-  <dgm:styleLbl name="fgAcc1">
-    <dgm:scene3d>
-      <a:camera prst="orthographicFront"/>
-      <a:lightRig rig="threePt" dir="t"/>
-    </dgm:scene3d>
-    <dgm:sp3d/>
-    <dgm:txPr/>
-    <dgm:style>
-      <a:lnRef idx="2">
-        <a:scrgbClr r="0" g="0" b="0"/>
-      </a:lnRef>
-      <a:fillRef idx="1">
-        <a:scrgbClr r="0" g="0" b="0"/>
-      </a:fillRef>
-      <a:effectRef idx="0">
-        <a:scrgbClr r="0" g="0" b="0"/>
-      </a:effectRef>
-      <a:fontRef idx="minor"/>
-    </dgm:style>
-  </dgm:styleLbl>
-  <dgm:styleLbl name="conFgAcc1">
-    <dgm:scene3d>
-      <a:camera prst="orthographicFront"/>
-      <a:lightRig rig="threePt" dir="t"/>
-    </dgm:scene3d>
-    <dgm:sp3d/>
-    <dgm:txPr/>
-    <dgm:style>
-      <a:lnRef idx="2">
-        <a:scrgbClr r="0" g="0" b="0"/>
-      </a:lnRef>
-      <a:fillRef idx="1">
-        <a:scrgbClr r="0" g="0" b="0"/>
-      </a:fillRef>
-      <a:effectRef idx="0">
-        <a:scrgbClr r="0" g="0" b="0"/>
-      </a:effectRef>
-      <a:fontRef idx="minor"/>
-    </dgm:style>
-  </dgm:styleLbl>
-  <dgm:styleLbl name="alignAcc1">
-    <dgm:scene3d>
-      <a:camera prst="orthographicFront"/>
-      <a:lightRig rig="threePt" dir="t"/>
-    </dgm:scene3d>
-    <dgm:sp3d/>
-    <dgm:txPr/>
-    <dgm:style>
-      <a:lnRef idx="2">
-        <a:scrgbClr r="0" g="0" b="0"/>
-      </a:lnRef>
-      <a:fillRef idx="1">
-        <a:scrgbClr r="0" g="0" b="0"/>
-      </a:fillRef>
-      <a:effectRef idx="0">
-        <a:scrgbClr r="0" g="0" b="0"/>
-      </a:effectRef>
-      <a:fontRef idx="minor"/>
-    </dgm:style>
-  </dgm:styleLbl>
-  <dgm:styleLbl name="trAlignAcc1">
-    <dgm:scene3d>
-      <a:camera prst="orthographicFront"/>
-      <a:lightRig rig="threePt" dir="t"/>
-    </dgm:scene3d>
-    <dgm:sp3d/>
-    <dgm:txPr/>
-    <dgm:style>
-      <a:lnRef idx="1">
-        <a:scrgbClr r="0" g="0" b="0"/>
-      </a:lnRef>
-      <a:fillRef idx="1">
-        <a:scrgbClr r="0" g="0" b="0"/>
-      </a:fillRef>
-      <a:effectRef idx="0">
-        <a:scrgbClr r="0" g="0" b="0"/>
-      </a:effectRef>
-      <a:fontRef idx="minor"/>
-    </dgm:style>
-  </dgm:styleLbl>
-  <dgm:styleLbl name="bgAcc1">
-    <dgm:scene3d>
-      <a:camera prst="orthographicFront"/>
-      <a:lightRig rig="threePt" dir="t"/>
-    </dgm:scene3d>
-    <dgm:sp3d/>
-    <dgm:txPr/>
-    <dgm:style>
-      <a:lnRef idx="2">
-        <a:scrgbClr r="0" g="0" b="0"/>
-      </a:lnRef>
-      <a:fillRef idx="1">
-        <a:scrgbClr r="0" g="0" b="0"/>
-      </a:fillRef>
-      <a:effectRef idx="0">
-        <a:scrgbClr r="0" g="0" b="0"/>
-      </a:effectRef>
-      <a:fontRef idx="minor"/>
-    </dgm:style>
-  </dgm:styleLbl>
-  <dgm:styleLbl name="solidFgAcc1">
-    <dgm:scene3d>
-      <a:camera prst="orthographicFront"/>
-      <a:lightRig rig="threePt" dir="t"/>
-    </dgm:scene3d>
-    <dgm:sp3d/>
-    <dgm:txPr/>
-    <dgm:style>
-      <a:lnRef idx="2">
-        <a:scrgbClr r="0" g="0" b="0"/>
-      </a:lnRef>
-      <a:fillRef idx="1">
-        <a:scrgbClr r="0" g="0" b="0"/>
-      </a:fillRef>
-      <a:effectRef idx="0">
-        <a:scrgbClr r="0" g="0" b="0"/>
-      </a:effectRef>
-      <a:fontRef idx="minor"/>
-    </dgm:style>
-  </dgm:styleLbl>
-  <dgm:styleLbl name="solidAlignAcc1">
-    <dgm:scene3d>
-      <a:camera prst="orthographicFront"/>
-      <a:lightRig rig="threePt" dir="t"/>
-    </dgm:scene3d>
-    <dgm:sp3d/>
-    <dgm:txPr/>
-    <dgm:style>
-      <a:lnRef idx="2">
-        <a:scrgbClr r="0" g="0" b="0"/>
-      </a:lnRef>
-      <a:fillRef idx="1">
-        <a:scrgbClr r="0" g="0" b="0"/>
-      </a:fillRef>
-      <a:effectRef idx="0">
-        <a:scrgbClr r="0" g="0" b="0"/>
-      </a:effectRef>
-      <a:fontRef idx="minor"/>
-    </dgm:style>
-  </dgm:styleLbl>
-  <dgm:styleLbl name="solidBgAcc1">
-    <dgm:scene3d>
-      <a:camera prst="orthographicFront"/>
-      <a:lightRig rig="threePt" dir="t"/>
-    </dgm:scene3d>
-    <dgm:sp3d/>
-    <dgm:txPr/>
-    <dgm:style>
-      <a:lnRef idx="2">
-        <a:scrgbClr r="0" g="0" b="0"/>
-      </a:lnRef>
-      <a:fillRef idx="1">
-        <a:scrgbClr r="0" g="0" b="0"/>
-      </a:fillRef>
-      <a:effectRef idx="0">
-        <a:scrgbClr r="0" g="0" b="0"/>
-      </a:effectRef>
-      <a:fontRef idx="minor"/>
-    </dgm:style>
-  </dgm:styleLbl>
-  <dgm:styleLbl name="fgAccFollowNode1">
-    <dgm:scene3d>
-      <a:camera prst="orthographicFront"/>
-      <a:lightRig rig="threePt" dir="t"/>
-    </dgm:scene3d>
-    <dgm:sp3d/>
-    <dgm:txPr/>
-    <dgm:style>
-      <a:lnRef idx="2">
-        <a:scrgbClr r="0" g="0" b="0"/>
-      </a:lnRef>
-      <a:fillRef idx="1">
-        <a:scrgbClr r="0" g="0" b="0"/>
-      </a:fillRef>
-      <a:effectRef idx="0">
-        <a:scrgbClr r="0" g="0" b="0"/>
-      </a:effectRef>
-      <a:fontRef idx="minor"/>
-    </dgm:style>
-  </dgm:styleLbl>
-  <dgm:styleLbl name="alignAccFollowNode1">
-    <dgm:scene3d>
-      <a:camera prst="orthographicFront"/>
-      <a:lightRig rig="threePt" dir="t"/>
-    </dgm:scene3d>
-    <dgm:sp3d/>
-    <dgm:txPr/>
-    <dgm:style>
-      <a:lnRef idx="2">
-        <a:scrgbClr r="0" g="0" b="0"/>
-      </a:lnRef>
-      <a:fillRef idx="1">
-        <a:scrgbClr r="0" g="0" b="0"/>
-      </a:fillRef>
-      <a:effectRef idx="0">
-        <a:scrgbClr r="0" g="0" b="0"/>
-      </a:effectRef>
-      <a:fontRef idx="minor"/>
-    </dgm:style>
-  </dgm:styleLbl>
-  <dgm:styleLbl name="bgAccFollowNode1">
-    <dgm:scene3d>
-      <a:camera prst="orthographicFront"/>
-      <a:lightRig rig="threePt" dir="t"/>
-    </dgm:scene3d>
-    <dgm:sp3d/>
-    <dgm:txPr/>
-    <dgm:style>
-      <a:lnRef idx="2">
-        <a:scrgbClr r="0" g="0" b="0"/>
-      </a:lnRef>
-      <a:fillRef idx="1">
-        <a:scrgbClr r="0" g="0" b="0"/>
-      </a:fillRef>
-      <a:effectRef idx="0">
-        <a:scrgbClr r="0" g="0" b="0"/>
-      </a:effectRef>
-      <a:fontRef idx="minor"/>
-    </dgm:style>
-  </dgm:styleLbl>
-  <dgm:styleLbl name="fgAcc0">
-    <dgm:scene3d>
-      <a:camera prst="orthographicFront"/>
-      <a:lightRig rig="threePt" dir="t"/>
-    </dgm:scene3d>
-    <dgm:sp3d/>
-    <dgm:txPr/>
-    <dgm:style>
-      <a:lnRef idx="2">
-        <a:scrgbClr r="0" g="0" b="0"/>
-      </a:lnRef>
-      <a:fillRef idx="1">
-        <a:scrgbClr r="0" g="0" b="0"/>
-      </a:fillRef>
-      <a:effectRef idx="0">
-        <a:scrgbClr r="0" g="0" b="0"/>
-      </a:effectRef>
-      <a:fontRef idx="minor"/>
-    </dgm:style>
-  </dgm:styleLbl>
-  <dgm:styleLbl name="fgAcc2">
-    <dgm:scene3d>
-      <a:camera prst="orthographicFront"/>
-      <a:lightRig rig="threePt" dir="t"/>
-    </dgm:scene3d>
-    <dgm:sp3d/>
-    <dgm:txPr/>
-    <dgm:style>
-      <a:lnRef idx="2">
-        <a:scrgbClr r="0" g="0" b="0"/>
-      </a:lnRef>
-      <a:fillRef idx="1">
-        <a:scrgbClr r="0" g="0" b="0"/>
-      </a:fillRef>
-      <a:effectRef idx="0">
-        <a:scrgbClr r="0" g="0" b="0"/>
-      </a:effectRef>
-      <a:fontRef idx="minor"/>
-    </dgm:style>
-  </dgm:styleLbl>
-  <dgm:styleLbl name="fgAcc3">
-    <dgm:scene3d>
-      <a:camera prst="orthographicFront"/>
-      <a:lightRig rig="threePt" dir="t"/>
-    </dgm:scene3d>
-    <dgm:sp3d/>
-    <dgm:txPr/>
-    <dgm:style>
-      <a:lnRef idx="2">
-        <a:scrgbClr r="0" g="0" b="0"/>
-      </a:lnRef>
-      <a:fillRef idx="1">
-        <a:scrgbClr r="0" g="0" b="0"/>
-      </a:fillRef>
-      <a:effectRef idx="0">
-        <a:scrgbClr r="0" g="0" b="0"/>
-      </a:effectRef>
-      <a:fontRef idx="minor"/>
-    </dgm:style>
-  </dgm:styleLbl>
-  <dgm:styleLbl name="fgAcc4">
-    <dgm:scene3d>
-      <a:camera prst="orthographicFront"/>
-      <a:lightRig rig="threePt" dir="t"/>
-    </dgm:scene3d>
-    <dgm:sp3d/>
-    <dgm:txPr/>
-    <dgm:style>
-      <a:lnRef idx="2">
-        <a:scrgbClr r="0" g="0" b="0"/>
-      </a:lnRef>
-      <a:fillRef idx="1">
-        <a:scrgbClr r="0" g="0" b="0"/>
-      </a:fillRef>
-      <a:effectRef idx="0">
-        <a:scrgbClr r="0" g="0" b="0"/>
-      </a:effectRef>
-      <a:fontRef idx="minor"/>
-    </dgm:style>
-  </dgm:styleLbl>
-  <dgm:styleLbl name="bgShp">
-    <dgm:scene3d>
-      <a:camera prst="orthographicFront"/>
-      <a:lightRig rig="threePt" dir="t"/>
-    </dgm:scene3d>
-    <dgm:sp3d/>
-    <dgm:txPr/>
-    <dgm:style>
-      <a:lnRef idx="0">
-        <a:scrgbClr r="0" g="0" b="0"/>
-      </a:lnRef>
-      <a:fillRef idx="1">
-        <a:scrgbClr r="0" g="0" b="0"/>
-      </a:fillRef>
-      <a:effectRef idx="0">
-        <a:scrgbClr r="0" g="0" b="0"/>
-      </a:effectRef>
-      <a:fontRef idx="minor"/>
-    </dgm:style>
-  </dgm:styleLbl>
-  <dgm:styleLbl name="dkBgShp">
-    <dgm:scene3d>
-      <a:camera prst="orthographicFront"/>
-      <a:lightRig rig="threePt" dir="t"/>
-    </dgm:scene3d>
-    <dgm:sp3d/>
-    <dgm:txPr/>
-    <dgm:style>
-      <a:lnRef idx="0">
-        <a:scrgbClr r="0" g="0" b="0"/>
-      </a:lnRef>
-      <a:fillRef idx="1">
-        <a:scrgbClr r="0" g="0" b="0"/>
-      </a:fillRef>
-      <a:effectRef idx="0">
-        <a:scrgbClr r="0" g="0" b="0"/>
-      </a:effectRef>
-      <a:fontRef idx="minor"/>
-    </dgm:style>
-  </dgm:styleLbl>
-  <dgm:styleLbl name="trBgShp">
-    <dgm:scene3d>
-      <a:camera prst="orthographicFront"/>
-      <a:lightRig rig="threePt" dir="t"/>
-    </dgm:scene3d>
-    <dgm:sp3d/>
-    <dgm:txPr/>
-    <dgm:style>
-      <a:lnRef idx="0">
-        <a:scrgbClr r="0" g="0" b="0"/>
-      </a:lnRef>
-      <a:fillRef idx="1">
-        <a:scrgbClr r="0" g="0" b="0"/>
-      </a:fillRef>
-      <a:effectRef idx="0">
-        <a:scrgbClr r="0" g="0" b="0"/>
-      </a:effectRef>
-      <a:fontRef idx="minor"/>
-    </dgm:style>
-  </dgm:styleLbl>
-  <dgm:styleLbl name="fgShp">
-    <dgm:scene3d>
-      <a:camera prst="orthographicFront"/>
-      <a:lightRig rig="threePt" dir="t"/>
-    </dgm:scene3d>
-    <dgm:sp3d/>
-    <dgm:txPr/>
-    <dgm:style>
-      <a:lnRef idx="2">
-        <a:scrgbClr r="0" g="0" b="0"/>
-      </a:lnRef>
-      <a:fillRef idx="1">
-        <a:scrgbClr r="0" g="0" b="0"/>
-      </a:fillRef>
-      <a:effectRef idx="0">
-        <a:scrgbClr r="0" g="0" b="0"/>
-      </a:effectRef>
-      <a:fontRef idx="minor"/>
-    </dgm:style>
-  </dgm:styleLbl>
-  <dgm:styleLbl name="revTx">
-    <dgm:scene3d>
-      <a:camera prst="orthographicFront"/>
-      <a:lightRig rig="threePt" dir="t"/>
-    </dgm:scene3d>
-    <dgm:sp3d/>
-    <dgm:txPr/>
-    <dgm:style>
-      <a:lnRef idx="0">
-        <a:scrgbClr r="0" g="0" b="0"/>
-      </a:lnRef>
-      <a:fillRef idx="0">
-        <a:scrgbClr r="0" g="0" b="0"/>
-      </a:fillRef>
-      <a:effectRef idx="0">
-        <a:scrgbClr r="0" g="0" b="0"/>
-      </a:effectRef>
-      <a:fontRef idx="minor"/>
-    </dgm:style>
-  </dgm:styleLbl>
-</dgm:styleDef>
-</file>
-
 <file path=ppt/notesMasters/notesMaster1.xml><?xml version="1.0" encoding="utf-8"?>
 <p:notesMaster xmlns:a="http://schemas.openxmlformats.org/drawingml/2006/main" xmlns:r="http://schemas.openxmlformats.org/officeDocument/2006/relationships" xmlns:p="http://schemas.openxmlformats.org/presentationml/2006/main">
   <p:cSld>
@@ -3761,7 +1201,7 @@
           <a:p>
             <a:fld id="{EC34A29E-F2A4-4B12-AAED-85EC62E71297}" type="datetimeFigureOut">
               <a:rPr lang="en-US" smtClean="0"/>
-              <a:t>4/25/2022</a:t>
+              <a:t>25-Apr-22</a:t>
             </a:fld>
             <a:endParaRPr lang="en-US"/>
           </a:p>
@@ -4175,7 +1615,7 @@
           <a:p>
             <a:fld id="{CB44F44D-5069-494A-BAE8-A9A6D6234ABD}" type="datetimeFigureOut">
               <a:rPr lang="en-US" smtClean="0"/>
-              <a:t>4/24/2022</a:t>
+              <a:t>25-Apr-22</a:t>
             </a:fld>
             <a:endParaRPr lang="en-US"/>
           </a:p>
@@ -4373,7 +1813,7 @@
           <a:p>
             <a:fld id="{CB44F44D-5069-494A-BAE8-A9A6D6234ABD}" type="datetimeFigureOut">
               <a:rPr lang="en-US" smtClean="0"/>
-              <a:t>4/24/2022</a:t>
+              <a:t>25-Apr-22</a:t>
             </a:fld>
             <a:endParaRPr lang="en-US"/>
           </a:p>
@@ -4581,7 +2021,7 @@
           <a:p>
             <a:fld id="{CB44F44D-5069-494A-BAE8-A9A6D6234ABD}" type="datetimeFigureOut">
               <a:rPr lang="en-US" smtClean="0"/>
-              <a:t>4/24/2022</a:t>
+              <a:t>25-Apr-22</a:t>
             </a:fld>
             <a:endParaRPr lang="en-US"/>
           </a:p>
@@ -4779,7 +2219,7 @@
           <a:p>
             <a:fld id="{CB44F44D-5069-494A-BAE8-A9A6D6234ABD}" type="datetimeFigureOut">
               <a:rPr lang="en-US" smtClean="0"/>
-              <a:t>4/24/2022</a:t>
+              <a:t>25-Apr-22</a:t>
             </a:fld>
             <a:endParaRPr lang="en-US"/>
           </a:p>
@@ -5054,7 +2494,7 @@
           <a:p>
             <a:fld id="{CB44F44D-5069-494A-BAE8-A9A6D6234ABD}" type="datetimeFigureOut">
               <a:rPr lang="en-US" smtClean="0"/>
-              <a:t>4/24/2022</a:t>
+              <a:t>25-Apr-22</a:t>
             </a:fld>
             <a:endParaRPr lang="en-US"/>
           </a:p>
@@ -5319,7 +2759,7 @@
           <a:p>
             <a:fld id="{CB44F44D-5069-494A-BAE8-A9A6D6234ABD}" type="datetimeFigureOut">
               <a:rPr lang="en-US" smtClean="0"/>
-              <a:t>4/24/2022</a:t>
+              <a:t>25-Apr-22</a:t>
             </a:fld>
             <a:endParaRPr lang="en-US"/>
           </a:p>
@@ -5731,7 +3171,7 @@
           <a:p>
             <a:fld id="{CB44F44D-5069-494A-BAE8-A9A6D6234ABD}" type="datetimeFigureOut">
               <a:rPr lang="en-US" smtClean="0"/>
-              <a:t>4/24/2022</a:t>
+              <a:t>25-Apr-22</a:t>
             </a:fld>
             <a:endParaRPr lang="en-US"/>
           </a:p>
@@ -5872,7 +3312,7 @@
           <a:p>
             <a:fld id="{CB44F44D-5069-494A-BAE8-A9A6D6234ABD}" type="datetimeFigureOut">
               <a:rPr lang="en-US" smtClean="0"/>
-              <a:t>4/24/2022</a:t>
+              <a:t>25-Apr-22</a:t>
             </a:fld>
             <a:endParaRPr lang="en-US"/>
           </a:p>
@@ -5985,7 +3425,7 @@
           <a:p>
             <a:fld id="{CB44F44D-5069-494A-BAE8-A9A6D6234ABD}" type="datetimeFigureOut">
               <a:rPr lang="en-US" smtClean="0"/>
-              <a:t>4/24/2022</a:t>
+              <a:t>25-Apr-22</a:t>
             </a:fld>
             <a:endParaRPr lang="en-US"/>
           </a:p>
@@ -6296,7 +3736,7 @@
           <a:p>
             <a:fld id="{CB44F44D-5069-494A-BAE8-A9A6D6234ABD}" type="datetimeFigureOut">
               <a:rPr lang="en-US" smtClean="0"/>
-              <a:t>4/24/2022</a:t>
+              <a:t>25-Apr-22</a:t>
             </a:fld>
             <a:endParaRPr lang="en-US"/>
           </a:p>
@@ -6584,7 +4024,7 @@
           <a:p>
             <a:fld id="{CB44F44D-5069-494A-BAE8-A9A6D6234ABD}" type="datetimeFigureOut">
               <a:rPr lang="en-US" smtClean="0"/>
-              <a:t>4/24/2022</a:t>
+              <a:t>25-Apr-22</a:t>
             </a:fld>
             <a:endParaRPr lang="en-US"/>
           </a:p>
@@ -6825,7 +4265,7 @@
           <a:p>
             <a:fld id="{CB44F44D-5069-494A-BAE8-A9A6D6234ABD}" type="datetimeFigureOut">
               <a:rPr lang="en-US" smtClean="0"/>
-              <a:t>4/24/2022</a:t>
+              <a:t>25-Apr-22</a:t>
             </a:fld>
             <a:endParaRPr lang="en-US"/>
           </a:p>
@@ -7334,7 +4774,7 @@
         </p:nvSpPr>
         <p:spPr>
           <a:xfrm>
-            <a:off x="6981823" y="1330960"/>
+            <a:off x="1149984" y="2611884"/>
             <a:ext cx="4681857" cy="1634231"/>
           </a:xfrm>
         </p:spPr>
@@ -7356,62 +4796,25 @@
           </a:p>
         </p:txBody>
       </p:sp>
-      <p:pic>
-        <p:nvPicPr>
-          <p:cNvPr id="6" name="Picture Placeholder 5" descr="A picture containing text, electronics&#10;&#10;Description automatically generated">
-            <a:extLst>
-              <a:ext uri="{FF2B5EF4-FFF2-40B4-BE49-F238E27FC236}">
-                <a16:creationId xmlns:a16="http://schemas.microsoft.com/office/drawing/2014/main" id="{EF88929F-4F9B-4353-8F2E-30BF2D7A1546}"/>
-              </a:ext>
-            </a:extLst>
-          </p:cNvPr>
-          <p:cNvPicPr>
-            <a:picLocks noGrp="1" noChangeAspect="1"/>
-          </p:cNvPicPr>
-          <p:nvPr>
-            <p:ph type="pic" idx="1"/>
-          </p:nvPr>
-        </p:nvPicPr>
-        <p:blipFill rotWithShape="1">
-          <a:blip r:embed="rId2">
-            <a:extLst>
-              <a:ext uri="{28A0092B-C50C-407E-A947-70E740481C1C}">
-                <a14:useLocalDpi xmlns:a14="http://schemas.microsoft.com/office/drawing/2010/main" val="0"/>
-              </a:ext>
-            </a:extLst>
-          </a:blip>
-          <a:srcRect l="11389" r="12582" b="11428"/>
-          <a:stretch/>
-        </p:blipFill>
+      <p:sp>
+        <p:nvSpPr>
+          <p:cNvPr id="4" name="Text Placeholder 3">
+            <a:extLst>
+              <a:ext uri="{FF2B5EF4-FFF2-40B4-BE49-F238E27FC236}">
+                <a16:creationId xmlns:a16="http://schemas.microsoft.com/office/drawing/2014/main" id="{B7C0F8B6-31A4-4D3B-AD58-0D21B627D22A}"/>
+              </a:ext>
+            </a:extLst>
+          </p:cNvPr>
+          <p:cNvSpPr>
+            <a:spLocks noGrp="1"/>
+          </p:cNvSpPr>
+          <p:nvPr>
+            <p:ph type="body" sz="half" idx="2"/>
+          </p:nvPr>
+        </p:nvSpPr>
         <p:spPr>
           <a:xfrm>
-            <a:off x="835023" y="1036320"/>
-            <a:ext cx="5972213" cy="4564381"/>
-          </a:xfrm>
-          <a:prstGeom prst="rect">
-            <a:avLst/>
-          </a:prstGeom>
-        </p:spPr>
-      </p:pic>
-      <p:sp>
-        <p:nvSpPr>
-          <p:cNvPr id="4" name="Text Placeholder 3">
-            <a:extLst>
-              <a:ext uri="{FF2B5EF4-FFF2-40B4-BE49-F238E27FC236}">
-                <a16:creationId xmlns:a16="http://schemas.microsoft.com/office/drawing/2014/main" id="{B7C0F8B6-31A4-4D3B-AD58-0D21B627D22A}"/>
-              </a:ext>
-            </a:extLst>
-          </p:cNvPr>
-          <p:cNvSpPr>
-            <a:spLocks noGrp="1"/>
-          </p:cNvSpPr>
-          <p:nvPr>
-            <p:ph type="body" sz="half" idx="2"/>
-          </p:nvPr>
-        </p:nvSpPr>
-        <p:spPr>
-          <a:xfrm>
-            <a:off x="6981824" y="3146400"/>
+            <a:off x="6981825" y="2611884"/>
             <a:ext cx="4391025" cy="2454300"/>
           </a:xfrm>
         </p:spPr>
@@ -7429,7 +4832,7 @@
                   </a:schemeClr>
                 </a:solidFill>
               </a:rPr>
-              <a:t> GROUP 12</a:t>
+              <a:t> GROUP 24</a:t>
             </a:r>
           </a:p>
           <a:p>
@@ -7445,7 +4848,23 @@
                   </a:schemeClr>
                 </a:solidFill>
               </a:rPr>
-              <a:t>Sukumar </a:t>
+              <a:t>Golla Ranga Kousik</a:t>
+            </a:r>
+          </a:p>
+          <a:p>
+            <a:pPr marL="342900" indent="-342900">
+              <a:buFont typeface="Arial" panose="020B0604020202020204" pitchFamily="34" charset="0"/>
+              <a:buChar char="•"/>
+            </a:pPr>
+            <a:r>
+              <a:rPr lang="en-US" sz="2400" dirty="0">
+                <a:solidFill>
+                  <a:schemeClr val="bg1">
+                    <a:alpha val="80000"/>
+                  </a:schemeClr>
+                </a:solidFill>
+              </a:rPr>
+              <a:t>Ajay </a:t>
             </a:r>
             <a:r>
               <a:rPr lang="en-US" sz="2400" dirty="0" err="1">
@@ -7455,7 +4874,27 @@
                   </a:schemeClr>
                 </a:solidFill>
               </a:rPr>
-              <a:t>Bodapati</a:t>
+              <a:t>kumar</a:t>
+            </a:r>
+            <a:r>
+              <a:rPr lang="en-US" sz="2400" dirty="0">
+                <a:solidFill>
+                  <a:schemeClr val="bg1">
+                    <a:alpha val="80000"/>
+                  </a:schemeClr>
+                </a:solidFill>
+              </a:rPr>
+              <a:t> </a:t>
+            </a:r>
+            <a:r>
+              <a:rPr lang="en-US" sz="2400" dirty="0" err="1">
+                <a:solidFill>
+                  <a:schemeClr val="bg1">
+                    <a:alpha val="80000"/>
+                  </a:schemeClr>
+                </a:solidFill>
+              </a:rPr>
+              <a:t>nagula</a:t>
             </a:r>
             <a:endParaRPr lang="en-US" sz="2400" dirty="0">
               <a:solidFill>
@@ -7464,22 +4903,6 @@
                 </a:schemeClr>
               </a:solidFill>
             </a:endParaRPr>
-          </a:p>
-          <a:p>
-            <a:pPr marL="342900" indent="-342900">
-              <a:buFont typeface="Arial" panose="020B0604020202020204" pitchFamily="34" charset="0"/>
-              <a:buChar char="•"/>
-            </a:pPr>
-            <a:r>
-              <a:rPr lang="en-US" sz="2400" dirty="0">
-                <a:solidFill>
-                  <a:schemeClr val="bg1">
-                    <a:alpha val="80000"/>
-                  </a:schemeClr>
-                </a:solidFill>
-              </a:rPr>
-              <a:t>Sri Nikhitha Boddapati</a:t>
-            </a:r>
           </a:p>
         </p:txBody>
       </p:sp>
@@ -7496,7 +4919,7 @@
 </p:sld>
 </file>
 
-<file path=ppt/slides/slide10.xml><?xml version="1.0" encoding="utf-8"?>
+<file path=ppt/slides/slide2.xml><?xml version="1.0" encoding="utf-8"?>
 <p:sld xmlns:a="http://schemas.openxmlformats.org/drawingml/2006/main" xmlns:r="http://schemas.openxmlformats.org/officeDocument/2006/relationships" xmlns:p="http://schemas.openxmlformats.org/presentationml/2006/main">
   <p:cSld>
     <p:spTree>
@@ -7518,2690 +4941,35 @@
           <p:cNvPr id="2" name="Title 1">
             <a:extLst>
               <a:ext uri="{FF2B5EF4-FFF2-40B4-BE49-F238E27FC236}">
-                <a16:creationId xmlns:a16="http://schemas.microsoft.com/office/drawing/2014/main" id="{DC76F368-4133-4F0F-813F-A4F8E6F442EF}"/>
-              </a:ext>
-            </a:extLst>
-          </p:cNvPr>
-          <p:cNvSpPr>
-            <a:spLocks noGrp="1"/>
-          </p:cNvSpPr>
-          <p:nvPr>
-            <p:ph type="ctrTitle"/>
-          </p:nvPr>
-        </p:nvSpPr>
-        <p:spPr>
-          <a:solidFill>
-            <a:schemeClr val="bg1"/>
-          </a:solidFill>
-        </p:spPr>
+                <a16:creationId xmlns:a16="http://schemas.microsoft.com/office/drawing/2014/main" id="{A7E5055E-69D8-4AD6-90D3-8A8C8B6D3FEB}"/>
+              </a:ext>
+            </a:extLst>
+          </p:cNvPr>
+          <p:cNvSpPr>
+            <a:spLocks noGrp="1"/>
+          </p:cNvSpPr>
+          <p:nvPr>
+            <p:ph type="title"/>
+          </p:nvPr>
+        </p:nvSpPr>
+        <p:spPr/>
         <p:txBody>
           <a:bodyPr/>
           <a:lstStyle/>
           <a:p>
-            <a:endParaRPr lang="en-US" dirty="0"/>
-          </a:p>
-        </p:txBody>
-      </p:sp>
-      <p:sp>
-        <p:nvSpPr>
-          <p:cNvPr id="3" name="Subtitle 2">
-            <a:extLst>
-              <a:ext uri="{FF2B5EF4-FFF2-40B4-BE49-F238E27FC236}">
-                <a16:creationId xmlns:a16="http://schemas.microsoft.com/office/drawing/2014/main" id="{A0E08B53-A8AC-4F6C-9FF5-20B8DA58E23D}"/>
-              </a:ext>
-            </a:extLst>
-          </p:cNvPr>
-          <p:cNvSpPr>
-            <a:spLocks noGrp="1"/>
-          </p:cNvSpPr>
-          <p:nvPr>
-            <p:ph type="subTitle" idx="1"/>
-          </p:nvPr>
-        </p:nvSpPr>
-        <p:spPr/>
-        <p:txBody>
-          <a:bodyPr/>
-          <a:lstStyle/>
-          <a:p>
-            <a:endParaRPr lang="en-US" dirty="0"/>
-          </a:p>
-        </p:txBody>
-      </p:sp>
-      <p:pic>
-        <p:nvPicPr>
-          <p:cNvPr id="5" name="Picture 4">
-            <a:extLst>
-              <a:ext uri="{FF2B5EF4-FFF2-40B4-BE49-F238E27FC236}">
-                <a16:creationId xmlns:a16="http://schemas.microsoft.com/office/drawing/2014/main" id="{CE039DEF-DF51-4263-9686-EC3FA25EAADB}"/>
-              </a:ext>
-            </a:extLst>
-          </p:cNvPr>
-          <p:cNvPicPr>
-            <a:picLocks noChangeAspect="1"/>
-          </p:cNvPicPr>
-          <p:nvPr/>
-        </p:nvPicPr>
-        <p:blipFill>
-          <a:blip r:embed="rId2"/>
-          <a:stretch>
-            <a:fillRect/>
-          </a:stretch>
-        </p:blipFill>
-        <p:spPr>
-          <a:xfrm>
-            <a:off x="1034027" y="794692"/>
-            <a:ext cx="2194751" cy="4940945"/>
-          </a:xfrm>
-          <a:prstGeom prst="rect">
-            <a:avLst/>
-          </a:prstGeom>
-        </p:spPr>
-      </p:pic>
-      <p:pic>
-        <p:nvPicPr>
-          <p:cNvPr id="7" name="Picture 6">
-            <a:extLst>
-              <a:ext uri="{FF2B5EF4-FFF2-40B4-BE49-F238E27FC236}">
-                <a16:creationId xmlns:a16="http://schemas.microsoft.com/office/drawing/2014/main" id="{8ABAD29E-1660-4D53-AAC5-218CFBBC2D69}"/>
-              </a:ext>
-            </a:extLst>
-          </p:cNvPr>
-          <p:cNvPicPr>
-            <a:picLocks noChangeAspect="1"/>
-          </p:cNvPicPr>
-          <p:nvPr/>
-        </p:nvPicPr>
-        <p:blipFill>
-          <a:blip r:embed="rId3"/>
-          <a:stretch>
-            <a:fillRect/>
-          </a:stretch>
-        </p:blipFill>
-        <p:spPr>
-          <a:xfrm>
-            <a:off x="4590260" y="641697"/>
-            <a:ext cx="2194751" cy="5093940"/>
-          </a:xfrm>
-          <a:prstGeom prst="rect">
-            <a:avLst/>
-          </a:prstGeom>
-        </p:spPr>
-      </p:pic>
-      <p:pic>
-        <p:nvPicPr>
-          <p:cNvPr id="9" name="Picture 8">
-            <a:extLst>
-              <a:ext uri="{FF2B5EF4-FFF2-40B4-BE49-F238E27FC236}">
-                <a16:creationId xmlns:a16="http://schemas.microsoft.com/office/drawing/2014/main" id="{83B27C03-1D86-4FFF-A468-13099E2F3A8F}"/>
-              </a:ext>
-            </a:extLst>
-          </p:cNvPr>
-          <p:cNvPicPr>
-            <a:picLocks noChangeAspect="1"/>
-          </p:cNvPicPr>
-          <p:nvPr/>
-        </p:nvPicPr>
-        <p:blipFill>
-          <a:blip r:embed="rId4"/>
-          <a:stretch>
-            <a:fillRect/>
-          </a:stretch>
-        </p:blipFill>
-        <p:spPr>
-          <a:xfrm>
-            <a:off x="8146492" y="675793"/>
-            <a:ext cx="2074467" cy="5059844"/>
-          </a:xfrm>
-          <a:prstGeom prst="rect">
-            <a:avLst/>
-          </a:prstGeom>
-        </p:spPr>
-      </p:pic>
-      <p:sp>
-        <p:nvSpPr>
-          <p:cNvPr id="10" name="TextBox 9">
-            <a:extLst>
-              <a:ext uri="{FF2B5EF4-FFF2-40B4-BE49-F238E27FC236}">
-                <a16:creationId xmlns:a16="http://schemas.microsoft.com/office/drawing/2014/main" id="{494A7CD8-4F55-425C-A0BF-4C1E2643371E}"/>
-              </a:ext>
-            </a:extLst>
-          </p:cNvPr>
-          <p:cNvSpPr txBox="1"/>
-          <p:nvPr/>
-        </p:nvSpPr>
-        <p:spPr>
-          <a:xfrm flipH="1">
-            <a:off x="1524000" y="6085840"/>
-            <a:ext cx="1203961" cy="369332"/>
-          </a:xfrm>
-          <a:prstGeom prst="rect">
-            <a:avLst/>
-          </a:prstGeom>
-          <a:noFill/>
-        </p:spPr>
-        <p:txBody>
-          <a:bodyPr wrap="square" rtlCol="0">
-            <a:spAutoFit/>
-          </a:bodyPr>
-          <a:lstStyle/>
-          <a:p>
-            <a:r>
-              <a:rPr lang="en-US" dirty="0">
-                <a:effectLst>
-                  <a:outerShdw blurRad="38100" dist="38100" dir="2700000" algn="tl">
-                    <a:srgbClr val="000000">
-                      <a:alpha val="43137"/>
-                    </a:srgbClr>
-                  </a:outerShdw>
-                </a:effectLst>
-              </a:rPr>
-              <a:t>User Input</a:t>
-            </a:r>
-          </a:p>
-        </p:txBody>
-      </p:sp>
-      <p:sp>
-        <p:nvSpPr>
-          <p:cNvPr id="13" name="TextBox 12">
-            <a:extLst>
-              <a:ext uri="{FF2B5EF4-FFF2-40B4-BE49-F238E27FC236}">
-                <a16:creationId xmlns:a16="http://schemas.microsoft.com/office/drawing/2014/main" id="{3E608B66-7966-44A5-AEFA-38B6FE933D8A}"/>
-              </a:ext>
-            </a:extLst>
-          </p:cNvPr>
-          <p:cNvSpPr txBox="1"/>
-          <p:nvPr/>
-        </p:nvSpPr>
-        <p:spPr>
-          <a:xfrm flipH="1">
-            <a:off x="3409597" y="2004586"/>
-            <a:ext cx="1180661" cy="584775"/>
-          </a:xfrm>
-          <a:prstGeom prst="rect">
-            <a:avLst/>
-          </a:prstGeom>
-          <a:noFill/>
-        </p:spPr>
-        <p:txBody>
-          <a:bodyPr wrap="square" rtlCol="0">
-            <a:spAutoFit/>
-          </a:bodyPr>
-          <a:lstStyle/>
-          <a:p>
-            <a:r>
-              <a:rPr lang="en-US" sz="1400" dirty="0"/>
-              <a:t>Click on “Order</a:t>
-            </a:r>
-            <a:r>
-              <a:rPr lang="en-US" dirty="0"/>
-              <a:t>”</a:t>
-            </a:r>
-          </a:p>
-        </p:txBody>
-      </p:sp>
-      <p:sp>
-        <p:nvSpPr>
-          <p:cNvPr id="14" name="TextBox 13">
-            <a:extLst>
-              <a:ext uri="{FF2B5EF4-FFF2-40B4-BE49-F238E27FC236}">
-                <a16:creationId xmlns:a16="http://schemas.microsoft.com/office/drawing/2014/main" id="{3F4F1C6B-5846-4730-8858-D3D3B1F0357F}"/>
-              </a:ext>
-            </a:extLst>
-          </p:cNvPr>
-          <p:cNvSpPr txBox="1"/>
-          <p:nvPr/>
-        </p:nvSpPr>
-        <p:spPr>
-          <a:xfrm flipH="1">
-            <a:off x="4714240" y="6031637"/>
-            <a:ext cx="1656080" cy="369332"/>
-          </a:xfrm>
-          <a:prstGeom prst="rect">
-            <a:avLst/>
-          </a:prstGeom>
-          <a:noFill/>
-        </p:spPr>
-        <p:txBody>
-          <a:bodyPr wrap="square" rtlCol="0">
-            <a:spAutoFit/>
-          </a:bodyPr>
-          <a:lstStyle/>
-          <a:p>
-            <a:r>
-              <a:rPr lang="en-US" dirty="0">
-                <a:effectLst>
-                  <a:outerShdw blurRad="38100" dist="38100" dir="2700000" algn="tl">
-                    <a:srgbClr val="000000">
-                      <a:alpha val="43137"/>
-                    </a:srgbClr>
-                  </a:outerShdw>
-                </a:effectLst>
-              </a:rPr>
-              <a:t>Mail compose</a:t>
-            </a:r>
-          </a:p>
-        </p:txBody>
-      </p:sp>
-      <p:sp>
-        <p:nvSpPr>
-          <p:cNvPr id="15" name="TextBox 14">
-            <a:extLst>
-              <a:ext uri="{FF2B5EF4-FFF2-40B4-BE49-F238E27FC236}">
-                <a16:creationId xmlns:a16="http://schemas.microsoft.com/office/drawing/2014/main" id="{CEEA5129-6060-4162-8736-3D072941B35A}"/>
-              </a:ext>
-            </a:extLst>
-          </p:cNvPr>
-          <p:cNvSpPr txBox="1"/>
-          <p:nvPr/>
-        </p:nvSpPr>
-        <p:spPr>
-          <a:xfrm>
-            <a:off x="7823200" y="6216303"/>
-            <a:ext cx="3088640" cy="369332"/>
-          </a:xfrm>
-          <a:prstGeom prst="rect">
-            <a:avLst/>
-          </a:prstGeom>
-          <a:noFill/>
-        </p:spPr>
-        <p:txBody>
-          <a:bodyPr wrap="square" rtlCol="0">
-            <a:spAutoFit/>
-          </a:bodyPr>
-          <a:lstStyle/>
-          <a:p>
-            <a:r>
-              <a:rPr lang="en-US" dirty="0">
-                <a:effectLst>
-                  <a:outerShdw blurRad="38100" dist="38100" dir="2700000" algn="tl">
-                    <a:srgbClr val="000000">
-                      <a:alpha val="43137"/>
-                    </a:srgbClr>
-                  </a:outerShdw>
-                </a:effectLst>
-              </a:rPr>
-              <a:t>Mail received by the user</a:t>
-            </a:r>
-          </a:p>
-        </p:txBody>
-      </p:sp>
-      <p:sp>
-        <p:nvSpPr>
-          <p:cNvPr id="16" name="Arrow: Right 15">
-            <a:extLst>
-              <a:ext uri="{FF2B5EF4-FFF2-40B4-BE49-F238E27FC236}">
-                <a16:creationId xmlns:a16="http://schemas.microsoft.com/office/drawing/2014/main" id="{428FE364-23A4-4156-A8E7-69E92A74DAA9}"/>
-              </a:ext>
-            </a:extLst>
-          </p:cNvPr>
-          <p:cNvSpPr/>
-          <p:nvPr/>
-        </p:nvSpPr>
-        <p:spPr>
-          <a:xfrm>
-            <a:off x="3409597" y="2895600"/>
-            <a:ext cx="1091283" cy="228601"/>
-          </a:xfrm>
-          <a:prstGeom prst="rightArrow">
-            <a:avLst/>
-          </a:prstGeom>
-          <a:solidFill>
-            <a:schemeClr val="bg1"/>
-          </a:solidFill>
-          <a:ln>
-            <a:solidFill>
-              <a:schemeClr val="tx1"/>
-            </a:solidFill>
-          </a:ln>
-        </p:spPr>
-        <p:style>
-          <a:lnRef idx="2">
-            <a:schemeClr val="accent1">
-              <a:shade val="50000"/>
-            </a:schemeClr>
-          </a:lnRef>
-          <a:fillRef idx="1">
-            <a:schemeClr val="accent1"/>
-          </a:fillRef>
-          <a:effectRef idx="0">
-            <a:schemeClr val="accent1"/>
-          </a:effectRef>
-          <a:fontRef idx="minor">
-            <a:schemeClr val="lt1"/>
-          </a:fontRef>
-        </p:style>
-        <p:txBody>
-          <a:bodyPr rtlCol="0" anchor="ctr"/>
-          <a:lstStyle/>
-          <a:p>
-            <a:pPr algn="ctr"/>
-            <a:endParaRPr lang="en-US"/>
-          </a:p>
-        </p:txBody>
-      </p:sp>
-      <p:sp>
-        <p:nvSpPr>
-          <p:cNvPr id="17" name="Arrow: Right 16">
-            <a:extLst>
-              <a:ext uri="{FF2B5EF4-FFF2-40B4-BE49-F238E27FC236}">
-                <a16:creationId xmlns:a16="http://schemas.microsoft.com/office/drawing/2014/main" id="{48848641-6EE4-4C44-98BF-D5B1BEDA07D2}"/>
-              </a:ext>
-            </a:extLst>
-          </p:cNvPr>
-          <p:cNvSpPr/>
-          <p:nvPr/>
-        </p:nvSpPr>
-        <p:spPr>
-          <a:xfrm>
-            <a:off x="7000240" y="3035931"/>
-            <a:ext cx="965200" cy="194949"/>
-          </a:xfrm>
-          <a:prstGeom prst="rightArrow">
-            <a:avLst/>
-          </a:prstGeom>
-          <a:solidFill>
-            <a:schemeClr val="bg1"/>
-          </a:solidFill>
-          <a:ln>
-            <a:solidFill>
-              <a:schemeClr val="tx1"/>
-            </a:solidFill>
-          </a:ln>
-        </p:spPr>
-        <p:style>
-          <a:lnRef idx="2">
-            <a:schemeClr val="accent1">
-              <a:shade val="50000"/>
-            </a:schemeClr>
-          </a:lnRef>
-          <a:fillRef idx="1">
-            <a:schemeClr val="accent1"/>
-          </a:fillRef>
-          <a:effectRef idx="0">
-            <a:schemeClr val="accent1"/>
-          </a:effectRef>
-          <a:fontRef idx="minor">
-            <a:schemeClr val="lt1"/>
-          </a:fontRef>
-        </p:style>
-        <p:txBody>
-          <a:bodyPr rtlCol="0" anchor="ctr"/>
-          <a:lstStyle/>
-          <a:p>
-            <a:pPr algn="ctr"/>
-            <a:endParaRPr lang="en-US"/>
-          </a:p>
-        </p:txBody>
-      </p:sp>
-    </p:spTree>
-    <p:extLst>
-      <p:ext uri="{BB962C8B-B14F-4D97-AF65-F5344CB8AC3E}">
-        <p14:creationId xmlns:p14="http://schemas.microsoft.com/office/powerpoint/2010/main" val="506077183"/>
-      </p:ext>
-    </p:extLst>
-  </p:cSld>
-  <p:clrMapOvr>
-    <a:masterClrMapping/>
-  </p:clrMapOvr>
-</p:sld>
-</file>
-
-<file path=ppt/slides/slide11.xml><?xml version="1.0" encoding="utf-8"?>
-<p:sld xmlns:a="http://schemas.openxmlformats.org/drawingml/2006/main" xmlns:r="http://schemas.openxmlformats.org/officeDocument/2006/relationships" xmlns:p="http://schemas.openxmlformats.org/presentationml/2006/main">
-  <p:cSld>
-    <p:spTree>
-      <p:nvGrpSpPr>
-        <p:cNvPr id="1" name=""/>
-        <p:cNvGrpSpPr/>
-        <p:nvPr/>
-      </p:nvGrpSpPr>
-      <p:grpSpPr>
-        <a:xfrm>
-          <a:off x="0" y="0"/>
-          <a:ext cx="0" cy="0"/>
-          <a:chOff x="0" y="0"/>
-          <a:chExt cx="0" cy="0"/>
-        </a:xfrm>
-      </p:grpSpPr>
-      <p:sp>
-        <p:nvSpPr>
-          <p:cNvPr id="3" name="Subtitle 2">
-            <a:extLst>
-              <a:ext uri="{FF2B5EF4-FFF2-40B4-BE49-F238E27FC236}">
-                <a16:creationId xmlns:a16="http://schemas.microsoft.com/office/drawing/2014/main" id="{0E75CD1A-0097-466D-AA37-A432FAB2757A}"/>
-              </a:ext>
-            </a:extLst>
-          </p:cNvPr>
-          <p:cNvSpPr>
-            <a:spLocks noGrp="1"/>
-          </p:cNvSpPr>
-          <p:nvPr>
-            <p:ph type="subTitle" idx="1"/>
-          </p:nvPr>
-        </p:nvSpPr>
-        <p:spPr/>
-        <p:txBody>
-          <a:bodyPr/>
-          <a:lstStyle/>
-          <a:p>
-            <a:endParaRPr lang="en-US"/>
-          </a:p>
-        </p:txBody>
-      </p:sp>
-      <p:pic>
-        <p:nvPicPr>
-          <p:cNvPr id="4" name="Picture 3">
-            <a:extLst>
-              <a:ext uri="{FF2B5EF4-FFF2-40B4-BE49-F238E27FC236}">
-                <a16:creationId xmlns:a16="http://schemas.microsoft.com/office/drawing/2014/main" id="{13A0A62A-5593-4601-8B2D-55FDF0E7541D}"/>
-              </a:ext>
-            </a:extLst>
-          </p:cNvPr>
-          <p:cNvPicPr>
-            <a:picLocks noChangeAspect="1"/>
-          </p:cNvPicPr>
-          <p:nvPr/>
-        </p:nvPicPr>
-        <p:blipFill>
-          <a:blip r:embed="rId2"/>
-          <a:stretch>
-            <a:fillRect/>
-          </a:stretch>
-        </p:blipFill>
-        <p:spPr>
-          <a:xfrm>
-            <a:off x="2151627" y="627276"/>
-            <a:ext cx="2194751" cy="4940945"/>
-          </a:xfrm>
-          <a:prstGeom prst="rect">
-            <a:avLst/>
-          </a:prstGeom>
-        </p:spPr>
-      </p:pic>
-      <p:sp>
-        <p:nvSpPr>
-          <p:cNvPr id="6" name="TextBox 5">
-            <a:extLst>
-              <a:ext uri="{FF2B5EF4-FFF2-40B4-BE49-F238E27FC236}">
-                <a16:creationId xmlns:a16="http://schemas.microsoft.com/office/drawing/2014/main" id="{00719147-E23D-4FDC-B876-871F8456A81B}"/>
-              </a:ext>
-            </a:extLst>
-          </p:cNvPr>
-          <p:cNvSpPr txBox="1"/>
-          <p:nvPr/>
-        </p:nvSpPr>
-        <p:spPr>
-          <a:xfrm rot="10800000" flipV="1">
-            <a:off x="2418080" y="5882954"/>
-            <a:ext cx="1928298" cy="369332"/>
-          </a:xfrm>
-          <a:prstGeom prst="rect">
-            <a:avLst/>
-          </a:prstGeom>
-          <a:noFill/>
-        </p:spPr>
-        <p:txBody>
-          <a:bodyPr wrap="square">
-            <a:spAutoFit/>
-          </a:bodyPr>
-          <a:lstStyle/>
-          <a:p>
-            <a:r>
-              <a:rPr lang="en-US" dirty="0">
-                <a:effectLst>
-                  <a:outerShdw blurRad="38100" dist="38100" dir="2700000" algn="tl">
-                    <a:srgbClr val="000000">
-                      <a:alpha val="43137"/>
-                    </a:srgbClr>
-                  </a:outerShdw>
-                </a:effectLst>
-              </a:rPr>
-              <a:t>User Input</a:t>
-            </a:r>
-          </a:p>
-        </p:txBody>
-      </p:sp>
-      <p:pic>
-        <p:nvPicPr>
-          <p:cNvPr id="8" name="Picture 7">
-            <a:extLst>
-              <a:ext uri="{FF2B5EF4-FFF2-40B4-BE49-F238E27FC236}">
-                <a16:creationId xmlns:a16="http://schemas.microsoft.com/office/drawing/2014/main" id="{4C978F14-9D51-4EF6-817F-19F8A918A87F}"/>
-              </a:ext>
-            </a:extLst>
-          </p:cNvPr>
-          <p:cNvPicPr>
-            <a:picLocks noChangeAspect="1"/>
-          </p:cNvPicPr>
-          <p:nvPr/>
-        </p:nvPicPr>
-        <p:blipFill>
-          <a:blip r:embed="rId3"/>
-          <a:stretch>
-            <a:fillRect/>
-          </a:stretch>
-        </p:blipFill>
-        <p:spPr>
-          <a:xfrm>
-            <a:off x="7665668" y="794692"/>
-            <a:ext cx="2776593" cy="4066996"/>
-          </a:xfrm>
-          <a:prstGeom prst="rect">
-            <a:avLst/>
-          </a:prstGeom>
-        </p:spPr>
-      </p:pic>
-      <p:sp>
-        <p:nvSpPr>
-          <p:cNvPr id="9" name="TextBox 8">
-            <a:extLst>
-              <a:ext uri="{FF2B5EF4-FFF2-40B4-BE49-F238E27FC236}">
-                <a16:creationId xmlns:a16="http://schemas.microsoft.com/office/drawing/2014/main" id="{3E623B29-92BA-45EB-9D46-B7D28F03B596}"/>
-              </a:ext>
-            </a:extLst>
-          </p:cNvPr>
-          <p:cNvSpPr txBox="1"/>
-          <p:nvPr/>
-        </p:nvSpPr>
-        <p:spPr>
-          <a:xfrm flipH="1">
-            <a:off x="8056879" y="5349875"/>
-            <a:ext cx="1818639" cy="369332"/>
-          </a:xfrm>
-          <a:prstGeom prst="rect">
-            <a:avLst/>
-          </a:prstGeom>
-          <a:noFill/>
-        </p:spPr>
-        <p:txBody>
-          <a:bodyPr wrap="square" rtlCol="0">
-            <a:spAutoFit/>
-          </a:bodyPr>
-          <a:lstStyle/>
-          <a:p>
-            <a:r>
-              <a:rPr lang="en-US" dirty="0">
-                <a:effectLst>
-                  <a:outerShdw blurRad="38100" dist="38100" dir="2700000" algn="tl">
-                    <a:srgbClr val="000000">
-                      <a:alpha val="43137"/>
-                    </a:srgbClr>
-                  </a:outerShdw>
-                </a:effectLst>
-              </a:rPr>
-              <a:t>Summary page</a:t>
-            </a:r>
-          </a:p>
-        </p:txBody>
-      </p:sp>
-      <p:sp>
-        <p:nvSpPr>
-          <p:cNvPr id="10" name="Arrow: Right 9">
-            <a:extLst>
-              <a:ext uri="{FF2B5EF4-FFF2-40B4-BE49-F238E27FC236}">
-                <a16:creationId xmlns:a16="http://schemas.microsoft.com/office/drawing/2014/main" id="{F0EEE811-0D6C-419F-88EF-455B3A0BEBD7}"/>
-              </a:ext>
-            </a:extLst>
-          </p:cNvPr>
-          <p:cNvSpPr/>
-          <p:nvPr/>
-        </p:nvSpPr>
-        <p:spPr>
-          <a:xfrm>
-            <a:off x="5161280" y="2839450"/>
-            <a:ext cx="1361440" cy="452168"/>
-          </a:xfrm>
-          <a:prstGeom prst="rightArrow">
-            <a:avLst/>
-          </a:prstGeom>
-          <a:solidFill>
-            <a:schemeClr val="bg1"/>
-          </a:solidFill>
-          <a:ln>
-            <a:solidFill>
-              <a:schemeClr val="tx1"/>
-            </a:solidFill>
-          </a:ln>
-        </p:spPr>
-        <p:style>
-          <a:lnRef idx="2">
-            <a:schemeClr val="accent1">
-              <a:shade val="50000"/>
-            </a:schemeClr>
-          </a:lnRef>
-          <a:fillRef idx="1">
-            <a:schemeClr val="accent1"/>
-          </a:fillRef>
-          <a:effectRef idx="0">
-            <a:schemeClr val="accent1"/>
-          </a:effectRef>
-          <a:fontRef idx="minor">
-            <a:schemeClr val="lt1"/>
-          </a:fontRef>
-        </p:style>
-        <p:txBody>
-          <a:bodyPr rtlCol="0" anchor="ctr"/>
-          <a:lstStyle/>
-          <a:p>
-            <a:pPr algn="ctr"/>
-            <a:endParaRPr lang="en-US"/>
-          </a:p>
-        </p:txBody>
-      </p:sp>
-      <p:sp>
-        <p:nvSpPr>
-          <p:cNvPr id="11" name="Title 10">
-            <a:extLst>
-              <a:ext uri="{FF2B5EF4-FFF2-40B4-BE49-F238E27FC236}">
-                <a16:creationId xmlns:a16="http://schemas.microsoft.com/office/drawing/2014/main" id="{6B2F1C9B-2155-4FF0-B2AA-FAE215C72F60}"/>
-              </a:ext>
-            </a:extLst>
-          </p:cNvPr>
-          <p:cNvSpPr txBox="1">
-            <a:spLocks noGrp="1"/>
-          </p:cNvSpPr>
-          <p:nvPr>
-            <p:ph type="ctrTitle"/>
-          </p:nvPr>
-        </p:nvSpPr>
-        <p:spPr>
-          <a:xfrm rot="10800000" flipH="1" flipV="1">
-            <a:off x="4526332" y="2351362"/>
-            <a:ext cx="2776592" cy="313932"/>
-          </a:xfrm>
-          <a:prstGeom prst="rect">
-            <a:avLst/>
-          </a:prstGeom>
-          <a:noFill/>
-        </p:spPr>
-        <p:txBody>
-          <a:bodyPr wrap="square" rtlCol="0">
-            <a:spAutoFit/>
-          </a:bodyPr>
-          <a:lstStyle/>
-          <a:p>
-            <a:r>
-              <a:rPr lang="en-US" sz="1600" dirty="0">
-                <a:effectLst>
-                  <a:outerShdw blurRad="38100" dist="38100" dir="2700000" algn="tl">
-                    <a:srgbClr val="000000">
-                      <a:alpha val="43137"/>
-                    </a:srgbClr>
-                  </a:outerShdw>
-                </a:effectLst>
-              </a:rPr>
-              <a:t>Click on “Summary”</a:t>
-            </a:r>
-          </a:p>
-        </p:txBody>
-      </p:sp>
-    </p:spTree>
-    <p:extLst>
-      <p:ext uri="{BB962C8B-B14F-4D97-AF65-F5344CB8AC3E}">
-        <p14:creationId xmlns:p14="http://schemas.microsoft.com/office/powerpoint/2010/main" val="1026721872"/>
-      </p:ext>
-    </p:extLst>
-  </p:cSld>
-  <p:clrMapOvr>
-    <a:masterClrMapping/>
-  </p:clrMapOvr>
-</p:sld>
-</file>
-
-<file path=ppt/slides/slide12.xml><?xml version="1.0" encoding="utf-8"?>
-<p:sld xmlns:a="http://schemas.openxmlformats.org/drawingml/2006/main" xmlns:r="http://schemas.openxmlformats.org/officeDocument/2006/relationships" xmlns:p="http://schemas.openxmlformats.org/presentationml/2006/main">
-  <p:cSld>
-    <p:spTree>
-      <p:nvGrpSpPr>
-        <p:cNvPr id="1" name=""/>
-        <p:cNvGrpSpPr/>
-        <p:nvPr/>
-      </p:nvGrpSpPr>
-      <p:grpSpPr>
-        <a:xfrm>
-          <a:off x="0" y="0"/>
-          <a:ext cx="0" cy="0"/>
-          <a:chOff x="0" y="0"/>
-          <a:chExt cx="0" cy="0"/>
-        </a:xfrm>
-      </p:grpSpPr>
-      <p:sp>
-        <p:nvSpPr>
-          <p:cNvPr id="2" name="Title 1">
-            <a:extLst>
-              <a:ext uri="{FF2B5EF4-FFF2-40B4-BE49-F238E27FC236}">
-                <a16:creationId xmlns:a16="http://schemas.microsoft.com/office/drawing/2014/main" id="{0E1D91CA-3DC8-4FA0-8EF9-0D3257CAA05D}"/>
-              </a:ext>
-            </a:extLst>
-          </p:cNvPr>
-          <p:cNvSpPr>
-            <a:spLocks noGrp="1"/>
-          </p:cNvSpPr>
-          <p:nvPr>
-            <p:ph type="title"/>
-          </p:nvPr>
-        </p:nvSpPr>
-        <p:spPr>
-          <a:xfrm>
-            <a:off x="839788" y="406400"/>
-            <a:ext cx="5032692" cy="701810"/>
-          </a:xfrm>
-        </p:spPr>
-        <p:txBody>
-          <a:bodyPr>
-            <a:noAutofit/>
-          </a:bodyPr>
-          <a:lstStyle/>
-          <a:p>
-            <a:r>
-              <a:rPr lang="en-US" dirty="0">
-                <a:effectLst>
-                  <a:outerShdw blurRad="38100" dist="38100" dir="2700000" algn="tl">
-                    <a:srgbClr val="000000">
-                      <a:alpha val="43137"/>
-                    </a:srgbClr>
-                  </a:outerShdw>
-                </a:effectLst>
-              </a:rPr>
-              <a:t>API calls with </a:t>
-            </a:r>
-            <a:r>
-              <a:rPr lang="en-US" dirty="0" err="1">
-                <a:effectLst>
-                  <a:outerShdw blurRad="38100" dist="38100" dir="2700000" algn="tl">
-                    <a:srgbClr val="000000">
-                      <a:alpha val="43137"/>
-                    </a:srgbClr>
-                  </a:outerShdw>
-                </a:effectLst>
-              </a:rPr>
-              <a:t>Andriod</a:t>
-            </a:r>
-            <a:r>
-              <a:rPr lang="en-US" dirty="0">
-                <a:effectLst>
-                  <a:outerShdw blurRad="38100" dist="38100" dir="2700000" algn="tl">
-                    <a:srgbClr val="000000">
-                      <a:alpha val="43137"/>
-                    </a:srgbClr>
-                  </a:outerShdw>
-                </a:effectLst>
-              </a:rPr>
-              <a:t> Studio</a:t>
-            </a:r>
-          </a:p>
-        </p:txBody>
-      </p:sp>
-      <p:sp>
-        <p:nvSpPr>
-          <p:cNvPr id="4" name="Text Placeholder 3">
-            <a:extLst>
-              <a:ext uri="{FF2B5EF4-FFF2-40B4-BE49-F238E27FC236}">
-                <a16:creationId xmlns:a16="http://schemas.microsoft.com/office/drawing/2014/main" id="{F3E27E7C-F253-44C9-9FD9-F66D4E8238DE}"/>
-              </a:ext>
-            </a:extLst>
-          </p:cNvPr>
-          <p:cNvSpPr>
-            <a:spLocks noGrp="1"/>
-          </p:cNvSpPr>
-          <p:nvPr>
-            <p:ph type="body" sz="half" idx="2"/>
-          </p:nvPr>
-        </p:nvSpPr>
-        <p:spPr>
-          <a:xfrm>
-            <a:off x="839788" y="1259840"/>
-            <a:ext cx="3932237" cy="4609148"/>
-          </a:xfrm>
-        </p:spPr>
-        <p:txBody>
-          <a:bodyPr/>
-          <a:lstStyle/>
-          <a:p>
-            <a:pPr marL="285750" indent="-285750">
-              <a:buFont typeface="Arial" panose="020B0604020202020204" pitchFamily="34" charset="0"/>
-              <a:buChar char="•"/>
-            </a:pPr>
-            <a:r>
-              <a:rPr lang="en-US" dirty="0"/>
-              <a:t>Retrofit: It manages the activities like sending, receiving, and creating the http requests &amp;Responses.</a:t>
-            </a:r>
-          </a:p>
-          <a:p>
-            <a:endParaRPr lang="en-US" dirty="0"/>
-          </a:p>
-        </p:txBody>
-      </p:sp>
-      <p:pic>
-        <p:nvPicPr>
-          <p:cNvPr id="6" name="Picture 5">
-            <a:extLst>
-              <a:ext uri="{FF2B5EF4-FFF2-40B4-BE49-F238E27FC236}">
-                <a16:creationId xmlns:a16="http://schemas.microsoft.com/office/drawing/2014/main" id="{A240A869-0FB5-4D84-A338-B0B2835E53A7}"/>
-              </a:ext>
-            </a:extLst>
-          </p:cNvPr>
-          <p:cNvPicPr>
-            <a:picLocks noChangeAspect="1"/>
-          </p:cNvPicPr>
-          <p:nvPr/>
-        </p:nvPicPr>
-        <p:blipFill>
-          <a:blip r:embed="rId2"/>
-          <a:stretch>
-            <a:fillRect/>
-          </a:stretch>
-        </p:blipFill>
-        <p:spPr>
-          <a:xfrm>
-            <a:off x="1022389" y="2385421"/>
-            <a:ext cx="4667490" cy="939848"/>
-          </a:xfrm>
-          <a:prstGeom prst="rect">
-            <a:avLst/>
-          </a:prstGeom>
-        </p:spPr>
-      </p:pic>
-      <p:pic>
-        <p:nvPicPr>
-          <p:cNvPr id="13" name="Picture 12">
-            <a:extLst>
-              <a:ext uri="{FF2B5EF4-FFF2-40B4-BE49-F238E27FC236}">
-                <a16:creationId xmlns:a16="http://schemas.microsoft.com/office/drawing/2014/main" id="{737A2574-5248-4873-BF91-8BA6B558E174}"/>
-              </a:ext>
-            </a:extLst>
-          </p:cNvPr>
-          <p:cNvPicPr>
-            <a:picLocks noChangeAspect="1"/>
-          </p:cNvPicPr>
-          <p:nvPr/>
-        </p:nvPicPr>
-        <p:blipFill>
-          <a:blip r:embed="rId3"/>
-          <a:stretch>
-            <a:fillRect/>
-          </a:stretch>
-        </p:blipFill>
-        <p:spPr>
-          <a:xfrm>
-            <a:off x="7558350" y="800329"/>
-            <a:ext cx="2530530" cy="5068659"/>
-          </a:xfrm>
-          <a:prstGeom prst="rect">
-            <a:avLst/>
-          </a:prstGeom>
-        </p:spPr>
-      </p:pic>
-      <p:pic>
-        <p:nvPicPr>
-          <p:cNvPr id="17" name="Picture 16">
-            <a:extLst>
-              <a:ext uri="{FF2B5EF4-FFF2-40B4-BE49-F238E27FC236}">
-                <a16:creationId xmlns:a16="http://schemas.microsoft.com/office/drawing/2014/main" id="{E0C47BAF-7EFA-4929-840E-EA113948A93A}"/>
-              </a:ext>
-            </a:extLst>
-          </p:cNvPr>
-          <p:cNvPicPr>
-            <a:picLocks noChangeAspect="1"/>
-          </p:cNvPicPr>
-          <p:nvPr/>
-        </p:nvPicPr>
-        <p:blipFill>
-          <a:blip r:embed="rId4"/>
-          <a:stretch>
-            <a:fillRect/>
-          </a:stretch>
-        </p:blipFill>
-        <p:spPr>
-          <a:xfrm>
-            <a:off x="1022389" y="3925788"/>
-            <a:ext cx="4330923" cy="1943200"/>
-          </a:xfrm>
-          <a:prstGeom prst="rect">
-            <a:avLst/>
-          </a:prstGeom>
-        </p:spPr>
-      </p:pic>
-      <p:cxnSp>
-        <p:nvCxnSpPr>
-          <p:cNvPr id="19" name="Straight Arrow Connector 18">
-            <a:extLst>
-              <a:ext uri="{FF2B5EF4-FFF2-40B4-BE49-F238E27FC236}">
-                <a16:creationId xmlns:a16="http://schemas.microsoft.com/office/drawing/2014/main" id="{BFB246DE-C00C-4968-944D-C7DA54290520}"/>
-              </a:ext>
-            </a:extLst>
-          </p:cNvPr>
-          <p:cNvCxnSpPr/>
-          <p:nvPr/>
-        </p:nvCxnSpPr>
-        <p:spPr>
-          <a:xfrm flipH="1">
-            <a:off x="5273040" y="2529840"/>
-            <a:ext cx="2438400" cy="2072640"/>
-          </a:xfrm>
-          <a:prstGeom prst="straightConnector1">
-            <a:avLst/>
-          </a:prstGeom>
-          <a:ln>
-            <a:tailEnd type="triangle"/>
-          </a:ln>
-        </p:spPr>
-        <p:style>
-          <a:lnRef idx="1">
-            <a:schemeClr val="accent1"/>
-          </a:lnRef>
-          <a:fillRef idx="0">
-            <a:schemeClr val="accent1"/>
-          </a:fillRef>
-          <a:effectRef idx="0">
-            <a:schemeClr val="accent1"/>
-          </a:effectRef>
-          <a:fontRef idx="minor">
-            <a:schemeClr val="tx1"/>
-          </a:fontRef>
-        </p:style>
-      </p:cxnSp>
-    </p:spTree>
-    <p:extLst>
-      <p:ext uri="{BB962C8B-B14F-4D97-AF65-F5344CB8AC3E}">
-        <p14:creationId xmlns:p14="http://schemas.microsoft.com/office/powerpoint/2010/main" val="3540367309"/>
-      </p:ext>
-    </p:extLst>
-  </p:cSld>
-  <p:clrMapOvr>
-    <a:masterClrMapping/>
-  </p:clrMapOvr>
-</p:sld>
-</file>
-
-<file path=ppt/slides/slide13.xml><?xml version="1.0" encoding="utf-8"?>
-<p:sld xmlns:a="http://schemas.openxmlformats.org/drawingml/2006/main" xmlns:r="http://schemas.openxmlformats.org/officeDocument/2006/relationships" xmlns:p="http://schemas.openxmlformats.org/presentationml/2006/main">
-  <p:cSld>
-    <p:spTree>
-      <p:nvGrpSpPr>
-        <p:cNvPr id="1" name=""/>
-        <p:cNvGrpSpPr/>
-        <p:nvPr/>
-      </p:nvGrpSpPr>
-      <p:grpSpPr>
-        <a:xfrm>
-          <a:off x="0" y="0"/>
-          <a:ext cx="0" cy="0"/>
-          <a:chOff x="0" y="0"/>
-          <a:chExt cx="0" cy="0"/>
-        </a:xfrm>
-      </p:grpSpPr>
-      <p:sp>
-        <p:nvSpPr>
-          <p:cNvPr id="2" name="Title 1">
-            <a:extLst>
-              <a:ext uri="{FF2B5EF4-FFF2-40B4-BE49-F238E27FC236}">
-                <a16:creationId xmlns:a16="http://schemas.microsoft.com/office/drawing/2014/main" id="{7766C552-A5A6-4F6B-A516-2C85D5BA5C4A}"/>
-              </a:ext>
-            </a:extLst>
-          </p:cNvPr>
-          <p:cNvSpPr>
-            <a:spLocks noGrp="1"/>
-          </p:cNvSpPr>
-          <p:nvPr>
-            <p:ph type="title"/>
-          </p:nvPr>
-        </p:nvSpPr>
-        <p:spPr>
-          <a:xfrm>
-            <a:off x="839788" y="111760"/>
-            <a:ext cx="3932237" cy="721360"/>
-          </a:xfrm>
-        </p:spPr>
-        <p:txBody>
-          <a:bodyPr/>
-          <a:lstStyle/>
-          <a:p>
-            <a:r>
-              <a:rPr lang="en-US" dirty="0">
-                <a:effectLst>
-                  <a:outerShdw blurRad="38100" dist="38100" dir="2700000" algn="tl">
-                    <a:srgbClr val="000000">
-                      <a:alpha val="43137"/>
-                    </a:srgbClr>
-                  </a:outerShdw>
-                </a:effectLst>
-              </a:rPr>
-              <a:t>Text To Speech </a:t>
-            </a:r>
-          </a:p>
-        </p:txBody>
-      </p:sp>
-      <p:sp>
-        <p:nvSpPr>
-          <p:cNvPr id="3" name="Picture Placeholder 2">
-            <a:extLst>
-              <a:ext uri="{FF2B5EF4-FFF2-40B4-BE49-F238E27FC236}">
-                <a16:creationId xmlns:a16="http://schemas.microsoft.com/office/drawing/2014/main" id="{9CC8FCB6-FDB2-4779-B686-3CE650A699B8}"/>
-              </a:ext>
-            </a:extLst>
-          </p:cNvPr>
-          <p:cNvSpPr>
-            <a:spLocks noGrp="1"/>
-          </p:cNvSpPr>
-          <p:nvPr>
-            <p:ph type="pic" idx="1"/>
-          </p:nvPr>
-        </p:nvSpPr>
-        <p:spPr/>
-      </p:sp>
-      <p:sp>
-        <p:nvSpPr>
-          <p:cNvPr id="4" name="Text Placeholder 3">
-            <a:extLst>
-              <a:ext uri="{FF2B5EF4-FFF2-40B4-BE49-F238E27FC236}">
-                <a16:creationId xmlns:a16="http://schemas.microsoft.com/office/drawing/2014/main" id="{816FD657-BE70-4BCB-97F7-09964E786DC7}"/>
-              </a:ext>
-            </a:extLst>
-          </p:cNvPr>
-          <p:cNvSpPr>
-            <a:spLocks noGrp="1"/>
-          </p:cNvSpPr>
-          <p:nvPr>
-            <p:ph type="body" sz="half" idx="2"/>
-          </p:nvPr>
-        </p:nvSpPr>
-        <p:spPr>
-          <a:xfrm>
-            <a:off x="839788" y="987425"/>
-            <a:ext cx="3932237" cy="4881563"/>
-          </a:xfrm>
-        </p:spPr>
-        <p:txBody>
-          <a:bodyPr/>
-          <a:lstStyle/>
-          <a:p>
-            <a:r>
-              <a:rPr lang="en-US" dirty="0"/>
-              <a:t>We have a in-build class called Text to speech</a:t>
-            </a:r>
-          </a:p>
-          <a:p>
-            <a:r>
-              <a:rPr lang="en-US" dirty="0"/>
-              <a:t>Constants:</a:t>
-            </a:r>
-          </a:p>
-        </p:txBody>
-      </p:sp>
-      <p:pic>
-        <p:nvPicPr>
-          <p:cNvPr id="6" name="Picture 5">
-            <a:extLst>
-              <a:ext uri="{FF2B5EF4-FFF2-40B4-BE49-F238E27FC236}">
-                <a16:creationId xmlns:a16="http://schemas.microsoft.com/office/drawing/2014/main" id="{EB81D1B9-6CFF-4199-88DC-9AF99AE3346D}"/>
-              </a:ext>
-            </a:extLst>
-          </p:cNvPr>
-          <p:cNvPicPr>
-            <a:picLocks noChangeAspect="1"/>
-          </p:cNvPicPr>
-          <p:nvPr/>
-        </p:nvPicPr>
-        <p:blipFill>
-          <a:blip r:embed="rId2"/>
-          <a:stretch>
-            <a:fillRect/>
-          </a:stretch>
-        </p:blipFill>
-        <p:spPr>
-          <a:xfrm>
-            <a:off x="8452430" y="833120"/>
-            <a:ext cx="2520370" cy="4866660"/>
-          </a:xfrm>
-          <a:prstGeom prst="rect">
-            <a:avLst/>
-          </a:prstGeom>
-        </p:spPr>
-      </p:pic>
-      <p:pic>
-        <p:nvPicPr>
-          <p:cNvPr id="8" name="Picture 7">
-            <a:extLst>
-              <a:ext uri="{FF2B5EF4-FFF2-40B4-BE49-F238E27FC236}">
-                <a16:creationId xmlns:a16="http://schemas.microsoft.com/office/drawing/2014/main" id="{B6E1C1B1-3820-40EE-A95B-41803894E01F}"/>
-              </a:ext>
-            </a:extLst>
-          </p:cNvPr>
-          <p:cNvPicPr>
-            <a:picLocks noChangeAspect="1"/>
-          </p:cNvPicPr>
-          <p:nvPr/>
-        </p:nvPicPr>
-        <p:blipFill>
-          <a:blip r:embed="rId3"/>
-          <a:stretch>
-            <a:fillRect/>
-          </a:stretch>
-        </p:blipFill>
-        <p:spPr>
-          <a:xfrm>
-            <a:off x="836612" y="1683357"/>
-            <a:ext cx="4464279" cy="1073205"/>
-          </a:xfrm>
-          <a:prstGeom prst="rect">
-            <a:avLst/>
-          </a:prstGeom>
-        </p:spPr>
-      </p:pic>
-      <p:pic>
-        <p:nvPicPr>
-          <p:cNvPr id="10" name="Picture 9">
-            <a:extLst>
-              <a:ext uri="{FF2B5EF4-FFF2-40B4-BE49-F238E27FC236}">
-                <a16:creationId xmlns:a16="http://schemas.microsoft.com/office/drawing/2014/main" id="{C1C9D532-D28D-46E9-B391-E419F573301A}"/>
-              </a:ext>
-            </a:extLst>
-          </p:cNvPr>
-          <p:cNvPicPr>
-            <a:picLocks noChangeAspect="1"/>
-          </p:cNvPicPr>
-          <p:nvPr/>
-        </p:nvPicPr>
-        <p:blipFill>
-          <a:blip r:embed="rId4"/>
-          <a:stretch>
-            <a:fillRect/>
-          </a:stretch>
-        </p:blipFill>
-        <p:spPr>
-          <a:xfrm>
-            <a:off x="836612" y="2960156"/>
-            <a:ext cx="5181866" cy="901746"/>
-          </a:xfrm>
-          <a:prstGeom prst="rect">
-            <a:avLst/>
-          </a:prstGeom>
-        </p:spPr>
-      </p:pic>
-      <p:pic>
-        <p:nvPicPr>
-          <p:cNvPr id="12" name="Picture 11">
-            <a:extLst>
-              <a:ext uri="{FF2B5EF4-FFF2-40B4-BE49-F238E27FC236}">
-                <a16:creationId xmlns:a16="http://schemas.microsoft.com/office/drawing/2014/main" id="{1AC223EF-0DEA-4442-B3DE-AA5BA61144C6}"/>
-              </a:ext>
-            </a:extLst>
-          </p:cNvPr>
-          <p:cNvPicPr>
-            <a:picLocks noChangeAspect="1"/>
-          </p:cNvPicPr>
-          <p:nvPr/>
-        </p:nvPicPr>
-        <p:blipFill>
-          <a:blip r:embed="rId5"/>
-          <a:stretch>
-            <a:fillRect/>
-          </a:stretch>
-        </p:blipFill>
-        <p:spPr>
-          <a:xfrm>
-            <a:off x="3214732" y="4091912"/>
-            <a:ext cx="4921503" cy="2330570"/>
-          </a:xfrm>
-          <a:prstGeom prst="rect">
-            <a:avLst/>
-          </a:prstGeom>
-        </p:spPr>
-      </p:pic>
-      <p:cxnSp>
-        <p:nvCxnSpPr>
-          <p:cNvPr id="14" name="Straight Arrow Connector 13">
-            <a:extLst>
-              <a:ext uri="{FF2B5EF4-FFF2-40B4-BE49-F238E27FC236}">
-                <a16:creationId xmlns:a16="http://schemas.microsoft.com/office/drawing/2014/main" id="{3E72F0BC-92D5-49D8-88EF-C29F48732F7B}"/>
-              </a:ext>
-            </a:extLst>
-          </p:cNvPr>
-          <p:cNvCxnSpPr/>
-          <p:nvPr/>
-        </p:nvCxnSpPr>
-        <p:spPr>
-          <a:xfrm flipH="1">
-            <a:off x="7599680" y="2756562"/>
-            <a:ext cx="1950720" cy="1335350"/>
-          </a:xfrm>
-          <a:prstGeom prst="straightConnector1">
-            <a:avLst/>
-          </a:prstGeom>
-          <a:ln>
-            <a:tailEnd type="triangle"/>
-          </a:ln>
-        </p:spPr>
-        <p:style>
-          <a:lnRef idx="1">
-            <a:schemeClr val="accent1"/>
-          </a:lnRef>
-          <a:fillRef idx="0">
-            <a:schemeClr val="accent1"/>
-          </a:fillRef>
-          <a:effectRef idx="0">
-            <a:schemeClr val="accent1"/>
-          </a:effectRef>
-          <a:fontRef idx="minor">
-            <a:schemeClr val="tx1"/>
-          </a:fontRef>
-        </p:style>
-      </p:cxnSp>
-    </p:spTree>
-    <p:extLst>
-      <p:ext uri="{BB962C8B-B14F-4D97-AF65-F5344CB8AC3E}">
-        <p14:creationId xmlns:p14="http://schemas.microsoft.com/office/powerpoint/2010/main" val="3135330509"/>
-      </p:ext>
-    </p:extLst>
-  </p:cSld>
-  <p:clrMapOvr>
-    <a:masterClrMapping/>
-  </p:clrMapOvr>
-</p:sld>
-</file>
-
-<file path=ppt/slides/slide2.xml><?xml version="1.0" encoding="utf-8"?>
-<p:sld xmlns:a="http://schemas.openxmlformats.org/drawingml/2006/main" xmlns:r="http://schemas.openxmlformats.org/officeDocument/2006/relationships" xmlns:p="http://schemas.openxmlformats.org/presentationml/2006/main">
-  <p:cSld>
-    <p:bg>
-      <p:bgPr>
-        <a:solidFill>
-          <a:schemeClr val="bg1"/>
-        </a:solidFill>
-        <a:effectLst/>
-      </p:bgPr>
-    </p:bg>
-    <p:spTree>
-      <p:nvGrpSpPr>
-        <p:cNvPr id="1" name=""/>
-        <p:cNvGrpSpPr/>
-        <p:nvPr/>
-      </p:nvGrpSpPr>
-      <p:grpSpPr>
-        <a:xfrm>
-          <a:off x="0" y="0"/>
-          <a:ext cx="0" cy="0"/>
-          <a:chOff x="0" y="0"/>
-          <a:chExt cx="0" cy="0"/>
-        </a:xfrm>
-      </p:grpSpPr>
-      <p:sp>
-        <p:nvSpPr>
-          <p:cNvPr id="2" name="Title 1">
-            <a:extLst>
-              <a:ext uri="{FF2B5EF4-FFF2-40B4-BE49-F238E27FC236}">
-                <a16:creationId xmlns:a16="http://schemas.microsoft.com/office/drawing/2014/main" id="{F4D54DDD-8CB4-4DBF-929D-745D7B557D9F}"/>
-              </a:ext>
-            </a:extLst>
-          </p:cNvPr>
-          <p:cNvSpPr>
-            <a:spLocks noGrp="1"/>
-          </p:cNvSpPr>
-          <p:nvPr>
-            <p:ph type="title"/>
-          </p:nvPr>
-        </p:nvSpPr>
-        <p:spPr>
-          <a:xfrm>
-            <a:off x="2458721" y="490537"/>
-            <a:ext cx="3159759" cy="1628775"/>
-          </a:xfrm>
-        </p:spPr>
-        <p:txBody>
-          <a:bodyPr anchor="b">
-            <a:normAutofit/>
-          </a:bodyPr>
-          <a:lstStyle/>
-          <a:p>
-            <a:r>
-              <a:rPr lang="en-US" sz="4000" dirty="0"/>
-              <a:t>                              </a:t>
-            </a:r>
-            <a:r>
-              <a:rPr lang="en-US" sz="5400" b="1" dirty="0">
-                <a:ln w="0"/>
-                <a:effectLst>
-                  <a:outerShdw blurRad="38100" dist="19050" dir="2700000" algn="tl" rotWithShape="0">
-                    <a:schemeClr val="dk1">
-                      <a:alpha val="40000"/>
-                    </a:schemeClr>
-                  </a:outerShdw>
-                </a:effectLst>
-              </a:rPr>
-              <a:t>Angular</a:t>
-            </a:r>
-            <a:endParaRPr lang="en-US" sz="5400" b="1" dirty="0"/>
-          </a:p>
-        </p:txBody>
-      </p:sp>
-      <p:graphicFrame>
-        <p:nvGraphicFramePr>
-          <p:cNvPr id="5" name="Content Placeholder 2">
-            <a:extLst>
-              <a:ext uri="{FF2B5EF4-FFF2-40B4-BE49-F238E27FC236}">
-                <a16:creationId xmlns:a16="http://schemas.microsoft.com/office/drawing/2014/main" id="{AAF97F69-DBC7-FECF-C8B9-05FDE3CEE80A}"/>
-              </a:ext>
-            </a:extLst>
-          </p:cNvPr>
-          <p:cNvGraphicFramePr>
-            <a:graphicFrameLocks noGrp="1"/>
-          </p:cNvGraphicFramePr>
-          <p:nvPr>
-            <p:ph idx="1"/>
-            <p:extLst>
-              <p:ext uri="{D42A27DB-BD31-4B8C-83A1-F6EECF244321}">
-                <p14:modId xmlns:p14="http://schemas.microsoft.com/office/powerpoint/2010/main" val="2700460326"/>
-              </p:ext>
-            </p:extLst>
-          </p:nvPr>
-        </p:nvGraphicFramePr>
-        <p:xfrm>
-          <a:off x="447041" y="3078480"/>
-          <a:ext cx="5821680" cy="3288981"/>
-        </p:xfrm>
-        <a:graphic>
-          <a:graphicData uri="http://schemas.openxmlformats.org/drawingml/2006/diagram">
-            <dgm:relIds xmlns:dgm="http://schemas.openxmlformats.org/drawingml/2006/diagram" xmlns:r="http://schemas.openxmlformats.org/officeDocument/2006/relationships" r:dm="rId2" r:lo="rId3" r:qs="rId4" r:cs="rId5"/>
-          </a:graphicData>
-        </a:graphic>
-      </p:graphicFrame>
-      <p:pic>
-        <p:nvPicPr>
-          <p:cNvPr id="1026" name="Picture 2" descr="Angular (web framework) - Wikipedia">
-            <a:extLst>
-              <a:ext uri="{FF2B5EF4-FFF2-40B4-BE49-F238E27FC236}">
-                <a16:creationId xmlns:a16="http://schemas.microsoft.com/office/drawing/2014/main" id="{014B96BC-1E10-41C6-BCA1-AFCF42BD397B}"/>
-              </a:ext>
-            </a:extLst>
-          </p:cNvPr>
-          <p:cNvPicPr>
-            <a:picLocks noChangeAspect="1" noChangeArrowheads="1"/>
-          </p:cNvPicPr>
-          <p:nvPr/>
-        </p:nvPicPr>
-        <p:blipFill>
-          <a:blip r:embed="rId7">
-            <a:extLst>
-              <a:ext uri="{28A0092B-C50C-407E-A947-70E740481C1C}">
-                <a14:useLocalDpi xmlns:a14="http://schemas.microsoft.com/office/drawing/2010/main" val="0"/>
-              </a:ext>
-            </a:extLst>
-          </a:blip>
-          <a:srcRect/>
-          <a:stretch>
-            <a:fillRect/>
-          </a:stretch>
-        </p:blipFill>
-        <p:spPr bwMode="auto">
-          <a:xfrm>
-            <a:off x="214839" y="471487"/>
-            <a:ext cx="2143125" cy="2143125"/>
-          </a:xfrm>
-          <a:prstGeom prst="rect">
-            <a:avLst/>
-          </a:prstGeom>
-          <a:noFill/>
-          <a:extLst>
-            <a:ext uri="{909E8E84-426E-40DD-AFC4-6F175D3DCCD1}">
-              <a14:hiddenFill xmlns:a14="http://schemas.microsoft.com/office/drawing/2010/main">
-                <a:solidFill>
-                  <a:srgbClr val="FFFFFF"/>
-                </a:solidFill>
-              </a14:hiddenFill>
-            </a:ext>
-          </a:extLst>
-        </p:spPr>
-      </p:pic>
-      <p:pic>
-        <p:nvPicPr>
-          <p:cNvPr id="8" name="Picture 7">
-            <a:extLst>
-              <a:ext uri="{FF2B5EF4-FFF2-40B4-BE49-F238E27FC236}">
-                <a16:creationId xmlns:a16="http://schemas.microsoft.com/office/drawing/2014/main" id="{C2AB0DF6-88DC-4480-9D04-1765C56B504B}"/>
-              </a:ext>
-            </a:extLst>
-          </p:cNvPr>
-          <p:cNvPicPr>
-            <a:picLocks noChangeAspect="1"/>
-          </p:cNvPicPr>
-          <p:nvPr/>
-        </p:nvPicPr>
-        <p:blipFill>
-          <a:blip r:embed="rId8"/>
-          <a:stretch>
-            <a:fillRect/>
-          </a:stretch>
-        </p:blipFill>
-        <p:spPr>
-          <a:xfrm>
-            <a:off x="7156953" y="3637280"/>
-            <a:ext cx="5112013" cy="1569660"/>
-          </a:xfrm>
-          <a:prstGeom prst="rect">
-            <a:avLst/>
-          </a:prstGeom>
-        </p:spPr>
-      </p:pic>
-      <p:sp>
-        <p:nvSpPr>
-          <p:cNvPr id="9" name="Rectangle 8">
-            <a:extLst>
-              <a:ext uri="{FF2B5EF4-FFF2-40B4-BE49-F238E27FC236}">
-                <a16:creationId xmlns:a16="http://schemas.microsoft.com/office/drawing/2014/main" id="{BBC0F64C-22D1-4BED-93DD-4AF6CA6A30FD}"/>
-              </a:ext>
-            </a:extLst>
-          </p:cNvPr>
-          <p:cNvSpPr/>
-          <p:nvPr/>
-        </p:nvSpPr>
-        <p:spPr>
-          <a:xfrm rot="10800000" flipH="1" flipV="1">
-            <a:off x="8087360" y="2551609"/>
-            <a:ext cx="2926080" cy="1200329"/>
-          </a:xfrm>
-          <a:prstGeom prst="rect">
-            <a:avLst/>
-          </a:prstGeom>
-          <a:noFill/>
-        </p:spPr>
-        <p:txBody>
-          <a:bodyPr wrap="square" lIns="91440" tIns="45720" rIns="91440" bIns="45720">
-            <a:spAutoFit/>
-          </a:bodyPr>
-          <a:lstStyle/>
-          <a:p>
-            <a:pPr algn="ctr"/>
-            <a:r>
-              <a:rPr lang="en-US" sz="2400" dirty="0">
-                <a:ln w="0"/>
-                <a:effectLst>
-                  <a:outerShdw blurRad="38100" dist="19050" dir="2700000" algn="tl" rotWithShape="0">
-                    <a:schemeClr val="dk1">
-                      <a:alpha val="40000"/>
-                    </a:schemeClr>
-                  </a:outerShdw>
-                </a:effectLst>
-              </a:rPr>
-              <a:t>ICP</a:t>
-            </a:r>
-          </a:p>
-          <a:p>
-            <a:pPr marL="457200" indent="-457200" algn="ctr">
-              <a:buFont typeface="Arial" panose="020B0604020202020204" pitchFamily="34" charset="0"/>
-              <a:buChar char="•"/>
-            </a:pPr>
-            <a:r>
-              <a:rPr lang="en-US" sz="2400" b="0" cap="none" spc="0" dirty="0" err="1">
-                <a:ln w="0"/>
-                <a:solidFill>
-                  <a:schemeClr val="tx1"/>
-                </a:solidFill>
-                <a:effectLst>
-                  <a:outerShdw blurRad="38100" dist="19050" dir="2700000" algn="tl" rotWithShape="0">
-                    <a:schemeClr val="dk1">
-                      <a:alpha val="40000"/>
-                    </a:schemeClr>
-                  </a:outerShdw>
-                </a:effectLst>
-              </a:rPr>
-              <a:t>TodoList</a:t>
-            </a:r>
-            <a:endParaRPr lang="en-US" sz="2400" b="0" cap="none" spc="0" dirty="0">
-              <a:ln w="0"/>
-              <a:solidFill>
-                <a:schemeClr val="tx1"/>
-              </a:solidFill>
+            <a:r>
+              <a:rPr lang="en-US" b="1" dirty="0"/>
+              <a:t>Contents in Mobile development</a:t>
+            </a:r>
+            <a:endParaRPr lang="en-US" dirty="0">
               <a:effectLst>
-                <a:outerShdw blurRad="38100" dist="19050" dir="2700000" algn="tl" rotWithShape="0">
-                  <a:schemeClr val="dk1">
-                    <a:alpha val="40000"/>
-                  </a:schemeClr>
+                <a:outerShdw blurRad="38100" dist="38100" dir="2700000" algn="tl">
+                  <a:srgbClr val="000000">
+                    <a:alpha val="43137"/>
+                  </a:srgbClr>
                 </a:outerShdw>
               </a:effectLst>
             </a:endParaRPr>
-          </a:p>
-          <a:p>
-            <a:pPr marL="457200" indent="-457200" algn="ctr">
-              <a:buFont typeface="Arial" panose="020B0604020202020204" pitchFamily="34" charset="0"/>
-              <a:buChar char="•"/>
-            </a:pPr>
-            <a:r>
-              <a:rPr lang="en-US" sz="2400" dirty="0">
-                <a:ln w="0"/>
-                <a:effectLst>
-                  <a:outerShdw blurRad="38100" dist="19050" dir="2700000" algn="tl" rotWithShape="0">
-                    <a:schemeClr val="dk1">
-                      <a:alpha val="40000"/>
-                    </a:schemeClr>
-                  </a:outerShdw>
-                </a:effectLst>
-              </a:rPr>
-              <a:t>Counter</a:t>
-            </a:r>
-            <a:endParaRPr lang="en-US" sz="2400" b="0" cap="none" spc="0" dirty="0">
-              <a:ln w="0"/>
-              <a:solidFill>
-                <a:schemeClr val="tx1"/>
-              </a:solidFill>
-              <a:effectLst>
-                <a:outerShdw blurRad="38100" dist="19050" dir="2700000" algn="tl" rotWithShape="0">
-                  <a:schemeClr val="dk1">
-                    <a:alpha val="40000"/>
-                  </a:schemeClr>
-                </a:outerShdw>
-              </a:effectLst>
-            </a:endParaRPr>
-          </a:p>
-        </p:txBody>
-      </p:sp>
-    </p:spTree>
-    <p:extLst>
-      <p:ext uri="{BB962C8B-B14F-4D97-AF65-F5344CB8AC3E}">
-        <p14:creationId xmlns:p14="http://schemas.microsoft.com/office/powerpoint/2010/main" val="3718853257"/>
-      </p:ext>
-    </p:extLst>
-  </p:cSld>
-  <p:clrMapOvr>
-    <a:masterClrMapping/>
-  </p:clrMapOvr>
-</p:sld>
-</file>
-
-<file path=ppt/slides/slide3.xml><?xml version="1.0" encoding="utf-8"?>
-<p:sld xmlns:a="http://schemas.openxmlformats.org/drawingml/2006/main" xmlns:r="http://schemas.openxmlformats.org/officeDocument/2006/relationships" xmlns:p="http://schemas.openxmlformats.org/presentationml/2006/main">
-  <p:cSld>
-    <p:spTree>
-      <p:nvGrpSpPr>
-        <p:cNvPr id="1" name=""/>
-        <p:cNvGrpSpPr/>
-        <p:nvPr/>
-      </p:nvGrpSpPr>
-      <p:grpSpPr>
-        <a:xfrm>
-          <a:off x="0" y="0"/>
-          <a:ext cx="0" cy="0"/>
-          <a:chOff x="0" y="0"/>
-          <a:chExt cx="0" cy="0"/>
-        </a:xfrm>
-      </p:grpSpPr>
-      <p:sp>
-        <p:nvSpPr>
-          <p:cNvPr id="2" name="Title 1">
-            <a:extLst>
-              <a:ext uri="{FF2B5EF4-FFF2-40B4-BE49-F238E27FC236}">
-                <a16:creationId xmlns:a16="http://schemas.microsoft.com/office/drawing/2014/main" id="{557A7511-AE39-46D5-B938-758F1A4AA740}"/>
-              </a:ext>
-            </a:extLst>
-          </p:cNvPr>
-          <p:cNvSpPr>
-            <a:spLocks noGrp="1"/>
-          </p:cNvSpPr>
-          <p:nvPr>
-            <p:ph type="title"/>
-          </p:nvPr>
-        </p:nvSpPr>
-        <p:spPr/>
-        <p:txBody>
-          <a:bodyPr/>
-          <a:lstStyle/>
-          <a:p>
-            <a:endParaRPr lang="en-US" dirty="0"/>
-          </a:p>
-        </p:txBody>
-      </p:sp>
-      <p:pic>
-        <p:nvPicPr>
-          <p:cNvPr id="6" name="Content Placeholder 5">
-            <a:extLst>
-              <a:ext uri="{FF2B5EF4-FFF2-40B4-BE49-F238E27FC236}">
-                <a16:creationId xmlns:a16="http://schemas.microsoft.com/office/drawing/2014/main" id="{7B2A6E24-C344-4F7B-8DB5-92B402DF2416}"/>
-              </a:ext>
-            </a:extLst>
-          </p:cNvPr>
-          <p:cNvPicPr>
-            <a:picLocks noGrp="1" noChangeAspect="1"/>
-          </p:cNvPicPr>
-          <p:nvPr>
-            <p:ph sz="half" idx="1"/>
-          </p:nvPr>
-        </p:nvPicPr>
-        <p:blipFill>
-          <a:blip r:embed="rId2"/>
-          <a:stretch>
-            <a:fillRect/>
-          </a:stretch>
-        </p:blipFill>
-        <p:spPr>
-          <a:xfrm>
-            <a:off x="3292372" y="1825625"/>
-            <a:ext cx="3981655" cy="4197566"/>
-          </a:xfrm>
-        </p:spPr>
-      </p:pic>
-      <p:sp>
-        <p:nvSpPr>
-          <p:cNvPr id="12" name="Arrow: Bent-Up 11">
-            <a:extLst>
-              <a:ext uri="{FF2B5EF4-FFF2-40B4-BE49-F238E27FC236}">
-                <a16:creationId xmlns:a16="http://schemas.microsoft.com/office/drawing/2014/main" id="{382A1E80-3FCE-4B02-88E4-2D1A40004B98}"/>
-              </a:ext>
-            </a:extLst>
-          </p:cNvPr>
-          <p:cNvSpPr/>
-          <p:nvPr/>
-        </p:nvSpPr>
-        <p:spPr>
-          <a:xfrm>
-            <a:off x="7081520" y="3139191"/>
-            <a:ext cx="1391920" cy="320040"/>
-          </a:xfrm>
-          <a:prstGeom prst="bentUpArrow">
-            <a:avLst/>
-          </a:prstGeom>
-          <a:noFill/>
-          <a:ln>
-            <a:solidFill>
-              <a:schemeClr val="tx1"/>
-            </a:solidFill>
-          </a:ln>
-        </p:spPr>
-        <p:style>
-          <a:lnRef idx="2">
-            <a:schemeClr val="accent1">
-              <a:shade val="50000"/>
-            </a:schemeClr>
-          </a:lnRef>
-          <a:fillRef idx="1">
-            <a:schemeClr val="accent1"/>
-          </a:fillRef>
-          <a:effectRef idx="0">
-            <a:schemeClr val="accent1"/>
-          </a:effectRef>
-          <a:fontRef idx="minor">
-            <a:schemeClr val="lt1"/>
-          </a:fontRef>
-        </p:style>
-        <p:txBody>
-          <a:bodyPr rtlCol="0" anchor="ctr"/>
-          <a:lstStyle/>
-          <a:p>
-            <a:pPr algn="ctr"/>
-            <a:endParaRPr lang="en-US"/>
-          </a:p>
-        </p:txBody>
-      </p:sp>
-      <p:pic>
-        <p:nvPicPr>
-          <p:cNvPr id="14" name="Picture 13">
-            <a:extLst>
-              <a:ext uri="{FF2B5EF4-FFF2-40B4-BE49-F238E27FC236}">
-                <a16:creationId xmlns:a16="http://schemas.microsoft.com/office/drawing/2014/main" id="{47DE5A42-FECC-4FD2-8A60-C0A62363144D}"/>
-              </a:ext>
-            </a:extLst>
-          </p:cNvPr>
-          <p:cNvPicPr>
-            <a:picLocks noChangeAspect="1"/>
-          </p:cNvPicPr>
-          <p:nvPr/>
-        </p:nvPicPr>
-        <p:blipFill>
-          <a:blip r:embed="rId3"/>
-          <a:stretch>
-            <a:fillRect/>
-          </a:stretch>
-        </p:blipFill>
-        <p:spPr>
-          <a:xfrm>
-            <a:off x="7777480" y="1816303"/>
-            <a:ext cx="2798762" cy="1322888"/>
-          </a:xfrm>
-          <a:prstGeom prst="rect">
-            <a:avLst/>
-          </a:prstGeom>
-        </p:spPr>
-      </p:pic>
-      <p:sp>
-        <p:nvSpPr>
-          <p:cNvPr id="16" name="Arrow: Curved Up 15">
-            <a:extLst>
-              <a:ext uri="{FF2B5EF4-FFF2-40B4-BE49-F238E27FC236}">
-                <a16:creationId xmlns:a16="http://schemas.microsoft.com/office/drawing/2014/main" id="{246112D0-5D72-49EC-ACD9-87673D07D24A}"/>
-              </a:ext>
-            </a:extLst>
-          </p:cNvPr>
-          <p:cNvSpPr/>
-          <p:nvPr/>
-        </p:nvSpPr>
-        <p:spPr>
-          <a:xfrm>
-            <a:off x="6486627" y="5648643"/>
-            <a:ext cx="1574800" cy="546600"/>
-          </a:xfrm>
-          <a:prstGeom prst="curvedUpArrow">
-            <a:avLst/>
-          </a:prstGeom>
-          <a:noFill/>
-          <a:ln>
-            <a:solidFill>
-              <a:schemeClr val="tx1"/>
-            </a:solidFill>
-          </a:ln>
-        </p:spPr>
-        <p:style>
-          <a:lnRef idx="2">
-            <a:schemeClr val="accent1">
-              <a:shade val="50000"/>
-            </a:schemeClr>
-          </a:lnRef>
-          <a:fillRef idx="1">
-            <a:schemeClr val="accent1"/>
-          </a:fillRef>
-          <a:effectRef idx="0">
-            <a:schemeClr val="accent1"/>
-          </a:effectRef>
-          <a:fontRef idx="minor">
-            <a:schemeClr val="lt1"/>
-          </a:fontRef>
-        </p:style>
-        <p:txBody>
-          <a:bodyPr rtlCol="0" anchor="ctr"/>
-          <a:lstStyle/>
-          <a:p>
-            <a:pPr algn="ctr"/>
-            <a:endParaRPr lang="en-US">
-              <a:solidFill>
-                <a:schemeClr val="tx1"/>
-              </a:solidFill>
-            </a:endParaRPr>
-          </a:p>
-        </p:txBody>
-      </p:sp>
-      <p:sp>
-        <p:nvSpPr>
-          <p:cNvPr id="18" name="Content Placeholder 17">
-            <a:extLst>
-              <a:ext uri="{FF2B5EF4-FFF2-40B4-BE49-F238E27FC236}">
-                <a16:creationId xmlns:a16="http://schemas.microsoft.com/office/drawing/2014/main" id="{987B32D6-BC93-4A23-8A2C-23C64D147DFC}"/>
-              </a:ext>
-            </a:extLst>
-          </p:cNvPr>
-          <p:cNvSpPr>
-            <a:spLocks noGrp="1"/>
-          </p:cNvSpPr>
-          <p:nvPr>
-            <p:ph sz="half" idx="2"/>
-          </p:nvPr>
-        </p:nvSpPr>
-        <p:spPr>
-          <a:xfrm>
-            <a:off x="11063174" y="1825625"/>
-            <a:ext cx="290625" cy="4351338"/>
-          </a:xfrm>
-        </p:spPr>
-        <p:txBody>
-          <a:bodyPr/>
-          <a:lstStyle/>
-          <a:p>
-            <a:endParaRPr lang="en-US" dirty="0"/>
-          </a:p>
-        </p:txBody>
-      </p:sp>
-      <p:pic>
-        <p:nvPicPr>
-          <p:cNvPr id="20" name="Picture 19">
-            <a:extLst>
-              <a:ext uri="{FF2B5EF4-FFF2-40B4-BE49-F238E27FC236}">
-                <a16:creationId xmlns:a16="http://schemas.microsoft.com/office/drawing/2014/main" id="{D542311B-07E1-415B-B832-E892A306B149}"/>
-              </a:ext>
-            </a:extLst>
-          </p:cNvPr>
-          <p:cNvPicPr>
-            <a:picLocks noChangeAspect="1"/>
-          </p:cNvPicPr>
-          <p:nvPr/>
-        </p:nvPicPr>
-        <p:blipFill>
-          <a:blip r:embed="rId4"/>
-          <a:stretch>
-            <a:fillRect/>
-          </a:stretch>
-        </p:blipFill>
-        <p:spPr>
-          <a:xfrm>
-            <a:off x="7486546" y="5104037"/>
-            <a:ext cx="4110482" cy="544606"/>
-          </a:xfrm>
-          <a:prstGeom prst="rect">
-            <a:avLst/>
-          </a:prstGeom>
-        </p:spPr>
-      </p:pic>
-      <p:cxnSp>
-        <p:nvCxnSpPr>
-          <p:cNvPr id="23" name="Straight Arrow Connector 22">
-            <a:extLst>
-              <a:ext uri="{FF2B5EF4-FFF2-40B4-BE49-F238E27FC236}">
-                <a16:creationId xmlns:a16="http://schemas.microsoft.com/office/drawing/2014/main" id="{097B354D-6847-443B-A49F-0FBB74B1FA64}"/>
-              </a:ext>
-            </a:extLst>
-          </p:cNvPr>
-          <p:cNvCxnSpPr>
-            <a:cxnSpLocks/>
-          </p:cNvCxnSpPr>
-          <p:nvPr/>
-        </p:nvCxnSpPr>
-        <p:spPr>
-          <a:xfrm flipH="1">
-            <a:off x="2092959" y="4785360"/>
-            <a:ext cx="1889760" cy="460946"/>
-          </a:xfrm>
-          <a:prstGeom prst="straightConnector1">
-            <a:avLst/>
-          </a:prstGeom>
-          <a:ln>
-            <a:solidFill>
-              <a:schemeClr val="tx1"/>
-            </a:solidFill>
-            <a:tailEnd type="triangle"/>
-          </a:ln>
-        </p:spPr>
-        <p:style>
-          <a:lnRef idx="1">
-            <a:schemeClr val="accent1"/>
-          </a:lnRef>
-          <a:fillRef idx="0">
-            <a:schemeClr val="accent1"/>
-          </a:fillRef>
-          <a:effectRef idx="0">
-            <a:schemeClr val="accent1"/>
-          </a:effectRef>
-          <a:fontRef idx="minor">
-            <a:schemeClr val="tx1"/>
-          </a:fontRef>
-        </p:style>
-      </p:cxnSp>
-      <p:pic>
-        <p:nvPicPr>
-          <p:cNvPr id="25" name="Picture 24">
-            <a:extLst>
-              <a:ext uri="{FF2B5EF4-FFF2-40B4-BE49-F238E27FC236}">
-                <a16:creationId xmlns:a16="http://schemas.microsoft.com/office/drawing/2014/main" id="{6F0B8DFC-F79F-4E13-BD89-F3542C06CE1B}"/>
-              </a:ext>
-            </a:extLst>
-          </p:cNvPr>
-          <p:cNvPicPr>
-            <a:picLocks noChangeAspect="1"/>
-          </p:cNvPicPr>
-          <p:nvPr/>
-        </p:nvPicPr>
-        <p:blipFill>
-          <a:blip r:embed="rId5"/>
-          <a:stretch>
-            <a:fillRect/>
-          </a:stretch>
-        </p:blipFill>
-        <p:spPr>
-          <a:xfrm>
-            <a:off x="227067" y="5246306"/>
-            <a:ext cx="3278133" cy="402337"/>
-          </a:xfrm>
-          <a:prstGeom prst="rect">
-            <a:avLst/>
-          </a:prstGeom>
-        </p:spPr>
-      </p:pic>
-    </p:spTree>
-    <p:extLst>
-      <p:ext uri="{BB962C8B-B14F-4D97-AF65-F5344CB8AC3E}">
-        <p14:creationId xmlns:p14="http://schemas.microsoft.com/office/powerpoint/2010/main" val="946842159"/>
-      </p:ext>
-    </p:extLst>
-  </p:cSld>
-  <p:clrMapOvr>
-    <a:masterClrMapping/>
-  </p:clrMapOvr>
-</p:sld>
-</file>
-
-<file path=ppt/slides/slide4.xml><?xml version="1.0" encoding="utf-8"?>
-<p:sld xmlns:a="http://schemas.openxmlformats.org/drawingml/2006/main" xmlns:r="http://schemas.openxmlformats.org/officeDocument/2006/relationships" xmlns:p="http://schemas.openxmlformats.org/presentationml/2006/main">
-  <p:cSld>
-    <p:spTree>
-      <p:nvGrpSpPr>
-        <p:cNvPr id="1" name=""/>
-        <p:cNvGrpSpPr/>
-        <p:nvPr/>
-      </p:nvGrpSpPr>
-      <p:grpSpPr>
-        <a:xfrm>
-          <a:off x="0" y="0"/>
-          <a:ext cx="0" cy="0"/>
-          <a:chOff x="0" y="0"/>
-          <a:chExt cx="0" cy="0"/>
-        </a:xfrm>
-      </p:grpSpPr>
-      <p:sp>
-        <p:nvSpPr>
-          <p:cNvPr id="2" name="Title 1">
-            <a:extLst>
-              <a:ext uri="{FF2B5EF4-FFF2-40B4-BE49-F238E27FC236}">
-                <a16:creationId xmlns:a16="http://schemas.microsoft.com/office/drawing/2014/main" id="{8A397F46-D6E9-4EEB-8626-D3955DDE4C74}"/>
-              </a:ext>
-            </a:extLst>
-          </p:cNvPr>
-          <p:cNvSpPr>
-            <a:spLocks noGrp="1"/>
-          </p:cNvSpPr>
-          <p:nvPr>
-            <p:ph type="title"/>
-          </p:nvPr>
-        </p:nvSpPr>
-        <p:spPr/>
-        <p:txBody>
-          <a:bodyPr/>
-          <a:lstStyle/>
-          <a:p>
-            <a:endParaRPr lang="en-US" dirty="0"/>
-          </a:p>
-        </p:txBody>
-      </p:sp>
-      <p:pic>
-        <p:nvPicPr>
-          <p:cNvPr id="6" name="Picture Placeholder 5">
-            <a:extLst>
-              <a:ext uri="{FF2B5EF4-FFF2-40B4-BE49-F238E27FC236}">
-                <a16:creationId xmlns:a16="http://schemas.microsoft.com/office/drawing/2014/main" id="{31CBA59D-BD20-4B24-99D9-92AF6C1BD420}"/>
-              </a:ext>
-            </a:extLst>
-          </p:cNvPr>
-          <p:cNvPicPr>
-            <a:picLocks noGrp="1" noChangeAspect="1"/>
-          </p:cNvPicPr>
-          <p:nvPr>
-            <p:ph type="pic" idx="1"/>
-          </p:nvPr>
-        </p:nvPicPr>
-        <p:blipFill rotWithShape="1">
-          <a:blip r:embed="rId2"/>
-          <a:srcRect l="19876" r="19876"/>
-          <a:stretch/>
-        </p:blipFill>
-        <p:spPr>
-          <a:xfrm>
-            <a:off x="5842000" y="987425"/>
-            <a:ext cx="5513388" cy="4353421"/>
-          </a:xfrm>
-        </p:spPr>
-      </p:pic>
-      <p:sp>
-        <p:nvSpPr>
-          <p:cNvPr id="4" name="Text Placeholder 3">
-            <a:extLst>
-              <a:ext uri="{FF2B5EF4-FFF2-40B4-BE49-F238E27FC236}">
-                <a16:creationId xmlns:a16="http://schemas.microsoft.com/office/drawing/2014/main" id="{29907C30-DE0C-4988-B8ED-F9CC5DF3A79D}"/>
-              </a:ext>
-            </a:extLst>
-          </p:cNvPr>
-          <p:cNvSpPr>
-            <a:spLocks noGrp="1"/>
-          </p:cNvSpPr>
-          <p:nvPr>
-            <p:ph type="body" sz="half" idx="2"/>
-          </p:nvPr>
-        </p:nvSpPr>
-        <p:spPr/>
-        <p:txBody>
-          <a:bodyPr/>
-          <a:lstStyle/>
-          <a:p>
-            <a:endParaRPr lang="en-US"/>
-          </a:p>
-        </p:txBody>
-      </p:sp>
-      <p:pic>
-        <p:nvPicPr>
-          <p:cNvPr id="8" name="Picture 7">
-            <a:extLst>
-              <a:ext uri="{FF2B5EF4-FFF2-40B4-BE49-F238E27FC236}">
-                <a16:creationId xmlns:a16="http://schemas.microsoft.com/office/drawing/2014/main" id="{F25F4F6A-21D5-4B66-BC8B-FC9375B6A10B}"/>
-              </a:ext>
-            </a:extLst>
-          </p:cNvPr>
-          <p:cNvPicPr>
-            <a:picLocks noChangeAspect="1"/>
-          </p:cNvPicPr>
-          <p:nvPr/>
-        </p:nvPicPr>
-        <p:blipFill>
-          <a:blip r:embed="rId3"/>
-          <a:stretch>
-            <a:fillRect/>
-          </a:stretch>
-        </p:blipFill>
-        <p:spPr>
-          <a:xfrm>
-            <a:off x="678546" y="2135434"/>
-            <a:ext cx="4254719" cy="2749691"/>
-          </a:xfrm>
-          <a:prstGeom prst="rect">
-            <a:avLst/>
-          </a:prstGeom>
-        </p:spPr>
-      </p:pic>
-    </p:spTree>
-    <p:extLst>
-      <p:ext uri="{BB962C8B-B14F-4D97-AF65-F5344CB8AC3E}">
-        <p14:creationId xmlns:p14="http://schemas.microsoft.com/office/powerpoint/2010/main" val="1248376780"/>
-      </p:ext>
-    </p:extLst>
-  </p:cSld>
-  <p:clrMapOvr>
-    <a:masterClrMapping/>
-  </p:clrMapOvr>
-</p:sld>
-</file>
-
-<file path=ppt/slides/slide5.xml><?xml version="1.0" encoding="utf-8"?>
-<p:sld xmlns:a="http://schemas.openxmlformats.org/drawingml/2006/main" xmlns:r="http://schemas.openxmlformats.org/officeDocument/2006/relationships" xmlns:p="http://schemas.openxmlformats.org/presentationml/2006/main">
-  <p:cSld>
-    <p:spTree>
-      <p:nvGrpSpPr>
-        <p:cNvPr id="1" name=""/>
-        <p:cNvGrpSpPr/>
-        <p:nvPr/>
-      </p:nvGrpSpPr>
-      <p:grpSpPr>
-        <a:xfrm>
-          <a:off x="0" y="0"/>
-          <a:ext cx="0" cy="0"/>
-          <a:chOff x="0" y="0"/>
-          <a:chExt cx="0" cy="0"/>
-        </a:xfrm>
-      </p:grpSpPr>
-      <p:sp>
-        <p:nvSpPr>
-          <p:cNvPr id="2" name="Title 1">
-            <a:extLst>
-              <a:ext uri="{FF2B5EF4-FFF2-40B4-BE49-F238E27FC236}">
-                <a16:creationId xmlns:a16="http://schemas.microsoft.com/office/drawing/2014/main" id="{3F4B7DC7-90F4-43CC-910A-4A8BBFBBBEFB}"/>
-              </a:ext>
-            </a:extLst>
-          </p:cNvPr>
-          <p:cNvSpPr>
-            <a:spLocks noGrp="1"/>
-          </p:cNvSpPr>
-          <p:nvPr>
-            <p:ph type="title"/>
-          </p:nvPr>
-        </p:nvSpPr>
-        <p:spPr/>
-        <p:txBody>
-          <a:bodyPr>
-            <a:normAutofit/>
-          </a:bodyPr>
-          <a:lstStyle/>
-          <a:p>
-            <a:r>
-              <a:rPr lang="en-US" sz="3600" dirty="0">
-                <a:effectLst>
-                  <a:outerShdw blurRad="38100" dist="38100" dir="2700000" algn="tl">
-                    <a:srgbClr val="000000">
-                      <a:alpha val="43137"/>
-                    </a:srgbClr>
-                  </a:outerShdw>
-                </a:effectLst>
-              </a:rPr>
-              <a:t>Rest API with Angular</a:t>
-            </a:r>
-          </a:p>
-        </p:txBody>
-      </p:sp>
-      <p:pic>
-        <p:nvPicPr>
-          <p:cNvPr id="5" name="Content Placeholder 4">
-            <a:extLst>
-              <a:ext uri="{FF2B5EF4-FFF2-40B4-BE49-F238E27FC236}">
-                <a16:creationId xmlns:a16="http://schemas.microsoft.com/office/drawing/2014/main" id="{279FCF73-20C4-4155-A883-B588FFB7846A}"/>
-              </a:ext>
-            </a:extLst>
-          </p:cNvPr>
-          <p:cNvPicPr>
-            <a:picLocks noGrp="1" noChangeAspect="1"/>
-          </p:cNvPicPr>
-          <p:nvPr>
-            <p:ph idx="1"/>
-          </p:nvPr>
-        </p:nvPicPr>
-        <p:blipFill>
-          <a:blip r:embed="rId2"/>
-          <a:stretch>
-            <a:fillRect/>
-          </a:stretch>
-        </p:blipFill>
-        <p:spPr>
-          <a:xfrm>
-            <a:off x="960630" y="2740127"/>
-            <a:ext cx="4845299" cy="2197213"/>
-          </a:xfrm>
-        </p:spPr>
-      </p:pic>
-      <p:pic>
-        <p:nvPicPr>
-          <p:cNvPr id="7" name="Picture 6">
-            <a:extLst>
-              <a:ext uri="{FF2B5EF4-FFF2-40B4-BE49-F238E27FC236}">
-                <a16:creationId xmlns:a16="http://schemas.microsoft.com/office/drawing/2014/main" id="{1264E49E-1972-46E0-9F27-F333ABA52791}"/>
-              </a:ext>
-            </a:extLst>
-          </p:cNvPr>
-          <p:cNvPicPr>
-            <a:picLocks noChangeAspect="1"/>
-          </p:cNvPicPr>
-          <p:nvPr/>
-        </p:nvPicPr>
-        <p:blipFill>
-          <a:blip r:embed="rId3"/>
-          <a:stretch>
-            <a:fillRect/>
-          </a:stretch>
-        </p:blipFill>
-        <p:spPr>
-          <a:xfrm>
-            <a:off x="7071242" y="2740127"/>
-            <a:ext cx="4572235" cy="2305168"/>
-          </a:xfrm>
-          <a:prstGeom prst="rect">
-            <a:avLst/>
-          </a:prstGeom>
-        </p:spPr>
-      </p:pic>
-      <p:sp>
-        <p:nvSpPr>
-          <p:cNvPr id="8" name="TextBox 7">
-            <a:extLst>
-              <a:ext uri="{FF2B5EF4-FFF2-40B4-BE49-F238E27FC236}">
-                <a16:creationId xmlns:a16="http://schemas.microsoft.com/office/drawing/2014/main" id="{D7A99D26-0042-43C0-8369-74953EA58C0F}"/>
-              </a:ext>
-            </a:extLst>
-          </p:cNvPr>
-          <p:cNvSpPr txBox="1"/>
-          <p:nvPr/>
-        </p:nvSpPr>
-        <p:spPr>
-          <a:xfrm flipH="1">
-            <a:off x="960629" y="5567680"/>
-            <a:ext cx="4845298" cy="369332"/>
-          </a:xfrm>
-          <a:prstGeom prst="rect">
-            <a:avLst/>
-          </a:prstGeom>
-          <a:noFill/>
-        </p:spPr>
-        <p:txBody>
-          <a:bodyPr wrap="square" rtlCol="0">
-            <a:spAutoFit/>
-          </a:bodyPr>
-          <a:lstStyle/>
-          <a:p>
-            <a:r>
-              <a:rPr lang="en-US" dirty="0" err="1">
-                <a:effectLst>
-                  <a:outerShdw blurRad="38100" dist="38100" dir="2700000" algn="tl">
-                    <a:srgbClr val="000000">
-                      <a:alpha val="43137"/>
-                    </a:srgbClr>
-                  </a:outerShdw>
-                </a:effectLst>
-              </a:rPr>
-              <a:t>Edamam</a:t>
-            </a:r>
-            <a:r>
-              <a:rPr lang="en-US" dirty="0">
-                <a:effectLst>
-                  <a:outerShdw blurRad="38100" dist="38100" dir="2700000" algn="tl">
-                    <a:srgbClr val="000000">
-                      <a:alpha val="43137"/>
-                    </a:srgbClr>
-                  </a:outerShdw>
-                </a:effectLst>
-              </a:rPr>
-              <a:t> API: To display recipes </a:t>
-            </a:r>
-          </a:p>
-        </p:txBody>
-      </p:sp>
-      <p:sp>
-        <p:nvSpPr>
-          <p:cNvPr id="9" name="TextBox 8">
-            <a:extLst>
-              <a:ext uri="{FF2B5EF4-FFF2-40B4-BE49-F238E27FC236}">
-                <a16:creationId xmlns:a16="http://schemas.microsoft.com/office/drawing/2014/main" id="{A84E25E0-5B6B-4955-B4B8-A3C5067065C7}"/>
-              </a:ext>
-            </a:extLst>
-          </p:cNvPr>
-          <p:cNvSpPr txBox="1"/>
-          <p:nvPr/>
-        </p:nvSpPr>
-        <p:spPr>
-          <a:xfrm>
-            <a:off x="7071242" y="5669280"/>
-            <a:ext cx="4704198" cy="646331"/>
-          </a:xfrm>
-          <a:prstGeom prst="rect">
-            <a:avLst/>
-          </a:prstGeom>
-          <a:noFill/>
-        </p:spPr>
-        <p:txBody>
-          <a:bodyPr wrap="square" rtlCol="0">
-            <a:spAutoFit/>
-          </a:bodyPr>
-          <a:lstStyle/>
-          <a:p>
-            <a:r>
-              <a:rPr lang="en-US" dirty="0">
-                <a:effectLst>
-                  <a:outerShdw blurRad="38100" dist="38100" dir="2700000" algn="tl">
-                    <a:srgbClr val="000000">
-                      <a:alpha val="43137"/>
-                    </a:srgbClr>
-                  </a:outerShdw>
-                </a:effectLst>
-              </a:rPr>
-              <a:t>Foursquare API: To display nearby place where this recipe is available.</a:t>
-            </a:r>
-          </a:p>
-        </p:txBody>
-      </p:sp>
-    </p:spTree>
-    <p:extLst>
-      <p:ext uri="{BB962C8B-B14F-4D97-AF65-F5344CB8AC3E}">
-        <p14:creationId xmlns:p14="http://schemas.microsoft.com/office/powerpoint/2010/main" val="2128492592"/>
-      </p:ext>
-    </p:extLst>
-  </p:cSld>
-  <p:clrMapOvr>
-    <a:masterClrMapping/>
-  </p:clrMapOvr>
-</p:sld>
-</file>
-
-<file path=ppt/slides/slide6.xml><?xml version="1.0" encoding="utf-8"?>
-<p:sld xmlns:a="http://schemas.openxmlformats.org/drawingml/2006/main" xmlns:r="http://schemas.openxmlformats.org/officeDocument/2006/relationships" xmlns:p="http://schemas.openxmlformats.org/presentationml/2006/main">
-  <p:cSld>
-    <p:bg>
-      <p:bgPr>
-        <a:solidFill>
-          <a:schemeClr val="bg1"/>
-        </a:solidFill>
-        <a:effectLst/>
-      </p:bgPr>
-    </p:bg>
-    <p:spTree>
-      <p:nvGrpSpPr>
-        <p:cNvPr id="1" name=""/>
-        <p:cNvGrpSpPr/>
-        <p:nvPr/>
-      </p:nvGrpSpPr>
-      <p:grpSpPr>
-        <a:xfrm>
-          <a:off x="0" y="0"/>
-          <a:ext cx="0" cy="0"/>
-          <a:chOff x="0" y="0"/>
-          <a:chExt cx="0" cy="0"/>
-        </a:xfrm>
-      </p:grpSpPr>
-      <p:sp useBgFill="1">
-        <p:nvSpPr>
-          <p:cNvPr id="9" name="Rectangle 10">
-            <a:extLst>
-              <a:ext uri="{FF2B5EF4-FFF2-40B4-BE49-F238E27FC236}">
-                <a16:creationId xmlns:a16="http://schemas.microsoft.com/office/drawing/2014/main" id="{B95B9BA8-1D69-4796-85F5-B6D0BD52354B}"/>
-              </a:ext>
-              <a:ext uri="{C183D7F6-B498-43B3-948B-1728B52AA6E4}">
-                <adec:decorative xmlns:adec="http://schemas.microsoft.com/office/drawing/2017/decorative" val="1"/>
-              </a:ext>
-            </a:extLst>
-          </p:cNvPr>
-          <p:cNvSpPr>
-            <a:spLocks noGrp="1" noRot="1" noChangeAspect="1" noMove="1" noResize="1" noEditPoints="1" noAdjustHandles="1" noChangeArrowheads="1" noChangeShapeType="1" noTextEdit="1"/>
-          </p:cNvSpPr>
-          <p:nvPr>
-            <p:extLst>
-              <p:ext uri="{386F3935-93C4-4BCD-93E2-E3B085C9AB24}">
-                <p16:designElem xmlns:p16="http://schemas.microsoft.com/office/powerpoint/2015/main" val="1"/>
-              </p:ext>
-            </p:extLst>
-          </p:nvPr>
-        </p:nvSpPr>
-        <p:spPr>
-          <a:xfrm>
-            <a:off x="0" y="0"/>
-            <a:ext cx="12192000" cy="6858000"/>
-          </a:xfrm>
-          <a:prstGeom prst="rect">
-            <a:avLst/>
-          </a:prstGeom>
-          <a:solidFill>
-            <a:schemeClr val="tx1"/>
-          </a:solidFill>
-          <a:ln w="12700" cap="flat" cmpd="sng" algn="ctr">
-            <a:noFill/>
-            <a:prstDash val="solid"/>
-            <a:miter lim="800000"/>
-          </a:ln>
-          <a:effectLst/>
-        </p:spPr>
-        <p:style>
-          <a:lnRef idx="2">
-            <a:schemeClr val="accent1">
-              <a:shade val="50000"/>
-            </a:schemeClr>
-          </a:lnRef>
-          <a:fillRef idx="1">
-            <a:schemeClr val="accent1"/>
-          </a:fillRef>
-          <a:effectRef idx="0">
-            <a:schemeClr val="accent1"/>
-          </a:effectRef>
-          <a:fontRef idx="minor">
-            <a:schemeClr val="lt1"/>
-          </a:fontRef>
-        </p:style>
-        <p:txBody>
-          <a:bodyPr rtlCol="0" anchor="ctr"/>
-          <a:lstStyle/>
-          <a:p>
-            <a:pPr algn="ctr"/>
-            <a:endParaRPr lang="en-US"/>
-          </a:p>
-        </p:txBody>
-      </p:sp>
-      <p:sp>
-        <p:nvSpPr>
-          <p:cNvPr id="2" name="Title 1">
-            <a:extLst>
-              <a:ext uri="{FF2B5EF4-FFF2-40B4-BE49-F238E27FC236}">
-                <a16:creationId xmlns:a16="http://schemas.microsoft.com/office/drawing/2014/main" id="{C87106BF-1033-4CB1-AC1B-BA29159DB243}"/>
-              </a:ext>
-            </a:extLst>
-          </p:cNvPr>
-          <p:cNvSpPr>
-            <a:spLocks noGrp="1"/>
-          </p:cNvSpPr>
-          <p:nvPr>
-            <p:ph type="title"/>
-          </p:nvPr>
-        </p:nvSpPr>
-        <p:spPr>
-          <a:xfrm>
-            <a:off x="6981823" y="1641752"/>
-            <a:ext cx="4391025" cy="2239368"/>
-          </a:xfrm>
-        </p:spPr>
-        <p:txBody>
-          <a:bodyPr vert="horz" lIns="91440" tIns="45720" rIns="91440" bIns="45720" rtlCol="0" anchor="t">
-            <a:normAutofit/>
-          </a:bodyPr>
-          <a:lstStyle/>
-          <a:p>
-            <a:r>
-              <a:rPr lang="en-US" sz="3700" b="1" kern="1200" dirty="0">
-                <a:solidFill>
-                  <a:schemeClr val="bg1"/>
-                </a:solidFill>
-                <a:effectLst>
-                  <a:outerShdw blurRad="38100" dist="38100" dir="2700000" algn="tl">
-                    <a:srgbClr val="000000">
-                      <a:alpha val="43137"/>
-                    </a:srgbClr>
-                  </a:outerShdw>
-                </a:effectLst>
-                <a:latin typeface="Algerian" panose="04020705040A02060702" pitchFamily="82" charset="0"/>
-              </a:rPr>
-              <a:t>Mobile Development</a:t>
-            </a:r>
-            <a:br>
-              <a:rPr lang="en-US" sz="3700" kern="1200" dirty="0">
-                <a:solidFill>
-                  <a:schemeClr val="bg1"/>
-                </a:solidFill>
-                <a:latin typeface="Algerian" panose="04020705040A02060702" pitchFamily="82" charset="0"/>
-              </a:rPr>
-            </a:br>
-            <a:endParaRPr lang="en-US" sz="3700" kern="1200" dirty="0">
-              <a:solidFill>
-                <a:schemeClr val="bg1"/>
-              </a:solidFill>
-              <a:latin typeface="Algerian" panose="04020705040A02060702" pitchFamily="82" charset="0"/>
-            </a:endParaRPr>
-          </a:p>
-        </p:txBody>
-      </p:sp>
-      <p:pic>
-        <p:nvPicPr>
-          <p:cNvPr id="6" name="Picture Placeholder 5" descr="A picture containing text, electronics&#10;&#10;Description automatically generated">
-            <a:extLst>
-              <a:ext uri="{FF2B5EF4-FFF2-40B4-BE49-F238E27FC236}">
-                <a16:creationId xmlns:a16="http://schemas.microsoft.com/office/drawing/2014/main" id="{E0E57481-5953-41A6-8043-9223DBC4129D}"/>
-              </a:ext>
-            </a:extLst>
-          </p:cNvPr>
-          <p:cNvPicPr>
-            <a:picLocks noGrp="1" noChangeAspect="1"/>
-          </p:cNvPicPr>
-          <p:nvPr>
-            <p:ph type="pic" idx="1"/>
-          </p:nvPr>
-        </p:nvPicPr>
-        <p:blipFill rotWithShape="1">
-          <a:blip r:embed="rId2">
-            <a:extLst>
-              <a:ext uri="{28A0092B-C50C-407E-A947-70E740481C1C}">
-                <a14:useLocalDpi xmlns:a14="http://schemas.microsoft.com/office/drawing/2010/main" val="0"/>
-              </a:ext>
-            </a:extLst>
-          </a:blip>
-          <a:srcRect l="10312" t="3088" r="10312" b="3309"/>
-          <a:stretch/>
-        </p:blipFill>
-        <p:spPr>
-          <a:xfrm>
-            <a:off x="835024" y="1774900"/>
-            <a:ext cx="5260976" cy="3888376"/>
-          </a:xfrm>
-          <a:prstGeom prst="rect">
-            <a:avLst/>
-          </a:prstGeom>
-        </p:spPr>
-      </p:pic>
-      <p:sp>
-        <p:nvSpPr>
-          <p:cNvPr id="4" name="Text Placeholder 3">
-            <a:extLst>
-              <a:ext uri="{FF2B5EF4-FFF2-40B4-BE49-F238E27FC236}">
-                <a16:creationId xmlns:a16="http://schemas.microsoft.com/office/drawing/2014/main" id="{07835835-7771-4525-945B-E30B7CA772F5}"/>
-              </a:ext>
-            </a:extLst>
-          </p:cNvPr>
-          <p:cNvSpPr>
-            <a:spLocks noGrp="1"/>
-          </p:cNvSpPr>
-          <p:nvPr>
-            <p:ph type="body" sz="half" idx="2"/>
-          </p:nvPr>
-        </p:nvSpPr>
-        <p:spPr>
-          <a:xfrm>
-            <a:off x="6981824" y="3146400"/>
-            <a:ext cx="4391025" cy="2454300"/>
-          </a:xfrm>
-        </p:spPr>
-        <p:txBody>
-          <a:bodyPr vert="horz" lIns="91440" tIns="45720" rIns="91440" bIns="45720" rtlCol="0">
-            <a:normAutofit/>
-          </a:bodyPr>
-          <a:lstStyle/>
-          <a:p>
-            <a:r>
-              <a:rPr lang="en-US" sz="2400" dirty="0">
-                <a:solidFill>
-                  <a:schemeClr val="bg1">
-                    <a:alpha val="80000"/>
-                  </a:schemeClr>
-                </a:solidFill>
-              </a:rPr>
-              <a:t> GROUP 12</a:t>
-            </a:r>
-          </a:p>
-          <a:p>
-            <a:pPr marL="342900" indent="-342900">
-              <a:buFont typeface="Arial" panose="020B0604020202020204" pitchFamily="34" charset="0"/>
-              <a:buChar char="•"/>
-            </a:pPr>
-            <a:r>
-              <a:rPr lang="en-US" sz="2400" dirty="0">
-                <a:solidFill>
-                  <a:schemeClr val="bg1">
-                    <a:alpha val="80000"/>
-                  </a:schemeClr>
-                </a:solidFill>
-              </a:rPr>
-              <a:t>Sukumar </a:t>
-            </a:r>
-            <a:r>
-              <a:rPr lang="en-US" sz="2400" dirty="0" err="1">
-                <a:solidFill>
-                  <a:schemeClr val="bg1">
-                    <a:alpha val="80000"/>
-                  </a:schemeClr>
-                </a:solidFill>
-              </a:rPr>
-              <a:t>Bodapati</a:t>
-            </a:r>
-            <a:endParaRPr lang="en-US" sz="2400" dirty="0">
-              <a:solidFill>
-                <a:schemeClr val="bg1">
-                  <a:alpha val="80000"/>
-                </a:schemeClr>
-              </a:solidFill>
-            </a:endParaRPr>
-          </a:p>
-          <a:p>
-            <a:pPr marL="342900" indent="-342900">
-              <a:buFont typeface="Arial" panose="020B0604020202020204" pitchFamily="34" charset="0"/>
-              <a:buChar char="•"/>
-            </a:pPr>
-            <a:r>
-              <a:rPr lang="en-US" sz="2400" dirty="0">
-                <a:solidFill>
-                  <a:schemeClr val="bg1">
-                    <a:alpha val="80000"/>
-                  </a:schemeClr>
-                </a:solidFill>
-              </a:rPr>
-              <a:t>Sri Nikhitha Boddapati</a:t>
-            </a:r>
-          </a:p>
-          <a:p>
-            <a:endParaRPr lang="en-US" sz="2400" dirty="0">
-              <a:solidFill>
-                <a:schemeClr val="bg1">
-                  <a:alpha val="80000"/>
-                </a:schemeClr>
-              </a:solidFill>
-            </a:endParaRPr>
-          </a:p>
-        </p:txBody>
-      </p:sp>
-    </p:spTree>
-    <p:extLst>
-      <p:ext uri="{BB962C8B-B14F-4D97-AF65-F5344CB8AC3E}">
-        <p14:creationId xmlns:p14="http://schemas.microsoft.com/office/powerpoint/2010/main" val="2899805080"/>
-      </p:ext>
-    </p:extLst>
-  </p:cSld>
-  <p:clrMapOvr>
-    <a:masterClrMapping/>
-  </p:clrMapOvr>
-</p:sld>
-</file>
-
-<file path=ppt/slides/slide7.xml><?xml version="1.0" encoding="utf-8"?>
-<p:sld xmlns:a="http://schemas.openxmlformats.org/drawingml/2006/main" xmlns:r="http://schemas.openxmlformats.org/officeDocument/2006/relationships" xmlns:p="http://schemas.openxmlformats.org/presentationml/2006/main">
-  <p:cSld>
-    <p:spTree>
-      <p:nvGrpSpPr>
-        <p:cNvPr id="1" name=""/>
-        <p:cNvGrpSpPr/>
-        <p:nvPr/>
-      </p:nvGrpSpPr>
-      <p:grpSpPr>
-        <a:xfrm>
-          <a:off x="0" y="0"/>
-          <a:ext cx="0" cy="0"/>
-          <a:chOff x="0" y="0"/>
-          <a:chExt cx="0" cy="0"/>
-        </a:xfrm>
-      </p:grpSpPr>
-      <p:sp>
-        <p:nvSpPr>
-          <p:cNvPr id="2" name="Title 1">
-            <a:extLst>
-              <a:ext uri="{FF2B5EF4-FFF2-40B4-BE49-F238E27FC236}">
-                <a16:creationId xmlns:a16="http://schemas.microsoft.com/office/drawing/2014/main" id="{A7E5055E-69D8-4AD6-90D3-8A8C8B6D3FEB}"/>
-              </a:ext>
-            </a:extLst>
-          </p:cNvPr>
-          <p:cNvSpPr>
-            <a:spLocks noGrp="1"/>
-          </p:cNvSpPr>
-          <p:nvPr>
-            <p:ph type="title"/>
-          </p:nvPr>
-        </p:nvSpPr>
-        <p:spPr/>
-        <p:txBody>
-          <a:bodyPr/>
-          <a:lstStyle/>
-          <a:p>
-            <a:r>
-              <a:rPr lang="en-US" dirty="0">
-                <a:effectLst>
-                  <a:outerShdw blurRad="38100" dist="38100" dir="2700000" algn="tl">
-                    <a:srgbClr val="000000">
-                      <a:alpha val="43137"/>
-                    </a:srgbClr>
-                  </a:outerShdw>
-                </a:effectLst>
-              </a:rPr>
-              <a:t>Introduction to </a:t>
-            </a:r>
-            <a:r>
-              <a:rPr lang="en-US" dirty="0" err="1">
-                <a:effectLst>
-                  <a:outerShdw blurRad="38100" dist="38100" dir="2700000" algn="tl">
-                    <a:srgbClr val="000000">
-                      <a:alpha val="43137"/>
-                    </a:srgbClr>
-                  </a:outerShdw>
-                </a:effectLst>
-              </a:rPr>
-              <a:t>Andriod</a:t>
-            </a:r>
-            <a:r>
-              <a:rPr lang="en-US" dirty="0">
-                <a:effectLst>
-                  <a:outerShdw blurRad="38100" dist="38100" dir="2700000" algn="tl">
-                    <a:srgbClr val="000000">
-                      <a:alpha val="43137"/>
-                    </a:srgbClr>
-                  </a:outerShdw>
-                </a:effectLst>
-              </a:rPr>
-              <a:t> Studio</a:t>
-            </a:r>
           </a:p>
         </p:txBody>
       </p:sp>
@@ -10228,108 +4996,92 @@
           </a:xfrm>
         </p:spPr>
         <p:txBody>
-          <a:bodyPr/>
+          <a:bodyPr>
+            <a:normAutofit/>
+          </a:bodyPr>
           <a:lstStyle/>
           <a:p>
-            <a:pPr marL="0" indent="0" algn="just">
-              <a:buNone/>
+            <a:pPr marL="342900" marR="0" lvl="0" indent="-342900">
+              <a:lnSpc>
+                <a:spcPct val="106000"/>
+              </a:lnSpc>
+              <a:spcBef>
+                <a:spcPts val="0"/>
+              </a:spcBef>
+              <a:spcAft>
+                <a:spcPts val="0"/>
+              </a:spcAft>
+              <a:buFont typeface="+mj-lt"/>
+              <a:buAutoNum type="arabicPeriod"/>
             </a:pPr>
             <a:r>
-              <a:rPr lang="en-US" sz="1800" b="1" i="0" dirty="0">
+              <a:rPr lang="en-US" sz="1800" dirty="0">
                 <a:effectLst/>
+                <a:latin typeface="Arial" panose="020B0604020202020204" pitchFamily="34" charset="0"/>
+                <a:ea typeface="Calibri" panose="020F0502020204030204" pitchFamily="34" charset="0"/>
+                <a:cs typeface="Times New Roman" panose="02020603050405020304" pitchFamily="18" charset="0"/>
               </a:rPr>
-              <a:t>Why </a:t>
-            </a:r>
-            <a:r>
-              <a:rPr lang="en-US" sz="1800" b="1" i="0" dirty="0" err="1">
+              <a:t>Development of a basic mobile application</a:t>
+            </a:r>
+            <a:endParaRPr lang="en-US" sz="1800" dirty="0">
+              <a:effectLst/>
+              <a:latin typeface="Calibri" panose="020F0502020204030204" pitchFamily="34" charset="0"/>
+              <a:ea typeface="Calibri" panose="020F0502020204030204" pitchFamily="34" charset="0"/>
+              <a:cs typeface="Times New Roman" panose="02020603050405020304" pitchFamily="18" charset="0"/>
+            </a:endParaRPr>
+          </a:p>
+          <a:p>
+            <a:pPr marL="342900" marR="0" lvl="0" indent="-342900">
+              <a:lnSpc>
+                <a:spcPct val="106000"/>
+              </a:lnSpc>
+              <a:spcBef>
+                <a:spcPts val="0"/>
+              </a:spcBef>
+              <a:spcAft>
+                <a:spcPts val="0"/>
+              </a:spcAft>
+              <a:buFont typeface="+mj-lt"/>
+              <a:buAutoNum type="arabicPeriod"/>
+            </a:pPr>
+            <a:r>
+              <a:rPr lang="en-US" sz="1800" dirty="0">
                 <a:effectLst/>
+                <a:latin typeface="Arial" panose="020B0604020202020204" pitchFamily="34" charset="0"/>
+                <a:ea typeface="Calibri" panose="020F0502020204030204" pitchFamily="34" charset="0"/>
+                <a:cs typeface="Times New Roman" panose="02020603050405020304" pitchFamily="18" charset="0"/>
               </a:rPr>
-              <a:t>Andriod</a:t>
-            </a:r>
-            <a:r>
-              <a:rPr lang="en-US" sz="1800" b="1" i="0" dirty="0">
+              <a:t>Developed a pizza delivery app with multiple features</a:t>
+            </a:r>
+            <a:endParaRPr lang="en-US" sz="1800" dirty="0">
+              <a:effectLst/>
+              <a:latin typeface="Calibri" panose="020F0502020204030204" pitchFamily="34" charset="0"/>
+              <a:ea typeface="Calibri" panose="020F0502020204030204" pitchFamily="34" charset="0"/>
+              <a:cs typeface="Times New Roman" panose="02020603050405020304" pitchFamily="18" charset="0"/>
+            </a:endParaRPr>
+          </a:p>
+          <a:p>
+            <a:pPr marL="342900" marR="0" lvl="0" indent="-342900">
+              <a:lnSpc>
+                <a:spcPct val="106000"/>
+              </a:lnSpc>
+              <a:spcBef>
+                <a:spcPts val="0"/>
+              </a:spcBef>
+              <a:spcAft>
+                <a:spcPts val="800"/>
+              </a:spcAft>
+              <a:buFont typeface="+mj-lt"/>
+              <a:buAutoNum type="arabicPeriod"/>
+            </a:pPr>
+            <a:r>
+              <a:rPr lang="en-US" sz="1800" dirty="0">
                 <a:effectLst/>
+                <a:latin typeface="Arial" panose="020B0604020202020204" pitchFamily="34" charset="0"/>
+                <a:ea typeface="Calibri" panose="020F0502020204030204" pitchFamily="34" charset="0"/>
+                <a:cs typeface="Times New Roman" panose="02020603050405020304" pitchFamily="18" charset="0"/>
               </a:rPr>
-              <a:t> Studio:</a:t>
-            </a:r>
-          </a:p>
-          <a:p>
-            <a:pPr algn="just">
-              <a:buFont typeface="Arial" panose="020B0604020202020204" pitchFamily="34" charset="0"/>
-              <a:buChar char="•"/>
-            </a:pPr>
-            <a:r>
-              <a:rPr lang="en-US" sz="1800" b="1" i="0" dirty="0">
-                <a:effectLst/>
-              </a:rPr>
-              <a:t>Gradle Build System :</a:t>
-            </a:r>
-            <a:r>
-              <a:rPr lang="en-US" sz="1800" b="0" i="0" dirty="0">
-                <a:effectLst/>
-              </a:rPr>
-              <a:t>Android Studio (AS) uses a highly integrated Gradle build system. It’s a great tool that offers dependency management.</a:t>
-            </a:r>
-          </a:p>
-          <a:p>
-            <a:pPr algn="just">
-              <a:buFont typeface="Arial" panose="020B0604020202020204" pitchFamily="34" charset="0"/>
-              <a:buChar char="•"/>
-            </a:pPr>
-            <a:r>
-              <a:rPr lang="en-US" sz="1800" b="1" dirty="0"/>
-              <a:t>Create and Manage virtual devices </a:t>
-            </a:r>
-            <a:r>
-              <a:rPr lang="en-US" sz="1800" dirty="0"/>
-              <a:t>:Emulator</a:t>
-            </a:r>
-            <a:endParaRPr lang="en-US" sz="1800" b="0" i="0" dirty="0">
-              <a:effectLst/>
-            </a:endParaRPr>
-          </a:p>
-          <a:p>
-            <a:pPr algn="just"/>
-            <a:r>
-              <a:rPr lang="en-US" sz="1800" b="1" i="0" dirty="0">
-                <a:effectLst/>
-              </a:rPr>
-              <a:t>Availability Of Drag-And-Drop :</a:t>
-            </a:r>
-          </a:p>
-          <a:p>
-            <a:r>
-              <a:rPr lang="en-US" sz="1800" b="1" i="0" dirty="0">
-                <a:effectLst/>
-              </a:rPr>
-              <a:t>User Interface (UI)</a:t>
-            </a:r>
-            <a:endParaRPr lang="en-US" sz="1800" b="0" i="0" dirty="0">
-              <a:effectLst/>
-            </a:endParaRPr>
-          </a:p>
-          <a:p>
-            <a:pPr algn="just"/>
-            <a:r>
-              <a:rPr lang="en-US" sz="1800" b="1" i="0" dirty="0">
-                <a:effectLst/>
-              </a:rPr>
-              <a:t>Java Code Auto-Completion</a:t>
-            </a:r>
-          </a:p>
-          <a:p>
-            <a:pPr algn="just"/>
-            <a:r>
-              <a:rPr lang="en-US" sz="1800" b="1" i="0" dirty="0">
-                <a:effectLst/>
-              </a:rPr>
-              <a:t>Stability </a:t>
-            </a:r>
-            <a:r>
-              <a:rPr lang="en-US" sz="1800" b="1" i="0">
-                <a:effectLst/>
-              </a:rPr>
-              <a:t>Of System</a:t>
+              <a:t>Created an application to make an API call and receive the data from the API</a:t>
             </a:r>
             <a:endParaRPr lang="en-US" sz="1800" b="1" i="0" dirty="0">
               <a:effectLst/>
@@ -10357,147 +5109,6 @@
           </a:p>
         </p:txBody>
       </p:sp>
-      <p:sp>
-        <p:nvSpPr>
-          <p:cNvPr id="6" name="TextBox 5">
-            <a:extLst>
-              <a:ext uri="{FF2B5EF4-FFF2-40B4-BE49-F238E27FC236}">
-                <a16:creationId xmlns:a16="http://schemas.microsoft.com/office/drawing/2014/main" id="{93437F8F-B940-4DF0-A7A9-CAB76FDB0541}"/>
-              </a:ext>
-            </a:extLst>
-          </p:cNvPr>
-          <p:cNvSpPr txBox="1"/>
-          <p:nvPr/>
-        </p:nvSpPr>
-        <p:spPr>
-          <a:xfrm>
-            <a:off x="7366000" y="1910080"/>
-            <a:ext cx="3987800" cy="3139321"/>
-          </a:xfrm>
-          <a:prstGeom prst="rect">
-            <a:avLst/>
-          </a:prstGeom>
-          <a:noFill/>
-        </p:spPr>
-        <p:txBody>
-          <a:bodyPr wrap="square" rtlCol="0">
-            <a:spAutoFit/>
-          </a:bodyPr>
-          <a:lstStyle/>
-          <a:p>
-            <a:endParaRPr lang="en-US" b="1" dirty="0"/>
-          </a:p>
-          <a:p>
-            <a:endParaRPr lang="en-US" b="1" dirty="0"/>
-          </a:p>
-          <a:p>
-            <a:r>
-              <a:rPr lang="en-US" b="1" dirty="0"/>
-              <a:t>Contents in Mobile development</a:t>
-            </a:r>
-          </a:p>
-          <a:p>
-            <a:endParaRPr lang="en-US" b="1" dirty="0"/>
-          </a:p>
-          <a:p>
-            <a:pPr marL="285750" indent="-285750">
-              <a:buFont typeface="Arial" panose="020B0604020202020204" pitchFamily="34" charset="0"/>
-              <a:buChar char="•"/>
-            </a:pPr>
-            <a:r>
-              <a:rPr lang="en-US" dirty="0"/>
-              <a:t>Basic Login Page</a:t>
-            </a:r>
-          </a:p>
-          <a:p>
-            <a:endParaRPr lang="en-US" dirty="0"/>
-          </a:p>
-          <a:p>
-            <a:pPr marL="285750" indent="-285750">
-              <a:buFont typeface="Arial" panose="020B0604020202020204" pitchFamily="34" charset="0"/>
-              <a:buChar char="•"/>
-            </a:pPr>
-            <a:r>
-              <a:rPr lang="en-US" dirty="0"/>
-              <a:t>Pizza App</a:t>
-            </a:r>
-          </a:p>
-          <a:p>
-            <a:endParaRPr lang="en-US" dirty="0"/>
-          </a:p>
-          <a:p>
-            <a:pPr marL="285750" indent="-285750">
-              <a:buFont typeface="Arial" panose="020B0604020202020204" pitchFamily="34" charset="0"/>
-              <a:buChar char="•"/>
-            </a:pPr>
-            <a:r>
-              <a:rPr lang="en-US" dirty="0"/>
-              <a:t>Interaction with API’s</a:t>
-            </a:r>
-          </a:p>
-          <a:p>
-            <a:endParaRPr lang="en-US" dirty="0"/>
-          </a:p>
-          <a:p>
-            <a:pPr marL="285750" indent="-285750">
-              <a:buFont typeface="Arial" panose="020B0604020202020204" pitchFamily="34" charset="0"/>
-              <a:buChar char="•"/>
-            </a:pPr>
-            <a:r>
-              <a:rPr lang="en-US" dirty="0" err="1"/>
-              <a:t>TextToSpeech</a:t>
-            </a:r>
-            <a:endParaRPr lang="en-US" dirty="0"/>
-          </a:p>
-        </p:txBody>
-      </p:sp>
-      <p:pic>
-        <p:nvPicPr>
-          <p:cNvPr id="2050" name="Picture 2" descr="Why is Android Studio still such a gruesome embarrassment? | TechCrunch">
-            <a:extLst>
-              <a:ext uri="{FF2B5EF4-FFF2-40B4-BE49-F238E27FC236}">
-                <a16:creationId xmlns:a16="http://schemas.microsoft.com/office/drawing/2014/main" id="{ED38B406-395D-4A65-AF29-9CD4D00DCF9B}"/>
-              </a:ext>
-            </a:extLst>
-          </p:cNvPr>
-          <p:cNvPicPr>
-            <a:picLocks noChangeAspect="1" noChangeArrowheads="1"/>
-          </p:cNvPicPr>
-          <p:nvPr/>
-        </p:nvPicPr>
-        <p:blipFill>
-          <a:blip r:embed="rId2">
-            <a:extLst>
-              <a:ext uri="{28A0092B-C50C-407E-A947-70E740481C1C}">
-                <a14:useLocalDpi xmlns:a14="http://schemas.microsoft.com/office/drawing/2010/main" val="0"/>
-              </a:ext>
-            </a:extLst>
-          </a:blip>
-          <a:srcRect/>
-          <a:stretch>
-            <a:fillRect/>
-          </a:stretch>
-        </p:blipFill>
-        <p:spPr bwMode="auto">
-          <a:xfrm>
-            <a:off x="8615045" y="176213"/>
-            <a:ext cx="3028950" cy="1514475"/>
-          </a:xfrm>
-          <a:prstGeom prst="rect">
-            <a:avLst/>
-          </a:prstGeom>
-          <a:noFill/>
-          <a:extLst>
-            <a:ext uri="{909E8E84-426E-40DD-AFC4-6F175D3DCCD1}">
-              <a14:hiddenFill xmlns:a14="http://schemas.microsoft.com/office/drawing/2010/main">
-                <a:solidFill>
-                  <a:srgbClr val="FFFFFF"/>
-                </a:solidFill>
-              </a14:hiddenFill>
-            </a:ext>
-          </a:extLst>
-        </p:spPr>
-      </p:pic>
     </p:spTree>
     <p:extLst>
       <p:ext uri="{BB962C8B-B14F-4D97-AF65-F5344CB8AC3E}">
@@ -10511,7 +5122,7 @@
 </p:sld>
 </file>
 
-<file path=ppt/slides/slide8.xml><?xml version="1.0" encoding="utf-8"?>
+<file path=ppt/slides/slide3.xml><?xml version="1.0" encoding="utf-8"?>
 <p:sld xmlns:a="http://schemas.openxmlformats.org/drawingml/2006/main" xmlns:r="http://schemas.openxmlformats.org/officeDocument/2006/relationships" xmlns:p="http://schemas.openxmlformats.org/presentationml/2006/main">
   <p:cSld>
     <p:bg>
@@ -10666,7 +5277,7 @@
         </p:spPr>
         <p:txBody>
           <a:bodyPr vert="horz" lIns="91440" tIns="45720" rIns="91440" bIns="45720" rtlCol="0">
-            <a:normAutofit/>
+            <a:normAutofit fontScale="85000" lnSpcReduction="10000"/>
           </a:bodyPr>
           <a:lstStyle/>
           <a:p>
@@ -10675,20 +5286,65 @@
               <a:buChar char="•"/>
             </a:pPr>
             <a:r>
+              <a:rPr lang="en-US" sz="1800" dirty="0" err="1">
+                <a:solidFill>
+                  <a:srgbClr val="202124"/>
+                </a:solidFill>
+                <a:effectLst/>
+                <a:latin typeface="Roboto" panose="02000000000000000000" pitchFamily="2" charset="0"/>
+                <a:ea typeface="Calibri" panose="020F0502020204030204" pitchFamily="34" charset="0"/>
+                <a:cs typeface="Times New Roman" panose="02020603050405020304" pitchFamily="18" charset="0"/>
+              </a:rPr>
+              <a:t>AppCompatActivity</a:t>
+            </a:r>
+            <a:r>
               <a:rPr lang="en-US" sz="1800" dirty="0">
-                <a:effectLst>
-                  <a:outerShdw blurRad="38100" dist="38100" dir="2700000" algn="tl">
-                    <a:srgbClr val="000000">
-                      <a:alpha val="43137"/>
-                    </a:srgbClr>
-                  </a:outerShdw>
-                </a:effectLst>
+                <a:solidFill>
+                  <a:srgbClr val="202124"/>
+                </a:solidFill>
+                <a:effectLst/>
+                <a:latin typeface="Roboto" panose="02000000000000000000" pitchFamily="2" charset="0"/>
+                <a:ea typeface="Calibri" panose="020F0502020204030204" pitchFamily="34" charset="0"/>
+                <a:cs typeface="Times New Roman" panose="02020603050405020304" pitchFamily="18" charset="0"/>
               </a:rPr>
-              <a:t>Relative layout</a:t>
+              <a:t>: Base class for activities that desire to utilize some of the newer platform highlights on older Android gadgets</a:t>
+            </a:r>
+            <a:endParaRPr lang="en-US" sz="1800" dirty="0">
+              <a:effectLst>
+                <a:outerShdw blurRad="38100" dist="38100" dir="2700000" algn="tl">
+                  <a:srgbClr val="000000">
+                    <a:alpha val="43137"/>
+                  </a:srgbClr>
+                </a:outerShdw>
+              </a:effectLst>
+            </a:endParaRPr>
+          </a:p>
+          <a:p>
+            <a:pPr marL="285750" indent="-228600">
+              <a:buFont typeface="Arial" panose="020B0604020202020204" pitchFamily="34" charset="0"/>
+              <a:buChar char="•"/>
+            </a:pPr>
+            <a:r>
+              <a:rPr lang="en-US" sz="1800" dirty="0">
+                <a:solidFill>
+                  <a:srgbClr val="202124"/>
+                </a:solidFill>
+                <a:effectLst/>
+                <a:latin typeface="Roboto" panose="02000000000000000000" pitchFamily="2" charset="0"/>
+                <a:ea typeface="Calibri" panose="020F0502020204030204" pitchFamily="34" charset="0"/>
+                <a:cs typeface="Times New Roman" panose="02020603050405020304" pitchFamily="18" charset="0"/>
+              </a:rPr>
+              <a:t>Android Bundle</a:t>
+            </a:r>
+            <a:r>
+              <a:rPr lang="en-US" sz="2000" dirty="0">
+                <a:effectLst/>
+              </a:rPr>
+              <a:t> : To exchange the data among the activities</a:t>
             </a:r>
             <a:r>
               <a:rPr lang="en-US" sz="1800" dirty="0"/>
-              <a:t>: this makes the element view relative to each other.</a:t>
+              <a:t>.</a:t>
             </a:r>
           </a:p>
           <a:p>
@@ -11096,78 +5752,6 @@
           </p:txBody>
         </p:sp>
       </p:grpSp>
-      <p:pic>
-        <p:nvPicPr>
-          <p:cNvPr id="8" name="Picture 7">
-            <a:extLst>
-              <a:ext uri="{FF2B5EF4-FFF2-40B4-BE49-F238E27FC236}">
-                <a16:creationId xmlns:a16="http://schemas.microsoft.com/office/drawing/2014/main" id="{BCE898F7-59AD-47F6-A10C-8DEDA1A59E95}"/>
-              </a:ext>
-            </a:extLst>
-          </p:cNvPr>
-          <p:cNvPicPr>
-            <a:picLocks noChangeAspect="1"/>
-          </p:cNvPicPr>
-          <p:nvPr/>
-        </p:nvPicPr>
-        <p:blipFill>
-          <a:blip r:embed="rId2"/>
-          <a:stretch>
-            <a:fillRect/>
-          </a:stretch>
-        </p:blipFill>
-        <p:spPr>
-          <a:xfrm>
-            <a:off x="9310828" y="908116"/>
-            <a:ext cx="2135270" cy="4361891"/>
-          </a:xfrm>
-          <a:prstGeom prst="rect">
-            <a:avLst/>
-          </a:prstGeom>
-          <a:ln>
-            <a:solidFill>
-              <a:schemeClr val="accent1"/>
-            </a:solidFill>
-          </a:ln>
-        </p:spPr>
-      </p:pic>
-      <p:pic>
-        <p:nvPicPr>
-          <p:cNvPr id="6" name="Content Placeholder 5">
-            <a:extLst>
-              <a:ext uri="{FF2B5EF4-FFF2-40B4-BE49-F238E27FC236}">
-                <a16:creationId xmlns:a16="http://schemas.microsoft.com/office/drawing/2014/main" id="{BA13D227-4F6E-45CC-8B92-96B64217743A}"/>
-              </a:ext>
-            </a:extLst>
-          </p:cNvPr>
-          <p:cNvPicPr>
-            <a:picLocks noGrp="1" noChangeAspect="1"/>
-          </p:cNvPicPr>
-          <p:nvPr>
-            <p:ph idx="1"/>
-          </p:nvPr>
-        </p:nvPicPr>
-        <p:blipFill>
-          <a:blip r:embed="rId3"/>
-          <a:stretch>
-            <a:fillRect/>
-          </a:stretch>
-        </p:blipFill>
-        <p:spPr>
-          <a:xfrm>
-            <a:off x="5037326" y="967654"/>
-            <a:ext cx="2117348" cy="4365669"/>
-          </a:xfrm>
-          <a:prstGeom prst="rect">
-            <a:avLst/>
-          </a:prstGeom>
-          <a:ln>
-            <a:solidFill>
-              <a:schemeClr val="accent1"/>
-            </a:solidFill>
-          </a:ln>
-        </p:spPr>
-      </p:pic>
       <p:sp>
         <p:nvSpPr>
           <p:cNvPr id="9" name="Arrow: Right 8">
@@ -11290,6 +5874,66 @@
           </a:p>
         </p:txBody>
       </p:sp>
+      <p:pic>
+        <p:nvPicPr>
+          <p:cNvPr id="18" name="Picture 17">
+            <a:extLst>
+              <a:ext uri="{FF2B5EF4-FFF2-40B4-BE49-F238E27FC236}">
+                <a16:creationId xmlns:a16="http://schemas.microsoft.com/office/drawing/2014/main" id="{39081EC3-603C-452D-B72A-6CFC3A0EA7BD}"/>
+              </a:ext>
+            </a:extLst>
+          </p:cNvPr>
+          <p:cNvPicPr>
+            <a:picLocks noChangeAspect="1"/>
+          </p:cNvPicPr>
+          <p:nvPr/>
+        </p:nvPicPr>
+        <p:blipFill>
+          <a:blip r:embed="rId2"/>
+          <a:stretch>
+            <a:fillRect/>
+          </a:stretch>
+        </p:blipFill>
+        <p:spPr>
+          <a:xfrm>
+            <a:off x="5206188" y="983514"/>
+            <a:ext cx="2093595" cy="4041140"/>
+          </a:xfrm>
+          <a:prstGeom prst="rect">
+            <a:avLst/>
+          </a:prstGeom>
+        </p:spPr>
+      </p:pic>
+      <p:pic>
+        <p:nvPicPr>
+          <p:cNvPr id="22" name="Picture 21">
+            <a:extLst>
+              <a:ext uri="{FF2B5EF4-FFF2-40B4-BE49-F238E27FC236}">
+                <a16:creationId xmlns:a16="http://schemas.microsoft.com/office/drawing/2014/main" id="{4A1E8EB0-9EFD-47EB-A807-0111DB705AF0}"/>
+              </a:ext>
+            </a:extLst>
+          </p:cNvPr>
+          <p:cNvPicPr>
+            <a:picLocks noChangeAspect="1"/>
+          </p:cNvPicPr>
+          <p:nvPr/>
+        </p:nvPicPr>
+        <p:blipFill>
+          <a:blip r:embed="rId3"/>
+          <a:stretch>
+            <a:fillRect/>
+          </a:stretch>
+        </p:blipFill>
+        <p:spPr>
+          <a:xfrm>
+            <a:off x="9640598" y="949874"/>
+            <a:ext cx="2029460" cy="4074780"/>
+          </a:xfrm>
+          <a:prstGeom prst="rect">
+            <a:avLst/>
+          </a:prstGeom>
+        </p:spPr>
+      </p:pic>
     </p:spTree>
     <p:extLst>
       <p:ext uri="{BB962C8B-B14F-4D97-AF65-F5344CB8AC3E}">
@@ -11303,7 +5947,7 @@
 </p:sld>
 </file>
 
-<file path=ppt/slides/slide9.xml><?xml version="1.0" encoding="utf-8"?>
+<file path=ppt/slides/slide4.xml><?xml version="1.0" encoding="utf-8"?>
 <p:sld xmlns:a="http://schemas.openxmlformats.org/drawingml/2006/main" xmlns:r="http://schemas.openxmlformats.org/officeDocument/2006/relationships" xmlns:p="http://schemas.openxmlformats.org/presentationml/2006/main">
   <p:cSld>
     <p:spTree>
@@ -11406,96 +6050,6 @@
           </a:p>
         </p:txBody>
       </p:sp>
-      <p:pic>
-        <p:nvPicPr>
-          <p:cNvPr id="6" name="Picture 5">
-            <a:extLst>
-              <a:ext uri="{FF2B5EF4-FFF2-40B4-BE49-F238E27FC236}">
-                <a16:creationId xmlns:a16="http://schemas.microsoft.com/office/drawing/2014/main" id="{6706D17D-0CAE-4D96-A152-BB9F60ECED7B}"/>
-              </a:ext>
-            </a:extLst>
-          </p:cNvPr>
-          <p:cNvPicPr>
-            <a:picLocks noChangeAspect="1"/>
-          </p:cNvPicPr>
-          <p:nvPr/>
-        </p:nvPicPr>
-        <p:blipFill>
-          <a:blip r:embed="rId2"/>
-          <a:stretch>
-            <a:fillRect/>
-          </a:stretch>
-        </p:blipFill>
-        <p:spPr>
-          <a:xfrm>
-            <a:off x="4772025" y="1134786"/>
-            <a:ext cx="2167313" cy="4324906"/>
-          </a:xfrm>
-          <a:prstGeom prst="rect">
-            <a:avLst/>
-          </a:prstGeom>
-        </p:spPr>
-      </p:pic>
-      <p:pic>
-        <p:nvPicPr>
-          <p:cNvPr id="8" name="Picture 7">
-            <a:extLst>
-              <a:ext uri="{FF2B5EF4-FFF2-40B4-BE49-F238E27FC236}">
-                <a16:creationId xmlns:a16="http://schemas.microsoft.com/office/drawing/2014/main" id="{42D43D6D-290B-4C7D-AD69-F8BC40F271A0}"/>
-              </a:ext>
-            </a:extLst>
-          </p:cNvPr>
-          <p:cNvPicPr>
-            <a:picLocks noChangeAspect="1"/>
-          </p:cNvPicPr>
-          <p:nvPr/>
-        </p:nvPicPr>
-        <p:blipFill>
-          <a:blip r:embed="rId3"/>
-          <a:stretch>
-            <a:fillRect/>
-          </a:stretch>
-        </p:blipFill>
-        <p:spPr>
-          <a:xfrm>
-            <a:off x="8018669" y="3153372"/>
-            <a:ext cx="3899012" cy="1333872"/>
-          </a:xfrm>
-          <a:prstGeom prst="rect">
-            <a:avLst/>
-          </a:prstGeom>
-        </p:spPr>
-      </p:pic>
-      <p:pic>
-        <p:nvPicPr>
-          <p:cNvPr id="10" name="Picture 9">
-            <a:extLst>
-              <a:ext uri="{FF2B5EF4-FFF2-40B4-BE49-F238E27FC236}">
-                <a16:creationId xmlns:a16="http://schemas.microsoft.com/office/drawing/2014/main" id="{475E5533-767E-4E1A-B093-1985C547EE4E}"/>
-              </a:ext>
-            </a:extLst>
-          </p:cNvPr>
-          <p:cNvPicPr>
-            <a:picLocks noChangeAspect="1"/>
-          </p:cNvPicPr>
-          <p:nvPr/>
-        </p:nvPicPr>
-        <p:blipFill>
-          <a:blip r:embed="rId4"/>
-          <a:stretch>
-            <a:fillRect/>
-          </a:stretch>
-        </p:blipFill>
-        <p:spPr>
-          <a:xfrm>
-            <a:off x="577503" y="2980014"/>
-            <a:ext cx="3323937" cy="1502870"/>
-          </a:xfrm>
-          <a:prstGeom prst="rect">
-            <a:avLst/>
-          </a:prstGeom>
-        </p:spPr>
-      </p:pic>
       <p:cxnSp>
         <p:nvCxnSpPr>
           <p:cNvPr id="12" name="Straight Arrow Connector 11">
@@ -11549,7 +6103,7 @@
         </p:nvCxnSpPr>
         <p:spPr>
           <a:xfrm flipV="1">
-            <a:off x="6695440" y="3963194"/>
+            <a:off x="6053939" y="2782502"/>
             <a:ext cx="1323229" cy="141446"/>
           </a:xfrm>
           <a:prstGeom prst="straightConnector1">
@@ -11576,49 +6130,6 @@
       </p:cxnSp>
       <p:sp>
         <p:nvSpPr>
-          <p:cNvPr id="16" name="TextBox 15">
-            <a:extLst>
-              <a:ext uri="{FF2B5EF4-FFF2-40B4-BE49-F238E27FC236}">
-                <a16:creationId xmlns:a16="http://schemas.microsoft.com/office/drawing/2014/main" id="{0E7CDB9D-C6A9-47AA-A700-DB97A3F250D9}"/>
-              </a:ext>
-            </a:extLst>
-          </p:cNvPr>
-          <p:cNvSpPr txBox="1"/>
-          <p:nvPr/>
-        </p:nvSpPr>
-        <p:spPr>
-          <a:xfrm>
-            <a:off x="1076960" y="4621938"/>
-            <a:ext cx="1656080" cy="369332"/>
-          </a:xfrm>
-          <a:prstGeom prst="rect">
-            <a:avLst/>
-          </a:prstGeom>
-          <a:noFill/>
-        </p:spPr>
-        <p:txBody>
-          <a:bodyPr wrap="square" rtlCol="0">
-            <a:spAutoFit/>
-          </a:bodyPr>
-          <a:lstStyle/>
-          <a:p>
-            <a:r>
-              <a:rPr lang="en-US" dirty="0">
-                <a:effectLst>
-                  <a:outerShdw blurRad="38100" dist="38100" dir="2700000" algn="tl">
-                    <a:srgbClr val="000000">
-                      <a:alpha val="43137"/>
-                    </a:srgbClr>
-                  </a:outerShdw>
-                </a:effectLst>
-              </a:rPr>
-              <a:t>Email Method</a:t>
-            </a:r>
-          </a:p>
-        </p:txBody>
-      </p:sp>
-      <p:sp>
-        <p:nvSpPr>
           <p:cNvPr id="17" name="TextBox 16">
             <a:extLst>
               <a:ext uri="{FF2B5EF4-FFF2-40B4-BE49-F238E27FC236}">
@@ -11660,10 +6171,1075 @@
           </a:p>
         </p:txBody>
       </p:sp>
+      <p:pic>
+        <p:nvPicPr>
+          <p:cNvPr id="19" name="Picture 18">
+            <a:extLst>
+              <a:ext uri="{FF2B5EF4-FFF2-40B4-BE49-F238E27FC236}">
+                <a16:creationId xmlns:a16="http://schemas.microsoft.com/office/drawing/2014/main" id="{CDF305B8-6609-4ECB-B811-992D41D1730E}"/>
+              </a:ext>
+            </a:extLst>
+          </p:cNvPr>
+          <p:cNvPicPr>
+            <a:picLocks noChangeAspect="1"/>
+          </p:cNvPicPr>
+          <p:nvPr/>
+        </p:nvPicPr>
+        <p:blipFill>
+          <a:blip r:embed="rId2"/>
+          <a:stretch>
+            <a:fillRect/>
+          </a:stretch>
+        </p:blipFill>
+        <p:spPr>
+          <a:xfrm>
+            <a:off x="946467" y="3535681"/>
+            <a:ext cx="2962275" cy="2020570"/>
+          </a:xfrm>
+          <a:prstGeom prst="rect">
+            <a:avLst/>
+          </a:prstGeom>
+        </p:spPr>
+      </p:pic>
+      <p:pic>
+        <p:nvPicPr>
+          <p:cNvPr id="20" name="Picture 19">
+            <a:extLst>
+              <a:ext uri="{FF2B5EF4-FFF2-40B4-BE49-F238E27FC236}">
+                <a16:creationId xmlns:a16="http://schemas.microsoft.com/office/drawing/2014/main" id="{8A5D138F-EE50-4063-A9AD-58AD592E3FAB}"/>
+              </a:ext>
+            </a:extLst>
+          </p:cNvPr>
+          <p:cNvPicPr>
+            <a:picLocks noChangeAspect="1"/>
+          </p:cNvPicPr>
+          <p:nvPr/>
+        </p:nvPicPr>
+        <p:blipFill>
+          <a:blip r:embed="rId3"/>
+          <a:stretch>
+            <a:fillRect/>
+          </a:stretch>
+        </p:blipFill>
+        <p:spPr>
+          <a:xfrm>
+            <a:off x="4848225" y="1693227"/>
+            <a:ext cx="2495550" cy="3471545"/>
+          </a:xfrm>
+          <a:prstGeom prst="rect">
+            <a:avLst/>
+          </a:prstGeom>
+        </p:spPr>
+      </p:pic>
+      <p:pic>
+        <p:nvPicPr>
+          <p:cNvPr id="21" name="Picture 20">
+            <a:extLst>
+              <a:ext uri="{FF2B5EF4-FFF2-40B4-BE49-F238E27FC236}">
+                <a16:creationId xmlns:a16="http://schemas.microsoft.com/office/drawing/2014/main" id="{BFA4589F-BB25-463F-96B6-27B754A1FC8D}"/>
+              </a:ext>
+            </a:extLst>
+          </p:cNvPr>
+          <p:cNvPicPr>
+            <a:picLocks noChangeAspect="1"/>
+          </p:cNvPicPr>
+          <p:nvPr/>
+        </p:nvPicPr>
+        <p:blipFill>
+          <a:blip r:embed="rId4"/>
+          <a:stretch>
+            <a:fillRect/>
+          </a:stretch>
+        </p:blipFill>
+        <p:spPr>
+          <a:xfrm>
+            <a:off x="7343775" y="2057400"/>
+            <a:ext cx="4067810" cy="1843405"/>
+          </a:xfrm>
+          <a:prstGeom prst="rect">
+            <a:avLst/>
+          </a:prstGeom>
+        </p:spPr>
+      </p:pic>
     </p:spTree>
     <p:extLst>
       <p:ext uri="{BB962C8B-B14F-4D97-AF65-F5344CB8AC3E}">
         <p14:creationId xmlns:p14="http://schemas.microsoft.com/office/powerpoint/2010/main" val="563171011"/>
+      </p:ext>
+    </p:extLst>
+  </p:cSld>
+  <p:clrMapOvr>
+    <a:masterClrMapping/>
+  </p:clrMapOvr>
+</p:sld>
+</file>
+
+<file path=ppt/slides/slide5.xml><?xml version="1.0" encoding="utf-8"?>
+<p:sld xmlns:a="http://schemas.openxmlformats.org/drawingml/2006/main" xmlns:r="http://schemas.openxmlformats.org/officeDocument/2006/relationships" xmlns:p="http://schemas.openxmlformats.org/presentationml/2006/main">
+  <p:cSld>
+    <p:spTree>
+      <p:nvGrpSpPr>
+        <p:cNvPr id="1" name=""/>
+        <p:cNvGrpSpPr/>
+        <p:nvPr/>
+      </p:nvGrpSpPr>
+      <p:grpSpPr>
+        <a:xfrm>
+          <a:off x="0" y="0"/>
+          <a:ext cx="0" cy="0"/>
+          <a:chOff x="0" y="0"/>
+          <a:chExt cx="0" cy="0"/>
+        </a:xfrm>
+      </p:grpSpPr>
+      <p:sp>
+        <p:nvSpPr>
+          <p:cNvPr id="2" name="Title 1">
+            <a:extLst>
+              <a:ext uri="{FF2B5EF4-FFF2-40B4-BE49-F238E27FC236}">
+                <a16:creationId xmlns:a16="http://schemas.microsoft.com/office/drawing/2014/main" id="{DC76F368-4133-4F0F-813F-A4F8E6F442EF}"/>
+              </a:ext>
+            </a:extLst>
+          </p:cNvPr>
+          <p:cNvSpPr>
+            <a:spLocks noGrp="1"/>
+          </p:cNvSpPr>
+          <p:nvPr>
+            <p:ph type="ctrTitle"/>
+          </p:nvPr>
+        </p:nvSpPr>
+        <p:spPr>
+          <a:solidFill>
+            <a:schemeClr val="bg1"/>
+          </a:solidFill>
+        </p:spPr>
+        <p:txBody>
+          <a:bodyPr/>
+          <a:lstStyle/>
+          <a:p>
+            <a:endParaRPr lang="en-US" dirty="0"/>
+          </a:p>
+        </p:txBody>
+      </p:sp>
+      <p:sp>
+        <p:nvSpPr>
+          <p:cNvPr id="3" name="Subtitle 2">
+            <a:extLst>
+              <a:ext uri="{FF2B5EF4-FFF2-40B4-BE49-F238E27FC236}">
+                <a16:creationId xmlns:a16="http://schemas.microsoft.com/office/drawing/2014/main" id="{A0E08B53-A8AC-4F6C-9FF5-20B8DA58E23D}"/>
+              </a:ext>
+            </a:extLst>
+          </p:cNvPr>
+          <p:cNvSpPr>
+            <a:spLocks noGrp="1"/>
+          </p:cNvSpPr>
+          <p:nvPr>
+            <p:ph type="subTitle" idx="1"/>
+          </p:nvPr>
+        </p:nvSpPr>
+        <p:spPr/>
+        <p:txBody>
+          <a:bodyPr/>
+          <a:lstStyle/>
+          <a:p>
+            <a:endParaRPr lang="en-US" dirty="0"/>
+          </a:p>
+        </p:txBody>
+      </p:sp>
+      <p:sp>
+        <p:nvSpPr>
+          <p:cNvPr id="10" name="TextBox 9">
+            <a:extLst>
+              <a:ext uri="{FF2B5EF4-FFF2-40B4-BE49-F238E27FC236}">
+                <a16:creationId xmlns:a16="http://schemas.microsoft.com/office/drawing/2014/main" id="{494A7CD8-4F55-425C-A0BF-4C1E2643371E}"/>
+              </a:ext>
+            </a:extLst>
+          </p:cNvPr>
+          <p:cNvSpPr txBox="1"/>
+          <p:nvPr/>
+        </p:nvSpPr>
+        <p:spPr>
+          <a:xfrm flipH="1">
+            <a:off x="1524000" y="6085840"/>
+            <a:ext cx="1203961" cy="369332"/>
+          </a:xfrm>
+          <a:prstGeom prst="rect">
+            <a:avLst/>
+          </a:prstGeom>
+          <a:noFill/>
+        </p:spPr>
+        <p:txBody>
+          <a:bodyPr wrap="square" rtlCol="0">
+            <a:spAutoFit/>
+          </a:bodyPr>
+          <a:lstStyle/>
+          <a:p>
+            <a:r>
+              <a:rPr lang="en-US" dirty="0">
+                <a:effectLst>
+                  <a:outerShdw blurRad="38100" dist="38100" dir="2700000" algn="tl">
+                    <a:srgbClr val="000000">
+                      <a:alpha val="43137"/>
+                    </a:srgbClr>
+                  </a:outerShdw>
+                </a:effectLst>
+              </a:rPr>
+              <a:t>User Input</a:t>
+            </a:r>
+          </a:p>
+        </p:txBody>
+      </p:sp>
+      <p:sp>
+        <p:nvSpPr>
+          <p:cNvPr id="14" name="TextBox 13">
+            <a:extLst>
+              <a:ext uri="{FF2B5EF4-FFF2-40B4-BE49-F238E27FC236}">
+                <a16:creationId xmlns:a16="http://schemas.microsoft.com/office/drawing/2014/main" id="{3F4F1C6B-5846-4730-8858-D3D3B1F0357F}"/>
+              </a:ext>
+            </a:extLst>
+          </p:cNvPr>
+          <p:cNvSpPr txBox="1"/>
+          <p:nvPr/>
+        </p:nvSpPr>
+        <p:spPr>
+          <a:xfrm flipH="1">
+            <a:off x="4714240" y="6031637"/>
+            <a:ext cx="1656080" cy="369332"/>
+          </a:xfrm>
+          <a:prstGeom prst="rect">
+            <a:avLst/>
+          </a:prstGeom>
+          <a:noFill/>
+        </p:spPr>
+        <p:txBody>
+          <a:bodyPr wrap="square" rtlCol="0">
+            <a:spAutoFit/>
+          </a:bodyPr>
+          <a:lstStyle/>
+          <a:p>
+            <a:r>
+              <a:rPr lang="en-US" dirty="0">
+                <a:effectLst>
+                  <a:outerShdw blurRad="38100" dist="38100" dir="2700000" algn="tl">
+                    <a:srgbClr val="000000">
+                      <a:alpha val="43137"/>
+                    </a:srgbClr>
+                  </a:outerShdw>
+                </a:effectLst>
+              </a:rPr>
+              <a:t>Mail compose</a:t>
+            </a:r>
+          </a:p>
+        </p:txBody>
+      </p:sp>
+      <p:sp>
+        <p:nvSpPr>
+          <p:cNvPr id="15" name="TextBox 14">
+            <a:extLst>
+              <a:ext uri="{FF2B5EF4-FFF2-40B4-BE49-F238E27FC236}">
+                <a16:creationId xmlns:a16="http://schemas.microsoft.com/office/drawing/2014/main" id="{CEEA5129-6060-4162-8736-3D072941B35A}"/>
+              </a:ext>
+            </a:extLst>
+          </p:cNvPr>
+          <p:cNvSpPr txBox="1"/>
+          <p:nvPr/>
+        </p:nvSpPr>
+        <p:spPr>
+          <a:xfrm>
+            <a:off x="7823200" y="6216303"/>
+            <a:ext cx="3088640" cy="369332"/>
+          </a:xfrm>
+          <a:prstGeom prst="rect">
+            <a:avLst/>
+          </a:prstGeom>
+          <a:noFill/>
+        </p:spPr>
+        <p:txBody>
+          <a:bodyPr wrap="square" rtlCol="0">
+            <a:spAutoFit/>
+          </a:bodyPr>
+          <a:lstStyle/>
+          <a:p>
+            <a:r>
+              <a:rPr lang="en-US" dirty="0">
+                <a:effectLst>
+                  <a:outerShdw blurRad="38100" dist="38100" dir="2700000" algn="tl">
+                    <a:srgbClr val="000000">
+                      <a:alpha val="43137"/>
+                    </a:srgbClr>
+                  </a:outerShdw>
+                </a:effectLst>
+              </a:rPr>
+              <a:t>Mail received by the user</a:t>
+            </a:r>
+          </a:p>
+        </p:txBody>
+      </p:sp>
+      <p:sp>
+        <p:nvSpPr>
+          <p:cNvPr id="16" name="Arrow: Right 15">
+            <a:extLst>
+              <a:ext uri="{FF2B5EF4-FFF2-40B4-BE49-F238E27FC236}">
+                <a16:creationId xmlns:a16="http://schemas.microsoft.com/office/drawing/2014/main" id="{428FE364-23A4-4156-A8E7-69E92A74DAA9}"/>
+              </a:ext>
+            </a:extLst>
+          </p:cNvPr>
+          <p:cNvSpPr/>
+          <p:nvPr/>
+        </p:nvSpPr>
+        <p:spPr>
+          <a:xfrm>
+            <a:off x="3409597" y="2895600"/>
+            <a:ext cx="1091283" cy="228601"/>
+          </a:xfrm>
+          <a:prstGeom prst="rightArrow">
+            <a:avLst/>
+          </a:prstGeom>
+          <a:solidFill>
+            <a:schemeClr val="bg1"/>
+          </a:solidFill>
+          <a:ln>
+            <a:solidFill>
+              <a:schemeClr val="tx1"/>
+            </a:solidFill>
+          </a:ln>
+        </p:spPr>
+        <p:style>
+          <a:lnRef idx="2">
+            <a:schemeClr val="accent1">
+              <a:shade val="50000"/>
+            </a:schemeClr>
+          </a:lnRef>
+          <a:fillRef idx="1">
+            <a:schemeClr val="accent1"/>
+          </a:fillRef>
+          <a:effectRef idx="0">
+            <a:schemeClr val="accent1"/>
+          </a:effectRef>
+          <a:fontRef idx="minor">
+            <a:schemeClr val="lt1"/>
+          </a:fontRef>
+        </p:style>
+        <p:txBody>
+          <a:bodyPr rtlCol="0" anchor="ctr"/>
+          <a:lstStyle/>
+          <a:p>
+            <a:pPr algn="ctr"/>
+            <a:endParaRPr lang="en-US"/>
+          </a:p>
+        </p:txBody>
+      </p:sp>
+      <p:sp>
+        <p:nvSpPr>
+          <p:cNvPr id="17" name="Arrow: Right 16">
+            <a:extLst>
+              <a:ext uri="{FF2B5EF4-FFF2-40B4-BE49-F238E27FC236}">
+                <a16:creationId xmlns:a16="http://schemas.microsoft.com/office/drawing/2014/main" id="{48848641-6EE4-4C44-98BF-D5B1BEDA07D2}"/>
+              </a:ext>
+            </a:extLst>
+          </p:cNvPr>
+          <p:cNvSpPr/>
+          <p:nvPr/>
+        </p:nvSpPr>
+        <p:spPr>
+          <a:xfrm>
+            <a:off x="7000240" y="3035931"/>
+            <a:ext cx="965200" cy="194949"/>
+          </a:xfrm>
+          <a:prstGeom prst="rightArrow">
+            <a:avLst/>
+          </a:prstGeom>
+          <a:solidFill>
+            <a:schemeClr val="bg1"/>
+          </a:solidFill>
+          <a:ln>
+            <a:solidFill>
+              <a:schemeClr val="tx1"/>
+            </a:solidFill>
+          </a:ln>
+        </p:spPr>
+        <p:style>
+          <a:lnRef idx="2">
+            <a:schemeClr val="accent1">
+              <a:shade val="50000"/>
+            </a:schemeClr>
+          </a:lnRef>
+          <a:fillRef idx="1">
+            <a:schemeClr val="accent1"/>
+          </a:fillRef>
+          <a:effectRef idx="0">
+            <a:schemeClr val="accent1"/>
+          </a:effectRef>
+          <a:fontRef idx="minor">
+            <a:schemeClr val="lt1"/>
+          </a:fontRef>
+        </p:style>
+        <p:txBody>
+          <a:bodyPr rtlCol="0" anchor="ctr"/>
+          <a:lstStyle/>
+          <a:p>
+            <a:pPr algn="ctr"/>
+            <a:endParaRPr lang="en-US"/>
+          </a:p>
+        </p:txBody>
+      </p:sp>
+      <p:pic>
+        <p:nvPicPr>
+          <p:cNvPr id="18" name="Picture 17">
+            <a:extLst>
+              <a:ext uri="{FF2B5EF4-FFF2-40B4-BE49-F238E27FC236}">
+                <a16:creationId xmlns:a16="http://schemas.microsoft.com/office/drawing/2014/main" id="{0D162407-0E1E-4EA9-90DB-4DFCE20EEE29}"/>
+              </a:ext>
+            </a:extLst>
+          </p:cNvPr>
+          <p:cNvPicPr>
+            <a:picLocks noChangeAspect="1"/>
+          </p:cNvPicPr>
+          <p:nvPr/>
+        </p:nvPicPr>
+        <p:blipFill>
+          <a:blip r:embed="rId2"/>
+          <a:stretch>
+            <a:fillRect/>
+          </a:stretch>
+        </p:blipFill>
+        <p:spPr>
+          <a:xfrm>
+            <a:off x="429816" y="1322705"/>
+            <a:ext cx="3136875" cy="3935095"/>
+          </a:xfrm>
+          <a:prstGeom prst="rect">
+            <a:avLst/>
+          </a:prstGeom>
+        </p:spPr>
+      </p:pic>
+      <p:pic>
+        <p:nvPicPr>
+          <p:cNvPr id="19" name="Picture 18">
+            <a:extLst>
+              <a:ext uri="{FF2B5EF4-FFF2-40B4-BE49-F238E27FC236}">
+                <a16:creationId xmlns:a16="http://schemas.microsoft.com/office/drawing/2014/main" id="{3C04B51E-303A-4673-8204-C3F7CC41E0C2}"/>
+              </a:ext>
+            </a:extLst>
+          </p:cNvPr>
+          <p:cNvPicPr>
+            <a:picLocks noChangeAspect="1"/>
+          </p:cNvPicPr>
+          <p:nvPr/>
+        </p:nvPicPr>
+        <p:blipFill>
+          <a:blip r:embed="rId3"/>
+          <a:stretch>
+            <a:fillRect/>
+          </a:stretch>
+        </p:blipFill>
+        <p:spPr>
+          <a:xfrm>
+            <a:off x="4469688" y="1403147"/>
+            <a:ext cx="2349500" cy="3639185"/>
+          </a:xfrm>
+          <a:prstGeom prst="rect">
+            <a:avLst/>
+          </a:prstGeom>
+        </p:spPr>
+      </p:pic>
+      <p:pic>
+        <p:nvPicPr>
+          <p:cNvPr id="20" name="Picture 19">
+            <a:extLst>
+              <a:ext uri="{FF2B5EF4-FFF2-40B4-BE49-F238E27FC236}">
+                <a16:creationId xmlns:a16="http://schemas.microsoft.com/office/drawing/2014/main" id="{017E45EE-00D6-4B9C-AB50-29042BE44751}"/>
+              </a:ext>
+            </a:extLst>
+          </p:cNvPr>
+          <p:cNvPicPr>
+            <a:picLocks noChangeAspect="1"/>
+          </p:cNvPicPr>
+          <p:nvPr/>
+        </p:nvPicPr>
+        <p:blipFill>
+          <a:blip r:embed="rId4"/>
+          <a:stretch>
+            <a:fillRect/>
+          </a:stretch>
+        </p:blipFill>
+        <p:spPr>
+          <a:xfrm>
+            <a:off x="8134350" y="1600200"/>
+            <a:ext cx="2349500" cy="3693795"/>
+          </a:xfrm>
+          <a:prstGeom prst="rect">
+            <a:avLst/>
+          </a:prstGeom>
+        </p:spPr>
+      </p:pic>
+    </p:spTree>
+    <p:extLst>
+      <p:ext uri="{BB962C8B-B14F-4D97-AF65-F5344CB8AC3E}">
+        <p14:creationId xmlns:p14="http://schemas.microsoft.com/office/powerpoint/2010/main" val="506077183"/>
+      </p:ext>
+    </p:extLst>
+  </p:cSld>
+  <p:clrMapOvr>
+    <a:masterClrMapping/>
+  </p:clrMapOvr>
+</p:sld>
+</file>
+
+<file path=ppt/slides/slide6.xml><?xml version="1.0" encoding="utf-8"?>
+<p:sld xmlns:a="http://schemas.openxmlformats.org/drawingml/2006/main" xmlns:r="http://schemas.openxmlformats.org/officeDocument/2006/relationships" xmlns:p="http://schemas.openxmlformats.org/presentationml/2006/main">
+  <p:cSld>
+    <p:spTree>
+      <p:nvGrpSpPr>
+        <p:cNvPr id="1" name=""/>
+        <p:cNvGrpSpPr/>
+        <p:nvPr/>
+      </p:nvGrpSpPr>
+      <p:grpSpPr>
+        <a:xfrm>
+          <a:off x="0" y="0"/>
+          <a:ext cx="0" cy="0"/>
+          <a:chOff x="0" y="0"/>
+          <a:chExt cx="0" cy="0"/>
+        </a:xfrm>
+      </p:grpSpPr>
+      <p:sp>
+        <p:nvSpPr>
+          <p:cNvPr id="2" name="Title 1">
+            <a:extLst>
+              <a:ext uri="{FF2B5EF4-FFF2-40B4-BE49-F238E27FC236}">
+                <a16:creationId xmlns:a16="http://schemas.microsoft.com/office/drawing/2014/main" id="{0E1D91CA-3DC8-4FA0-8EF9-0D3257CAA05D}"/>
+              </a:ext>
+            </a:extLst>
+          </p:cNvPr>
+          <p:cNvSpPr>
+            <a:spLocks noGrp="1"/>
+          </p:cNvSpPr>
+          <p:nvPr>
+            <p:ph type="title"/>
+          </p:nvPr>
+        </p:nvSpPr>
+        <p:spPr>
+          <a:xfrm>
+            <a:off x="839788" y="406400"/>
+            <a:ext cx="5032692" cy="701810"/>
+          </a:xfrm>
+        </p:spPr>
+        <p:txBody>
+          <a:bodyPr>
+            <a:noAutofit/>
+          </a:bodyPr>
+          <a:lstStyle/>
+          <a:p>
+            <a:r>
+              <a:rPr lang="en-US" dirty="0">
+                <a:effectLst>
+                  <a:outerShdw blurRad="38100" dist="38100" dir="2700000" algn="tl">
+                    <a:srgbClr val="000000">
+                      <a:alpha val="43137"/>
+                    </a:srgbClr>
+                  </a:outerShdw>
+                </a:effectLst>
+              </a:rPr>
+              <a:t>API calls with </a:t>
+            </a:r>
+            <a:r>
+              <a:rPr lang="en-US" dirty="0" err="1">
+                <a:effectLst>
+                  <a:outerShdw blurRad="38100" dist="38100" dir="2700000" algn="tl">
+                    <a:srgbClr val="000000">
+                      <a:alpha val="43137"/>
+                    </a:srgbClr>
+                  </a:outerShdw>
+                </a:effectLst>
+              </a:rPr>
+              <a:t>Andriod</a:t>
+            </a:r>
+            <a:r>
+              <a:rPr lang="en-US" dirty="0">
+                <a:effectLst>
+                  <a:outerShdw blurRad="38100" dist="38100" dir="2700000" algn="tl">
+                    <a:srgbClr val="000000">
+                      <a:alpha val="43137"/>
+                    </a:srgbClr>
+                  </a:outerShdw>
+                </a:effectLst>
+              </a:rPr>
+              <a:t> Studio</a:t>
+            </a:r>
+          </a:p>
+        </p:txBody>
+      </p:sp>
+      <p:sp>
+        <p:nvSpPr>
+          <p:cNvPr id="4" name="Text Placeholder 3">
+            <a:extLst>
+              <a:ext uri="{FF2B5EF4-FFF2-40B4-BE49-F238E27FC236}">
+                <a16:creationId xmlns:a16="http://schemas.microsoft.com/office/drawing/2014/main" id="{F3E27E7C-F253-44C9-9FD9-F66D4E8238DE}"/>
+              </a:ext>
+            </a:extLst>
+          </p:cNvPr>
+          <p:cNvSpPr>
+            <a:spLocks noGrp="1"/>
+          </p:cNvSpPr>
+          <p:nvPr>
+            <p:ph type="body" sz="half" idx="2"/>
+          </p:nvPr>
+        </p:nvSpPr>
+        <p:spPr>
+          <a:xfrm>
+            <a:off x="839788" y="1259840"/>
+            <a:ext cx="3932237" cy="4609148"/>
+          </a:xfrm>
+        </p:spPr>
+        <p:txBody>
+          <a:bodyPr/>
+          <a:lstStyle/>
+          <a:p>
+            <a:pPr marL="285750" indent="-285750">
+              <a:buFont typeface="Arial" panose="020B0604020202020204" pitchFamily="34" charset="0"/>
+              <a:buChar char="•"/>
+            </a:pPr>
+            <a:r>
+              <a:rPr lang="en-US" dirty="0"/>
+              <a:t>Retrofit: It manages the activities like sending, receiving, and creating the http requests &amp;Responses.</a:t>
+            </a:r>
+          </a:p>
+          <a:p>
+            <a:endParaRPr lang="en-US" dirty="0"/>
+          </a:p>
+        </p:txBody>
+      </p:sp>
+      <p:pic>
+        <p:nvPicPr>
+          <p:cNvPr id="6" name="Picture 5">
+            <a:extLst>
+              <a:ext uri="{FF2B5EF4-FFF2-40B4-BE49-F238E27FC236}">
+                <a16:creationId xmlns:a16="http://schemas.microsoft.com/office/drawing/2014/main" id="{A240A869-0FB5-4D84-A338-B0B2835E53A7}"/>
+              </a:ext>
+            </a:extLst>
+          </p:cNvPr>
+          <p:cNvPicPr>
+            <a:picLocks noChangeAspect="1"/>
+          </p:cNvPicPr>
+          <p:nvPr/>
+        </p:nvPicPr>
+        <p:blipFill>
+          <a:blip r:embed="rId2"/>
+          <a:stretch>
+            <a:fillRect/>
+          </a:stretch>
+        </p:blipFill>
+        <p:spPr>
+          <a:xfrm>
+            <a:off x="1022389" y="2385421"/>
+            <a:ext cx="4667490" cy="939848"/>
+          </a:xfrm>
+          <a:prstGeom prst="rect">
+            <a:avLst/>
+          </a:prstGeom>
+        </p:spPr>
+      </p:pic>
+      <p:pic>
+        <p:nvPicPr>
+          <p:cNvPr id="13" name="Picture 12">
+            <a:extLst>
+              <a:ext uri="{FF2B5EF4-FFF2-40B4-BE49-F238E27FC236}">
+                <a16:creationId xmlns:a16="http://schemas.microsoft.com/office/drawing/2014/main" id="{737A2574-5248-4873-BF91-8BA6B558E174}"/>
+              </a:ext>
+            </a:extLst>
+          </p:cNvPr>
+          <p:cNvPicPr>
+            <a:picLocks noChangeAspect="1"/>
+          </p:cNvPicPr>
+          <p:nvPr/>
+        </p:nvPicPr>
+        <p:blipFill>
+          <a:blip r:embed="rId3"/>
+          <a:stretch>
+            <a:fillRect/>
+          </a:stretch>
+        </p:blipFill>
+        <p:spPr>
+          <a:xfrm>
+            <a:off x="7558350" y="800329"/>
+            <a:ext cx="2530530" cy="5068659"/>
+          </a:xfrm>
+          <a:prstGeom prst="rect">
+            <a:avLst/>
+          </a:prstGeom>
+        </p:spPr>
+      </p:pic>
+      <p:pic>
+        <p:nvPicPr>
+          <p:cNvPr id="17" name="Picture 16">
+            <a:extLst>
+              <a:ext uri="{FF2B5EF4-FFF2-40B4-BE49-F238E27FC236}">
+                <a16:creationId xmlns:a16="http://schemas.microsoft.com/office/drawing/2014/main" id="{E0C47BAF-7EFA-4929-840E-EA113948A93A}"/>
+              </a:ext>
+            </a:extLst>
+          </p:cNvPr>
+          <p:cNvPicPr>
+            <a:picLocks noChangeAspect="1"/>
+          </p:cNvPicPr>
+          <p:nvPr/>
+        </p:nvPicPr>
+        <p:blipFill>
+          <a:blip r:embed="rId4"/>
+          <a:stretch>
+            <a:fillRect/>
+          </a:stretch>
+        </p:blipFill>
+        <p:spPr>
+          <a:xfrm>
+            <a:off x="942117" y="3564414"/>
+            <a:ext cx="4330923" cy="1943200"/>
+          </a:xfrm>
+          <a:prstGeom prst="rect">
+            <a:avLst/>
+          </a:prstGeom>
+        </p:spPr>
+      </p:pic>
+      <p:cxnSp>
+        <p:nvCxnSpPr>
+          <p:cNvPr id="19" name="Straight Arrow Connector 18">
+            <a:extLst>
+              <a:ext uri="{FF2B5EF4-FFF2-40B4-BE49-F238E27FC236}">
+                <a16:creationId xmlns:a16="http://schemas.microsoft.com/office/drawing/2014/main" id="{BFB246DE-C00C-4968-944D-C7DA54290520}"/>
+              </a:ext>
+            </a:extLst>
+          </p:cNvPr>
+          <p:cNvCxnSpPr/>
+          <p:nvPr/>
+        </p:nvCxnSpPr>
+        <p:spPr>
+          <a:xfrm flipH="1">
+            <a:off x="5273040" y="2529840"/>
+            <a:ext cx="2438400" cy="2072640"/>
+          </a:xfrm>
+          <a:prstGeom prst="straightConnector1">
+            <a:avLst/>
+          </a:prstGeom>
+          <a:ln>
+            <a:tailEnd type="triangle"/>
+          </a:ln>
+        </p:spPr>
+        <p:style>
+          <a:lnRef idx="1">
+            <a:schemeClr val="accent1"/>
+          </a:lnRef>
+          <a:fillRef idx="0">
+            <a:schemeClr val="accent1"/>
+          </a:fillRef>
+          <a:effectRef idx="0">
+            <a:schemeClr val="accent1"/>
+          </a:effectRef>
+          <a:fontRef idx="minor">
+            <a:schemeClr val="tx1"/>
+          </a:fontRef>
+        </p:style>
+      </p:cxnSp>
+    </p:spTree>
+    <p:extLst>
+      <p:ext uri="{BB962C8B-B14F-4D97-AF65-F5344CB8AC3E}">
+        <p14:creationId xmlns:p14="http://schemas.microsoft.com/office/powerpoint/2010/main" val="3540367309"/>
+      </p:ext>
+    </p:extLst>
+  </p:cSld>
+  <p:clrMapOvr>
+    <a:masterClrMapping/>
+  </p:clrMapOvr>
+</p:sld>
+</file>
+
+<file path=ppt/slides/slide7.xml><?xml version="1.0" encoding="utf-8"?>
+<p:sld xmlns:a="http://schemas.openxmlformats.org/drawingml/2006/main" xmlns:r="http://schemas.openxmlformats.org/officeDocument/2006/relationships" xmlns:p="http://schemas.openxmlformats.org/presentationml/2006/main">
+  <p:cSld>
+    <p:spTree>
+      <p:nvGrpSpPr>
+        <p:cNvPr id="1" name=""/>
+        <p:cNvGrpSpPr/>
+        <p:nvPr/>
+      </p:nvGrpSpPr>
+      <p:grpSpPr>
+        <a:xfrm>
+          <a:off x="0" y="0"/>
+          <a:ext cx="0" cy="0"/>
+          <a:chOff x="0" y="0"/>
+          <a:chExt cx="0" cy="0"/>
+        </a:xfrm>
+      </p:grpSpPr>
+      <p:sp>
+        <p:nvSpPr>
+          <p:cNvPr id="2" name="Title 1">
+            <a:extLst>
+              <a:ext uri="{FF2B5EF4-FFF2-40B4-BE49-F238E27FC236}">
+                <a16:creationId xmlns:a16="http://schemas.microsoft.com/office/drawing/2014/main" id="{7766C552-A5A6-4F6B-A516-2C85D5BA5C4A}"/>
+              </a:ext>
+            </a:extLst>
+          </p:cNvPr>
+          <p:cNvSpPr>
+            <a:spLocks noGrp="1"/>
+          </p:cNvSpPr>
+          <p:nvPr>
+            <p:ph type="title"/>
+          </p:nvPr>
+        </p:nvSpPr>
+        <p:spPr>
+          <a:xfrm>
+            <a:off x="839788" y="111760"/>
+            <a:ext cx="3932237" cy="721360"/>
+          </a:xfrm>
+        </p:spPr>
+        <p:txBody>
+          <a:bodyPr/>
+          <a:lstStyle/>
+          <a:p>
+            <a:r>
+              <a:rPr lang="en-US" dirty="0">
+                <a:effectLst>
+                  <a:outerShdw blurRad="38100" dist="38100" dir="2700000" algn="tl">
+                    <a:srgbClr val="000000">
+                      <a:alpha val="43137"/>
+                    </a:srgbClr>
+                  </a:outerShdw>
+                </a:effectLst>
+              </a:rPr>
+              <a:t>Text To Speech </a:t>
+            </a:r>
+          </a:p>
+        </p:txBody>
+      </p:sp>
+      <p:sp>
+        <p:nvSpPr>
+          <p:cNvPr id="3" name="Picture Placeholder 2">
+            <a:extLst>
+              <a:ext uri="{FF2B5EF4-FFF2-40B4-BE49-F238E27FC236}">
+                <a16:creationId xmlns:a16="http://schemas.microsoft.com/office/drawing/2014/main" id="{9CC8FCB6-FDB2-4779-B686-3CE650A699B8}"/>
+              </a:ext>
+            </a:extLst>
+          </p:cNvPr>
+          <p:cNvSpPr>
+            <a:spLocks noGrp="1"/>
+          </p:cNvSpPr>
+          <p:nvPr>
+            <p:ph type="pic" idx="1"/>
+          </p:nvPr>
+        </p:nvSpPr>
+        <p:spPr/>
+      </p:sp>
+      <p:sp>
+        <p:nvSpPr>
+          <p:cNvPr id="4" name="Text Placeholder 3">
+            <a:extLst>
+              <a:ext uri="{FF2B5EF4-FFF2-40B4-BE49-F238E27FC236}">
+                <a16:creationId xmlns:a16="http://schemas.microsoft.com/office/drawing/2014/main" id="{816FD657-BE70-4BCB-97F7-09964E786DC7}"/>
+              </a:ext>
+            </a:extLst>
+          </p:cNvPr>
+          <p:cNvSpPr>
+            <a:spLocks noGrp="1"/>
+          </p:cNvSpPr>
+          <p:nvPr>
+            <p:ph type="body" sz="half" idx="2"/>
+          </p:nvPr>
+        </p:nvSpPr>
+        <p:spPr>
+          <a:xfrm>
+            <a:off x="839788" y="987425"/>
+            <a:ext cx="3932237" cy="4881563"/>
+          </a:xfrm>
+        </p:spPr>
+        <p:txBody>
+          <a:bodyPr/>
+          <a:lstStyle/>
+          <a:p>
+            <a:r>
+              <a:rPr lang="en-US" dirty="0"/>
+              <a:t>We have a in-build class called Text to speech</a:t>
+            </a:r>
+          </a:p>
+          <a:p>
+            <a:r>
+              <a:rPr lang="en-US" dirty="0"/>
+              <a:t>Constants:</a:t>
+            </a:r>
+          </a:p>
+        </p:txBody>
+      </p:sp>
+      <p:pic>
+        <p:nvPicPr>
+          <p:cNvPr id="8" name="Picture 7">
+            <a:extLst>
+              <a:ext uri="{FF2B5EF4-FFF2-40B4-BE49-F238E27FC236}">
+                <a16:creationId xmlns:a16="http://schemas.microsoft.com/office/drawing/2014/main" id="{B6E1C1B1-3820-40EE-A95B-41803894E01F}"/>
+              </a:ext>
+            </a:extLst>
+          </p:cNvPr>
+          <p:cNvPicPr>
+            <a:picLocks noChangeAspect="1"/>
+          </p:cNvPicPr>
+          <p:nvPr/>
+        </p:nvPicPr>
+        <p:blipFill>
+          <a:blip r:embed="rId2"/>
+          <a:stretch>
+            <a:fillRect/>
+          </a:stretch>
+        </p:blipFill>
+        <p:spPr>
+          <a:xfrm>
+            <a:off x="836612" y="1683357"/>
+            <a:ext cx="4464279" cy="1073205"/>
+          </a:xfrm>
+          <a:prstGeom prst="rect">
+            <a:avLst/>
+          </a:prstGeom>
+        </p:spPr>
+      </p:pic>
+      <p:pic>
+        <p:nvPicPr>
+          <p:cNvPr id="10" name="Picture 9">
+            <a:extLst>
+              <a:ext uri="{FF2B5EF4-FFF2-40B4-BE49-F238E27FC236}">
+                <a16:creationId xmlns:a16="http://schemas.microsoft.com/office/drawing/2014/main" id="{C1C9D532-D28D-46E9-B391-E419F573301A}"/>
+              </a:ext>
+            </a:extLst>
+          </p:cNvPr>
+          <p:cNvPicPr>
+            <a:picLocks noChangeAspect="1"/>
+          </p:cNvPicPr>
+          <p:nvPr/>
+        </p:nvPicPr>
+        <p:blipFill>
+          <a:blip r:embed="rId3"/>
+          <a:stretch>
+            <a:fillRect/>
+          </a:stretch>
+        </p:blipFill>
+        <p:spPr>
+          <a:xfrm>
+            <a:off x="836612" y="2960156"/>
+            <a:ext cx="5181866" cy="901746"/>
+          </a:xfrm>
+          <a:prstGeom prst="rect">
+            <a:avLst/>
+          </a:prstGeom>
+        </p:spPr>
+      </p:pic>
+      <p:pic>
+        <p:nvPicPr>
+          <p:cNvPr id="12" name="Picture 11">
+            <a:extLst>
+              <a:ext uri="{FF2B5EF4-FFF2-40B4-BE49-F238E27FC236}">
+                <a16:creationId xmlns:a16="http://schemas.microsoft.com/office/drawing/2014/main" id="{1AC223EF-0DEA-4442-B3DE-AA5BA61144C6}"/>
+              </a:ext>
+            </a:extLst>
+          </p:cNvPr>
+          <p:cNvPicPr>
+            <a:picLocks noChangeAspect="1"/>
+          </p:cNvPicPr>
+          <p:nvPr/>
+        </p:nvPicPr>
+        <p:blipFill>
+          <a:blip r:embed="rId4"/>
+          <a:stretch>
+            <a:fillRect/>
+          </a:stretch>
+        </p:blipFill>
+        <p:spPr>
+          <a:xfrm>
+            <a:off x="3214732" y="4091912"/>
+            <a:ext cx="4921503" cy="2330570"/>
+          </a:xfrm>
+          <a:prstGeom prst="rect">
+            <a:avLst/>
+          </a:prstGeom>
+        </p:spPr>
+      </p:pic>
+      <p:cxnSp>
+        <p:nvCxnSpPr>
+          <p:cNvPr id="14" name="Straight Arrow Connector 13">
+            <a:extLst>
+              <a:ext uri="{FF2B5EF4-FFF2-40B4-BE49-F238E27FC236}">
+                <a16:creationId xmlns:a16="http://schemas.microsoft.com/office/drawing/2014/main" id="{3E72F0BC-92D5-49D8-88EF-C29F48732F7B}"/>
+              </a:ext>
+            </a:extLst>
+          </p:cNvPr>
+          <p:cNvCxnSpPr/>
+          <p:nvPr/>
+        </p:nvCxnSpPr>
+        <p:spPr>
+          <a:xfrm flipH="1">
+            <a:off x="7599680" y="2756562"/>
+            <a:ext cx="1950720" cy="1335350"/>
+          </a:xfrm>
+          <a:prstGeom prst="straightConnector1">
+            <a:avLst/>
+          </a:prstGeom>
+          <a:ln>
+            <a:tailEnd type="triangle"/>
+          </a:ln>
+        </p:spPr>
+        <p:style>
+          <a:lnRef idx="1">
+            <a:schemeClr val="accent1"/>
+          </a:lnRef>
+          <a:fillRef idx="0">
+            <a:schemeClr val="accent1"/>
+          </a:fillRef>
+          <a:effectRef idx="0">
+            <a:schemeClr val="accent1"/>
+          </a:effectRef>
+          <a:fontRef idx="minor">
+            <a:schemeClr val="tx1"/>
+          </a:fontRef>
+        </p:style>
+      </p:cxnSp>
+      <p:pic>
+        <p:nvPicPr>
+          <p:cNvPr id="11" name="Picture 10">
+            <a:extLst>
+              <a:ext uri="{FF2B5EF4-FFF2-40B4-BE49-F238E27FC236}">
+                <a16:creationId xmlns:a16="http://schemas.microsoft.com/office/drawing/2014/main" id="{56632887-F966-42F4-9493-612BDFC64EFB}"/>
+              </a:ext>
+            </a:extLst>
+          </p:cNvPr>
+          <p:cNvPicPr>
+            <a:picLocks noChangeAspect="1"/>
+          </p:cNvPicPr>
+          <p:nvPr/>
+        </p:nvPicPr>
+        <p:blipFill>
+          <a:blip r:embed="rId5">
+            <a:extLst>
+              <a:ext uri="{28A0092B-C50C-407E-A947-70E740481C1C}">
+                <a14:useLocalDpi xmlns:a14="http://schemas.microsoft.com/office/drawing/2010/main" val="0"/>
+              </a:ext>
+            </a:extLst>
+          </a:blip>
+          <a:srcRect/>
+          <a:stretch>
+            <a:fillRect/>
+          </a:stretch>
+        </p:blipFill>
+        <p:spPr bwMode="auto">
+          <a:xfrm>
+            <a:off x="9000807" y="1376044"/>
+            <a:ext cx="2221865" cy="4096385"/>
+          </a:xfrm>
+          <a:prstGeom prst="rect">
+            <a:avLst/>
+          </a:prstGeom>
+          <a:noFill/>
+          <a:ln>
+            <a:noFill/>
+          </a:ln>
+        </p:spPr>
+      </p:pic>
+    </p:spTree>
+    <p:extLst>
+      <p:ext uri="{BB962C8B-B14F-4D97-AF65-F5344CB8AC3E}">
+        <p14:creationId xmlns:p14="http://schemas.microsoft.com/office/powerpoint/2010/main" val="3135330509"/>
       </p:ext>
     </p:extLst>
   </p:cSld>
